--- a/images/theory_analysis/Spring_Cloud/Spring_Cloud.pptx
+++ b/images/theory_analysis/Spring_Cloud/Spring_Cloud.pptx
@@ -110,7 +110,7 @@
   </p:defaultTextStyle>
   <p:extLst>
     <p:ext uri="{EFAFB233-063F-42B5-8137-9DF3F51BA10A}">
-      <p15:sldGuideLst xmlns:p15="http://schemas.microsoft.com/office/powerpoint/2012/main">
+      <p15:sldGuideLst xmlns:p15="http://schemas.microsoft.com/office/powerpoint/2012/main" xmlns="">
         <p15:guide id="1" orient="horz" pos="2160">
           <p15:clr>
             <a:srgbClr val="A4A3A4"/>
@@ -214,7 +214,7 @@
           <a:p>
             <a:fld id="{6CD5550B-26C4-49A9-A5BA-636EF7BE6CE9}" type="datetimeFigureOut">
               <a:rPr lang="ko-KR" altLang="en-US" smtClean="0"/>
-              <a:t>2018-11-07</a:t>
+              <a:t>2018-11-08</a:t>
             </a:fld>
             <a:endParaRPr lang="ko-KR" altLang="en-US"/>
           </a:p>
@@ -828,7 +828,7 @@
           <a:p>
             <a:fld id="{FB30EDBD-1C2D-4C1E-B459-B60219FAB484}" type="datetimeFigureOut">
               <a:rPr lang="ko-KR" altLang="en-US" smtClean="0"/>
-              <a:t>2018-11-07</a:t>
+              <a:t>2018-11-08</a:t>
             </a:fld>
             <a:endParaRPr lang="ko-KR" altLang="en-US"/>
           </a:p>
@@ -991,7 +991,7 @@
           <a:p>
             <a:fld id="{FB30EDBD-1C2D-4C1E-B459-B60219FAB484}" type="datetimeFigureOut">
               <a:rPr lang="ko-KR" altLang="en-US" smtClean="0"/>
-              <a:t>2018-11-07</a:t>
+              <a:t>2018-11-08</a:t>
             </a:fld>
             <a:endParaRPr lang="ko-KR" altLang="en-US"/>
           </a:p>
@@ -1164,7 +1164,7 @@
           <a:p>
             <a:fld id="{FB30EDBD-1C2D-4C1E-B459-B60219FAB484}" type="datetimeFigureOut">
               <a:rPr lang="ko-KR" altLang="en-US" smtClean="0"/>
-              <a:t>2018-11-07</a:t>
+              <a:t>2018-11-08</a:t>
             </a:fld>
             <a:endParaRPr lang="ko-KR" altLang="en-US"/>
           </a:p>
@@ -1327,7 +1327,7 @@
           <a:p>
             <a:fld id="{FB30EDBD-1C2D-4C1E-B459-B60219FAB484}" type="datetimeFigureOut">
               <a:rPr lang="ko-KR" altLang="en-US" smtClean="0"/>
-              <a:t>2018-11-07</a:t>
+              <a:t>2018-11-08</a:t>
             </a:fld>
             <a:endParaRPr lang="ko-KR" altLang="en-US"/>
           </a:p>
@@ -1567,7 +1567,7 @@
           <a:p>
             <a:fld id="{FB30EDBD-1C2D-4C1E-B459-B60219FAB484}" type="datetimeFigureOut">
               <a:rPr lang="ko-KR" altLang="en-US" smtClean="0"/>
-              <a:t>2018-11-07</a:t>
+              <a:t>2018-11-08</a:t>
             </a:fld>
             <a:endParaRPr lang="ko-KR" altLang="en-US"/>
           </a:p>
@@ -1847,7 +1847,7 @@
           <a:p>
             <a:fld id="{FB30EDBD-1C2D-4C1E-B459-B60219FAB484}" type="datetimeFigureOut">
               <a:rPr lang="ko-KR" altLang="en-US" smtClean="0"/>
-              <a:t>2018-11-07</a:t>
+              <a:t>2018-11-08</a:t>
             </a:fld>
             <a:endParaRPr lang="ko-KR" altLang="en-US"/>
           </a:p>
@@ -2261,7 +2261,7 @@
           <a:p>
             <a:fld id="{FB30EDBD-1C2D-4C1E-B459-B60219FAB484}" type="datetimeFigureOut">
               <a:rPr lang="ko-KR" altLang="en-US" smtClean="0"/>
-              <a:t>2018-11-07</a:t>
+              <a:t>2018-11-08</a:t>
             </a:fld>
             <a:endParaRPr lang="ko-KR" altLang="en-US"/>
           </a:p>
@@ -2373,7 +2373,7 @@
           <a:p>
             <a:fld id="{FB30EDBD-1C2D-4C1E-B459-B60219FAB484}" type="datetimeFigureOut">
               <a:rPr lang="ko-KR" altLang="en-US" smtClean="0"/>
-              <a:t>2018-11-07</a:t>
+              <a:t>2018-11-08</a:t>
             </a:fld>
             <a:endParaRPr lang="ko-KR" altLang="en-US"/>
           </a:p>
@@ -2463,7 +2463,7 @@
           <a:p>
             <a:fld id="{FB30EDBD-1C2D-4C1E-B459-B60219FAB484}" type="datetimeFigureOut">
               <a:rPr lang="ko-KR" altLang="en-US" smtClean="0"/>
-              <a:t>2018-11-07</a:t>
+              <a:t>2018-11-08</a:t>
             </a:fld>
             <a:endParaRPr lang="ko-KR" altLang="en-US"/>
           </a:p>
@@ -2733,7 +2733,7 @@
           <a:p>
             <a:fld id="{FB30EDBD-1C2D-4C1E-B459-B60219FAB484}" type="datetimeFigureOut">
               <a:rPr lang="ko-KR" altLang="en-US" smtClean="0"/>
-              <a:t>2018-11-07</a:t>
+              <a:t>2018-11-08</a:t>
             </a:fld>
             <a:endParaRPr lang="ko-KR" altLang="en-US"/>
           </a:p>
@@ -2980,7 +2980,7 @@
           <a:p>
             <a:fld id="{FB30EDBD-1C2D-4C1E-B459-B60219FAB484}" type="datetimeFigureOut">
               <a:rPr lang="ko-KR" altLang="en-US" smtClean="0"/>
-              <a:t>2018-11-07</a:t>
+              <a:t>2018-11-08</a:t>
             </a:fld>
             <a:endParaRPr lang="ko-KR" altLang="en-US"/>
           </a:p>
@@ -3186,7 +3186,7 @@
           <a:p>
             <a:fld id="{FB30EDBD-1C2D-4C1E-B459-B60219FAB484}" type="datetimeFigureOut">
               <a:rPr lang="ko-KR" altLang="en-US" smtClean="0"/>
-              <a:t>2018-11-07</a:t>
+              <a:t>2018-11-08</a:t>
             </a:fld>
             <a:endParaRPr lang="ko-KR" altLang="en-US"/>
           </a:p>
@@ -3591,7 +3591,7 @@
           <p:cNvPr id="2" name="타원 1">
             <a:extLst>
               <a:ext uri="{FF2B5EF4-FFF2-40B4-BE49-F238E27FC236}">
-                <a16:creationId xmlns:a16="http://schemas.microsoft.com/office/drawing/2014/main" id="{2A463F43-B91B-4307-A005-E341FDE36620}"/>
+                <a16:creationId xmlns:a16="http://schemas.microsoft.com/office/drawing/2014/main" xmlns="" id="{2A463F43-B91B-4307-A005-E341FDE36620}"/>
               </a:ext>
             </a:extLst>
           </p:cNvPr>
@@ -3639,7 +3639,7 @@
           <p:cNvPr id="30" name="타원 29">
             <a:extLst>
               <a:ext uri="{FF2B5EF4-FFF2-40B4-BE49-F238E27FC236}">
-                <a16:creationId xmlns:a16="http://schemas.microsoft.com/office/drawing/2014/main" id="{9C85560C-26CB-4F7B-BCFC-5126D4379EB1}"/>
+                <a16:creationId xmlns:a16="http://schemas.microsoft.com/office/drawing/2014/main" xmlns="" id="{9C85560C-26CB-4F7B-BCFC-5126D4379EB1}"/>
               </a:ext>
             </a:extLst>
           </p:cNvPr>
@@ -3687,7 +3687,7 @@
           <p:cNvPr id="32" name="타원 31">
             <a:extLst>
               <a:ext uri="{FF2B5EF4-FFF2-40B4-BE49-F238E27FC236}">
-                <a16:creationId xmlns:a16="http://schemas.microsoft.com/office/drawing/2014/main" id="{D493FD3F-298B-487C-A5BC-7F95766EC31A}"/>
+                <a16:creationId xmlns:a16="http://schemas.microsoft.com/office/drawing/2014/main" xmlns="" id="{D493FD3F-298B-487C-A5BC-7F95766EC31A}"/>
               </a:ext>
             </a:extLst>
           </p:cNvPr>
@@ -3735,7 +3735,7 @@
           <p:cNvPr id="34" name="타원 33">
             <a:extLst>
               <a:ext uri="{FF2B5EF4-FFF2-40B4-BE49-F238E27FC236}">
-                <a16:creationId xmlns:a16="http://schemas.microsoft.com/office/drawing/2014/main" id="{B7319C01-34BE-4F95-A0AB-8B5E247E3A85}"/>
+                <a16:creationId xmlns:a16="http://schemas.microsoft.com/office/drawing/2014/main" xmlns="" id="{B7319C01-34BE-4F95-A0AB-8B5E247E3A85}"/>
               </a:ext>
             </a:extLst>
           </p:cNvPr>
@@ -3789,7 +3789,7 @@
           <p:cNvPr id="35" name="타원 34">
             <a:extLst>
               <a:ext uri="{FF2B5EF4-FFF2-40B4-BE49-F238E27FC236}">
-                <a16:creationId xmlns:a16="http://schemas.microsoft.com/office/drawing/2014/main" id="{5B243082-0555-4EDC-8DBE-3E0EDE1C8EC1}"/>
+                <a16:creationId xmlns:a16="http://schemas.microsoft.com/office/drawing/2014/main" xmlns="" id="{5B243082-0555-4EDC-8DBE-3E0EDE1C8EC1}"/>
               </a:ext>
             </a:extLst>
           </p:cNvPr>
@@ -3804,6 +3804,12 @@
           <a:prstGeom prst="ellipse">
             <a:avLst/>
           </a:prstGeom>
+          <a:solidFill>
+            <a:schemeClr val="accent1">
+              <a:lumMod val="60000"/>
+              <a:lumOff val="40000"/>
+            </a:schemeClr>
+          </a:solidFill>
         </p:spPr>
         <p:style>
           <a:lnRef idx="2">
@@ -3837,7 +3843,7 @@
           <p:cNvPr id="36" name="타원 35">
             <a:extLst>
               <a:ext uri="{FF2B5EF4-FFF2-40B4-BE49-F238E27FC236}">
-                <a16:creationId xmlns:a16="http://schemas.microsoft.com/office/drawing/2014/main" id="{662BF98F-6E0A-4F0F-9547-6EB8FDC58D1D}"/>
+                <a16:creationId xmlns:a16="http://schemas.microsoft.com/office/drawing/2014/main" xmlns="" id="{662BF98F-6E0A-4F0F-9547-6EB8FDC58D1D}"/>
               </a:ext>
             </a:extLst>
           </p:cNvPr>
@@ -3885,7 +3891,7 @@
           <p:cNvPr id="37" name="타원 36">
             <a:extLst>
               <a:ext uri="{FF2B5EF4-FFF2-40B4-BE49-F238E27FC236}">
-                <a16:creationId xmlns:a16="http://schemas.microsoft.com/office/drawing/2014/main" id="{4B17D85D-1CE1-4FDB-B3CF-173B96E8CD69}"/>
+                <a16:creationId xmlns:a16="http://schemas.microsoft.com/office/drawing/2014/main" xmlns="" id="{4B17D85D-1CE1-4FDB-B3CF-173B96E8CD69}"/>
               </a:ext>
             </a:extLst>
           </p:cNvPr>
@@ -3933,7 +3939,7 @@
           <p:cNvPr id="38" name="타원 37">
             <a:extLst>
               <a:ext uri="{FF2B5EF4-FFF2-40B4-BE49-F238E27FC236}">
-                <a16:creationId xmlns:a16="http://schemas.microsoft.com/office/drawing/2014/main" id="{4BA2E949-6CB0-4EB3-8A13-8AB2C723E01E}"/>
+                <a16:creationId xmlns:a16="http://schemas.microsoft.com/office/drawing/2014/main" xmlns="" id="{4BA2E949-6CB0-4EB3-8A13-8AB2C723E01E}"/>
               </a:ext>
             </a:extLst>
           </p:cNvPr>
@@ -3981,7 +3987,7 @@
           <p:cNvPr id="4" name="직선 화살표 연결선 3">
             <a:extLst>
               <a:ext uri="{FF2B5EF4-FFF2-40B4-BE49-F238E27FC236}">
-                <a16:creationId xmlns:a16="http://schemas.microsoft.com/office/drawing/2014/main" id="{B722558D-FFCA-4F54-949F-67C5904B29E7}"/>
+                <a16:creationId xmlns:a16="http://schemas.microsoft.com/office/drawing/2014/main" xmlns="" id="{B722558D-FFCA-4F54-949F-67C5904B29E7}"/>
               </a:ext>
             </a:extLst>
           </p:cNvPr>
@@ -4028,7 +4034,7 @@
           <p:cNvPr id="39" name="직선 화살표 연결선 38">
             <a:extLst>
               <a:ext uri="{FF2B5EF4-FFF2-40B4-BE49-F238E27FC236}">
-                <a16:creationId xmlns:a16="http://schemas.microsoft.com/office/drawing/2014/main" id="{ACC6DFA3-4821-4DB3-82E7-728BA0FEB153}"/>
+                <a16:creationId xmlns:a16="http://schemas.microsoft.com/office/drawing/2014/main" xmlns="" id="{ACC6DFA3-4821-4DB3-82E7-728BA0FEB153}"/>
               </a:ext>
             </a:extLst>
           </p:cNvPr>
@@ -4075,7 +4081,7 @@
           <p:cNvPr id="42" name="직선 화살표 연결선 41">
             <a:extLst>
               <a:ext uri="{FF2B5EF4-FFF2-40B4-BE49-F238E27FC236}">
-                <a16:creationId xmlns:a16="http://schemas.microsoft.com/office/drawing/2014/main" id="{6D7E962B-BC67-405F-B59D-AFC4196B8E24}"/>
+                <a16:creationId xmlns:a16="http://schemas.microsoft.com/office/drawing/2014/main" xmlns="" id="{6D7E962B-BC67-405F-B59D-AFC4196B8E24}"/>
               </a:ext>
             </a:extLst>
           </p:cNvPr>
@@ -4090,53 +4096,6 @@
           <a:xfrm flipH="1">
             <a:off x="4644008" y="1923678"/>
             <a:ext cx="1008114" cy="463219"/>
-          </a:xfrm>
-          <a:prstGeom prst="straightConnector1">
-            <a:avLst/>
-          </a:prstGeom>
-          <a:ln w="28575">
-            <a:solidFill>
-              <a:schemeClr val="tx1"/>
-            </a:solidFill>
-            <a:headEnd type="none" w="med" len="med"/>
-            <a:tailEnd type="arrow" w="med" len="med"/>
-          </a:ln>
-        </p:spPr>
-        <p:style>
-          <a:lnRef idx="1">
-            <a:schemeClr val="accent1"/>
-          </a:lnRef>
-          <a:fillRef idx="0">
-            <a:schemeClr val="accent1"/>
-          </a:fillRef>
-          <a:effectRef idx="0">
-            <a:schemeClr val="accent1"/>
-          </a:effectRef>
-          <a:fontRef idx="minor">
-            <a:schemeClr val="tx1"/>
-          </a:fontRef>
-        </p:style>
-      </p:cxnSp>
-      <p:cxnSp>
-        <p:nvCxnSpPr>
-          <p:cNvPr id="46" name="직선 화살표 연결선 45">
-            <a:extLst>
-              <a:ext uri="{FF2B5EF4-FFF2-40B4-BE49-F238E27FC236}">
-                <a16:creationId xmlns:a16="http://schemas.microsoft.com/office/drawing/2014/main" id="{A503B80C-FCE5-4306-A44A-F463846489DD}"/>
-              </a:ext>
-            </a:extLst>
-          </p:cNvPr>
-          <p:cNvCxnSpPr>
-            <a:cxnSpLocks/>
-            <a:stCxn id="30" idx="4"/>
-            <a:endCxn id="35" idx="0"/>
-          </p:cNvCxnSpPr>
-          <p:nvPr/>
-        </p:nvCxnSpPr>
-        <p:spPr>
-          <a:xfrm>
-            <a:off x="5652122" y="1923678"/>
-            <a:ext cx="1296142" cy="463219"/>
           </a:xfrm>
           <a:prstGeom prst="straightConnector1">
             <a:avLst/>
@@ -4169,7 +4128,7 @@
           <p:cNvPr id="49" name="직선 화살표 연결선 48">
             <a:extLst>
               <a:ext uri="{FF2B5EF4-FFF2-40B4-BE49-F238E27FC236}">
-                <a16:creationId xmlns:a16="http://schemas.microsoft.com/office/drawing/2014/main" id="{1E56D5C9-F570-49D7-86E5-7437AD7AA68C}"/>
+                <a16:creationId xmlns:a16="http://schemas.microsoft.com/office/drawing/2014/main" xmlns="" id="{1E56D5C9-F570-49D7-86E5-7437AD7AA68C}"/>
               </a:ext>
             </a:extLst>
           </p:cNvPr>
@@ -4216,7 +4175,7 @@
           <p:cNvPr id="52" name="직선 화살표 연결선 51">
             <a:extLst>
               <a:ext uri="{FF2B5EF4-FFF2-40B4-BE49-F238E27FC236}">
-                <a16:creationId xmlns:a16="http://schemas.microsoft.com/office/drawing/2014/main" id="{99AB19F9-9E98-4EB5-A5A5-BD95A31EE46B}"/>
+                <a16:creationId xmlns:a16="http://schemas.microsoft.com/office/drawing/2014/main" xmlns="" id="{99AB19F9-9E98-4EB5-A5A5-BD95A31EE46B}"/>
               </a:ext>
             </a:extLst>
           </p:cNvPr>
@@ -4263,7 +4222,7 @@
           <p:cNvPr id="55" name="직선 화살표 연결선 54">
             <a:extLst>
               <a:ext uri="{FF2B5EF4-FFF2-40B4-BE49-F238E27FC236}">
-                <a16:creationId xmlns:a16="http://schemas.microsoft.com/office/drawing/2014/main" id="{69BB6CE8-E3F9-4803-B589-5CB40943C339}"/>
+                <a16:creationId xmlns:a16="http://schemas.microsoft.com/office/drawing/2014/main" xmlns="" id="{69BB6CE8-E3F9-4803-B589-5CB40943C339}"/>
               </a:ext>
             </a:extLst>
           </p:cNvPr>
@@ -4310,7 +4269,7 @@
           <p:cNvPr id="58" name="직선 화살표 연결선 57">
             <a:extLst>
               <a:ext uri="{FF2B5EF4-FFF2-40B4-BE49-F238E27FC236}">
-                <a16:creationId xmlns:a16="http://schemas.microsoft.com/office/drawing/2014/main" id="{A98A10C6-CC43-412E-A212-1489865804A2}"/>
+                <a16:creationId xmlns:a16="http://schemas.microsoft.com/office/drawing/2014/main" xmlns="" id="{A98A10C6-CC43-412E-A212-1489865804A2}"/>
               </a:ext>
             </a:extLst>
           </p:cNvPr>
@@ -4357,7 +4316,7 @@
           <p:cNvPr id="61" name="직선 연결선 60">
             <a:extLst>
               <a:ext uri="{FF2B5EF4-FFF2-40B4-BE49-F238E27FC236}">
-                <a16:creationId xmlns:a16="http://schemas.microsoft.com/office/drawing/2014/main" id="{CDA00C0E-737A-46D3-B62C-D914ABD1C61F}"/>
+                <a16:creationId xmlns:a16="http://schemas.microsoft.com/office/drawing/2014/main" xmlns="" id="{CDA00C0E-737A-46D3-B62C-D914ABD1C61F}"/>
               </a:ext>
             </a:extLst>
           </p:cNvPr>
@@ -4400,7 +4359,7 @@
           <p:cNvPr id="71" name="직선 연결선 70">
             <a:extLst>
               <a:ext uri="{FF2B5EF4-FFF2-40B4-BE49-F238E27FC236}">
-                <a16:creationId xmlns:a16="http://schemas.microsoft.com/office/drawing/2014/main" id="{C09EC4B8-F304-4CFA-BE0E-A2D47DECE974}"/>
+                <a16:creationId xmlns:a16="http://schemas.microsoft.com/office/drawing/2014/main" xmlns="" id="{C09EC4B8-F304-4CFA-BE0E-A2D47DECE974}"/>
               </a:ext>
             </a:extLst>
           </p:cNvPr>
@@ -4421,6 +4380,84 @@
             <a:solidFill>
               <a:srgbClr val="C00000"/>
             </a:solidFill>
+          </a:ln>
+        </p:spPr>
+        <p:style>
+          <a:lnRef idx="1">
+            <a:schemeClr val="accent1"/>
+          </a:lnRef>
+          <a:fillRef idx="0">
+            <a:schemeClr val="accent1"/>
+          </a:fillRef>
+          <a:effectRef idx="0">
+            <a:schemeClr val="accent1"/>
+          </a:effectRef>
+          <a:fontRef idx="minor">
+            <a:schemeClr val="tx1"/>
+          </a:fontRef>
+        </p:style>
+      </p:cxnSp>
+      <p:cxnSp>
+        <p:nvCxnSpPr>
+          <p:cNvPr id="5" name="직선 화살표 연결선 4"/>
+          <p:cNvCxnSpPr>
+            <a:endCxn id="35" idx="0"/>
+          </p:cNvCxnSpPr>
+          <p:nvPr/>
+        </p:nvCxnSpPr>
+        <p:spPr>
+          <a:xfrm>
+            <a:off x="4067943" y="2155287"/>
+            <a:ext cx="2880321" cy="231610"/>
+          </a:xfrm>
+          <a:prstGeom prst="straightConnector1">
+            <a:avLst/>
+          </a:prstGeom>
+          <a:ln w="28575">
+            <a:solidFill>
+              <a:srgbClr val="C00000"/>
+            </a:solidFill>
+            <a:prstDash val="solid"/>
+            <a:tailEnd type="arrow"/>
+          </a:ln>
+        </p:spPr>
+        <p:style>
+          <a:lnRef idx="1">
+            <a:schemeClr val="accent1"/>
+          </a:lnRef>
+          <a:fillRef idx="0">
+            <a:schemeClr val="accent1"/>
+          </a:fillRef>
+          <a:effectRef idx="0">
+            <a:schemeClr val="accent1"/>
+          </a:effectRef>
+          <a:fontRef idx="minor">
+            <a:schemeClr val="tx1"/>
+          </a:fontRef>
+        </p:style>
+      </p:cxnSp>
+      <p:cxnSp>
+        <p:nvCxnSpPr>
+          <p:cNvPr id="23" name="직선 화살표 연결선 22"/>
+          <p:cNvCxnSpPr>
+            <a:endCxn id="35" idx="0"/>
+          </p:cNvCxnSpPr>
+          <p:nvPr/>
+        </p:nvCxnSpPr>
+        <p:spPr>
+          <a:xfrm>
+            <a:off x="5148065" y="2155287"/>
+            <a:ext cx="1800199" cy="231610"/>
+          </a:xfrm>
+          <a:prstGeom prst="straightConnector1">
+            <a:avLst/>
+          </a:prstGeom>
+          <a:ln w="28575">
+            <a:solidFill>
+              <a:srgbClr val="C00000"/>
+            </a:solidFill>
+            <a:prstDash val="solid"/>
+            <a:tailEnd type="arrow"/>
           </a:ln>
         </p:spPr>
         <p:style>
@@ -4503,7 +4540,7 @@
           <p:cNvPr id="3" name="직사각형 2">
             <a:extLst>
               <a:ext uri="{FF2B5EF4-FFF2-40B4-BE49-F238E27FC236}">
-                <a16:creationId xmlns:a16="http://schemas.microsoft.com/office/drawing/2014/main" id="{8CCF8E80-A128-4B96-A3AB-AAFD8AD02C81}"/>
+                <a16:creationId xmlns:a16="http://schemas.microsoft.com/office/drawing/2014/main" xmlns="" id="{8CCF8E80-A128-4B96-A3AB-AAFD8AD02C81}"/>
               </a:ext>
             </a:extLst>
           </p:cNvPr>
@@ -4558,7 +4595,7 @@
           <p:cNvPr id="27" name="직사각형 26">
             <a:extLst>
               <a:ext uri="{FF2B5EF4-FFF2-40B4-BE49-F238E27FC236}">
-                <a16:creationId xmlns:a16="http://schemas.microsoft.com/office/drawing/2014/main" id="{9234E4EE-8DE3-493C-A2C2-760FF24B4395}"/>
+                <a16:creationId xmlns:a16="http://schemas.microsoft.com/office/drawing/2014/main" xmlns="" id="{9234E4EE-8DE3-493C-A2C2-760FF24B4395}"/>
               </a:ext>
             </a:extLst>
           </p:cNvPr>
@@ -4606,7 +4643,7 @@
           <p:cNvPr id="28" name="직사각형 27">
             <a:extLst>
               <a:ext uri="{FF2B5EF4-FFF2-40B4-BE49-F238E27FC236}">
-                <a16:creationId xmlns:a16="http://schemas.microsoft.com/office/drawing/2014/main" id="{CF7BEC76-56E8-4D2A-A554-34769DA85FEC}"/>
+                <a16:creationId xmlns:a16="http://schemas.microsoft.com/office/drawing/2014/main" xmlns="" id="{CF7BEC76-56E8-4D2A-A554-34769DA85FEC}"/>
               </a:ext>
             </a:extLst>
           </p:cNvPr>
@@ -4654,7 +4691,7 @@
           <p:cNvPr id="29" name="직사각형 28">
             <a:extLst>
               <a:ext uri="{FF2B5EF4-FFF2-40B4-BE49-F238E27FC236}">
-                <a16:creationId xmlns:a16="http://schemas.microsoft.com/office/drawing/2014/main" id="{FA3B9369-DC1B-4769-AAE0-9810E04C1EAD}"/>
+                <a16:creationId xmlns:a16="http://schemas.microsoft.com/office/drawing/2014/main" xmlns="" id="{FA3B9369-DC1B-4769-AAE0-9810E04C1EAD}"/>
               </a:ext>
             </a:extLst>
           </p:cNvPr>
@@ -4702,7 +4739,7 @@
           <p:cNvPr id="9" name="직선 화살표 연결선 8">
             <a:extLst>
               <a:ext uri="{FF2B5EF4-FFF2-40B4-BE49-F238E27FC236}">
-                <a16:creationId xmlns:a16="http://schemas.microsoft.com/office/drawing/2014/main" id="{A5F0EAD9-84E9-47E8-B908-BDC55BDE7DBF}"/>
+                <a16:creationId xmlns:a16="http://schemas.microsoft.com/office/drawing/2014/main" xmlns="" id="{A5F0EAD9-84E9-47E8-B908-BDC55BDE7DBF}"/>
               </a:ext>
             </a:extLst>
           </p:cNvPr>
@@ -4749,7 +4786,7 @@
           <p:cNvPr id="40" name="직선 화살표 연결선 39">
             <a:extLst>
               <a:ext uri="{FF2B5EF4-FFF2-40B4-BE49-F238E27FC236}">
-                <a16:creationId xmlns:a16="http://schemas.microsoft.com/office/drawing/2014/main" id="{42A1D166-4178-4A34-B3B0-B1B83FA1705F}"/>
+                <a16:creationId xmlns:a16="http://schemas.microsoft.com/office/drawing/2014/main" xmlns="" id="{42A1D166-4178-4A34-B3B0-B1B83FA1705F}"/>
               </a:ext>
             </a:extLst>
           </p:cNvPr>
@@ -4796,7 +4833,7 @@
           <p:cNvPr id="43" name="직선 화살표 연결선 42">
             <a:extLst>
               <a:ext uri="{FF2B5EF4-FFF2-40B4-BE49-F238E27FC236}">
-                <a16:creationId xmlns:a16="http://schemas.microsoft.com/office/drawing/2014/main" id="{A742CF79-7D24-4059-AC24-C783E190A05D}"/>
+                <a16:creationId xmlns:a16="http://schemas.microsoft.com/office/drawing/2014/main" xmlns="" id="{A742CF79-7D24-4059-AC24-C783E190A05D}"/>
               </a:ext>
             </a:extLst>
           </p:cNvPr>
@@ -4843,7 +4880,7 @@
           <p:cNvPr id="44" name="직사각형 43">
             <a:extLst>
               <a:ext uri="{FF2B5EF4-FFF2-40B4-BE49-F238E27FC236}">
-                <a16:creationId xmlns:a16="http://schemas.microsoft.com/office/drawing/2014/main" id="{5F30E14C-7488-4680-B463-9536DA19218E}"/>
+                <a16:creationId xmlns:a16="http://schemas.microsoft.com/office/drawing/2014/main" xmlns="" id="{5F30E14C-7488-4680-B463-9536DA19218E}"/>
               </a:ext>
             </a:extLst>
           </p:cNvPr>
@@ -4891,7 +4928,7 @@
           <p:cNvPr id="21" name="자유형: 도형 20">
             <a:extLst>
               <a:ext uri="{FF2B5EF4-FFF2-40B4-BE49-F238E27FC236}">
-                <a16:creationId xmlns:a16="http://schemas.microsoft.com/office/drawing/2014/main" id="{8E3504EF-832A-45C1-98EC-0F3F7E26DE15}"/>
+                <a16:creationId xmlns:a16="http://schemas.microsoft.com/office/drawing/2014/main" xmlns="" id="{8E3504EF-832A-45C1-98EC-0F3F7E26DE15}"/>
               </a:ext>
             </a:extLst>
           </p:cNvPr>
@@ -4979,7 +5016,7 @@
           <p:cNvPr id="50" name="직사각형 49">
             <a:extLst>
               <a:ext uri="{FF2B5EF4-FFF2-40B4-BE49-F238E27FC236}">
-                <a16:creationId xmlns:a16="http://schemas.microsoft.com/office/drawing/2014/main" id="{C3FBFFDB-E866-45D5-AB7A-CDC10C89EAC1}"/>
+                <a16:creationId xmlns:a16="http://schemas.microsoft.com/office/drawing/2014/main" xmlns="" id="{C3FBFFDB-E866-45D5-AB7A-CDC10C89EAC1}"/>
               </a:ext>
             </a:extLst>
           </p:cNvPr>
@@ -5027,7 +5064,7 @@
           <p:cNvPr id="22" name="자유형: 도형 21">
             <a:extLst>
               <a:ext uri="{FF2B5EF4-FFF2-40B4-BE49-F238E27FC236}">
-                <a16:creationId xmlns:a16="http://schemas.microsoft.com/office/drawing/2014/main" id="{D8E80CCF-F668-4A14-8BDA-AB2845C6DAC9}"/>
+                <a16:creationId xmlns:a16="http://schemas.microsoft.com/office/drawing/2014/main" xmlns="" id="{D8E80CCF-F668-4A14-8BDA-AB2845C6DAC9}"/>
               </a:ext>
             </a:extLst>
           </p:cNvPr>
@@ -5121,7 +5158,7 @@
           <p:cNvPr id="51" name="직선 화살표 연결선 50">
             <a:extLst>
               <a:ext uri="{FF2B5EF4-FFF2-40B4-BE49-F238E27FC236}">
-                <a16:creationId xmlns:a16="http://schemas.microsoft.com/office/drawing/2014/main" id="{4C245371-1D47-4D2C-9876-E5E4719F7971}"/>
+                <a16:creationId xmlns:a16="http://schemas.microsoft.com/office/drawing/2014/main" xmlns="" id="{4C245371-1D47-4D2C-9876-E5E4719F7971}"/>
               </a:ext>
             </a:extLst>
           </p:cNvPr>
@@ -5166,7 +5203,7 @@
           <p:cNvPr id="64" name="직사각형 63">
             <a:extLst>
               <a:ext uri="{FF2B5EF4-FFF2-40B4-BE49-F238E27FC236}">
-                <a16:creationId xmlns:a16="http://schemas.microsoft.com/office/drawing/2014/main" id="{BABA5125-869D-4A30-BE53-6DF120CC2A72}"/>
+                <a16:creationId xmlns:a16="http://schemas.microsoft.com/office/drawing/2014/main" xmlns="" id="{BABA5125-869D-4A30-BE53-6DF120CC2A72}"/>
               </a:ext>
             </a:extLst>
           </p:cNvPr>
@@ -5214,7 +5251,7 @@
           <p:cNvPr id="65" name="직사각형 64">
             <a:extLst>
               <a:ext uri="{FF2B5EF4-FFF2-40B4-BE49-F238E27FC236}">
-                <a16:creationId xmlns:a16="http://schemas.microsoft.com/office/drawing/2014/main" id="{DD356E60-50AD-4F02-8419-30D6D2D2710C}"/>
+                <a16:creationId xmlns:a16="http://schemas.microsoft.com/office/drawing/2014/main" xmlns="" id="{DD356E60-50AD-4F02-8419-30D6D2D2710C}"/>
               </a:ext>
             </a:extLst>
           </p:cNvPr>
@@ -5262,7 +5299,7 @@
           <p:cNvPr id="63" name="자유형: 도형 62">
             <a:extLst>
               <a:ext uri="{FF2B5EF4-FFF2-40B4-BE49-F238E27FC236}">
-                <a16:creationId xmlns:a16="http://schemas.microsoft.com/office/drawing/2014/main" id="{7744D577-5F8D-4B01-9820-2A79D5859BFF}"/>
+                <a16:creationId xmlns:a16="http://schemas.microsoft.com/office/drawing/2014/main" xmlns="" id="{7744D577-5F8D-4B01-9820-2A79D5859BFF}"/>
               </a:ext>
             </a:extLst>
           </p:cNvPr>
@@ -5358,7 +5395,7 @@
           <p:cNvPr id="67" name="직선 화살표 연결선 66">
             <a:extLst>
               <a:ext uri="{FF2B5EF4-FFF2-40B4-BE49-F238E27FC236}">
-                <a16:creationId xmlns:a16="http://schemas.microsoft.com/office/drawing/2014/main" id="{D79B5DB6-F0F6-459C-987E-C2E738038C20}"/>
+                <a16:creationId xmlns:a16="http://schemas.microsoft.com/office/drawing/2014/main" xmlns="" id="{D79B5DB6-F0F6-459C-987E-C2E738038C20}"/>
               </a:ext>
             </a:extLst>
           </p:cNvPr>
@@ -5404,7 +5441,7 @@
           <p:cNvPr id="70" name="자유형: 도형 69">
             <a:extLst>
               <a:ext uri="{FF2B5EF4-FFF2-40B4-BE49-F238E27FC236}">
-                <a16:creationId xmlns:a16="http://schemas.microsoft.com/office/drawing/2014/main" id="{1BB22D12-7FF8-4D89-B642-9BE0FA6E9BE3}"/>
+                <a16:creationId xmlns:a16="http://schemas.microsoft.com/office/drawing/2014/main" xmlns="" id="{1BB22D12-7FF8-4D89-B642-9BE0FA6E9BE3}"/>
               </a:ext>
             </a:extLst>
           </p:cNvPr>
@@ -5498,7 +5535,7 @@
           <p:cNvPr id="72" name="직선 화살표 연결선 71">
             <a:extLst>
               <a:ext uri="{FF2B5EF4-FFF2-40B4-BE49-F238E27FC236}">
-                <a16:creationId xmlns:a16="http://schemas.microsoft.com/office/drawing/2014/main" id="{DB48EFB6-7E95-49E5-9AD4-87EB4EADFFB0}"/>
+                <a16:creationId xmlns:a16="http://schemas.microsoft.com/office/drawing/2014/main" xmlns="" id="{DB48EFB6-7E95-49E5-9AD4-87EB4EADFFB0}"/>
               </a:ext>
             </a:extLst>
           </p:cNvPr>
@@ -5544,7 +5581,7 @@
           <p:cNvPr id="77" name="직선 연결선 76">
             <a:extLst>
               <a:ext uri="{FF2B5EF4-FFF2-40B4-BE49-F238E27FC236}">
-                <a16:creationId xmlns:a16="http://schemas.microsoft.com/office/drawing/2014/main" id="{25C24B68-64F4-4E1A-91B8-B3432744444D}"/>
+                <a16:creationId xmlns:a16="http://schemas.microsoft.com/office/drawing/2014/main" xmlns="" id="{25C24B68-64F4-4E1A-91B8-B3432744444D}"/>
               </a:ext>
             </a:extLst>
           </p:cNvPr>
@@ -5588,7 +5625,7 @@
           <p:cNvPr id="82" name="직선 화살표 연결선 81">
             <a:extLst>
               <a:ext uri="{FF2B5EF4-FFF2-40B4-BE49-F238E27FC236}">
-                <a16:creationId xmlns:a16="http://schemas.microsoft.com/office/drawing/2014/main" id="{782CAA2A-1D23-4483-95EE-AC113C0BED3B}"/>
+                <a16:creationId xmlns:a16="http://schemas.microsoft.com/office/drawing/2014/main" xmlns="" id="{782CAA2A-1D23-4483-95EE-AC113C0BED3B}"/>
               </a:ext>
             </a:extLst>
           </p:cNvPr>
@@ -5632,7 +5669,7 @@
           <p:cNvPr id="85" name="직선 화살표 연결선 84">
             <a:extLst>
               <a:ext uri="{FF2B5EF4-FFF2-40B4-BE49-F238E27FC236}">
-                <a16:creationId xmlns:a16="http://schemas.microsoft.com/office/drawing/2014/main" id="{AEFE1823-79C9-4E6D-B139-C8BDCA09DD0C}"/>
+                <a16:creationId xmlns:a16="http://schemas.microsoft.com/office/drawing/2014/main" xmlns="" id="{AEFE1823-79C9-4E6D-B139-C8BDCA09DD0C}"/>
               </a:ext>
             </a:extLst>
           </p:cNvPr>
@@ -5676,7 +5713,7 @@
           <p:cNvPr id="88" name="직사각형 87">
             <a:extLst>
               <a:ext uri="{FF2B5EF4-FFF2-40B4-BE49-F238E27FC236}">
-                <a16:creationId xmlns:a16="http://schemas.microsoft.com/office/drawing/2014/main" id="{B36E9D8A-C9AC-407C-B232-C535347240C6}"/>
+                <a16:creationId xmlns:a16="http://schemas.microsoft.com/office/drawing/2014/main" xmlns="" id="{B36E9D8A-C9AC-407C-B232-C535347240C6}"/>
               </a:ext>
             </a:extLst>
           </p:cNvPr>
@@ -5712,10 +5749,18 @@
           <a:p>
             <a:pPr algn="ctr"/>
             <a:r>
-              <a:rPr lang="en-US" altLang="ko-KR" sz="1200"/>
-              <a:t>Fallback Successful?</a:t>
-            </a:r>
-            <a:endParaRPr lang="ko-KR" altLang="en-US" sz="1200"/>
+              <a:rPr lang="en-US" altLang="ko-KR" sz="1200" dirty="0"/>
+              <a:t>Fallback </a:t>
+            </a:r>
+            <a:r>
+              <a:rPr lang="en-US" altLang="ko-KR" sz="1200" dirty="0" smtClean="0"/>
+              <a:t>successful</a:t>
+            </a:r>
+            <a:r>
+              <a:rPr lang="en-US" altLang="ko-KR" sz="1200" dirty="0"/>
+              <a:t>?</a:t>
+            </a:r>
+            <a:endParaRPr lang="ko-KR" altLang="en-US" sz="1200" dirty="0"/>
           </a:p>
         </p:txBody>
       </p:sp>
@@ -5724,7 +5769,7 @@
           <p:cNvPr id="95" name="직선 연결선 94">
             <a:extLst>
               <a:ext uri="{FF2B5EF4-FFF2-40B4-BE49-F238E27FC236}">
-                <a16:creationId xmlns:a16="http://schemas.microsoft.com/office/drawing/2014/main" id="{45526F78-9FDA-4809-9E99-E707894A2973}"/>
+                <a16:creationId xmlns:a16="http://schemas.microsoft.com/office/drawing/2014/main" xmlns="" id="{45526F78-9FDA-4809-9E99-E707894A2973}"/>
               </a:ext>
             </a:extLst>
           </p:cNvPr>
@@ -5767,7 +5812,7 @@
           <p:cNvPr id="96" name="직선 화살표 연결선 95">
             <a:extLst>
               <a:ext uri="{FF2B5EF4-FFF2-40B4-BE49-F238E27FC236}">
-                <a16:creationId xmlns:a16="http://schemas.microsoft.com/office/drawing/2014/main" id="{8B58E01F-404C-426E-8460-78983279BCC6}"/>
+                <a16:creationId xmlns:a16="http://schemas.microsoft.com/office/drawing/2014/main" xmlns="" id="{8B58E01F-404C-426E-8460-78983279BCC6}"/>
               </a:ext>
             </a:extLst>
           </p:cNvPr>
@@ -5814,7 +5859,7 @@
           <p:cNvPr id="101" name="자유형: 도형 100">
             <a:extLst>
               <a:ext uri="{FF2B5EF4-FFF2-40B4-BE49-F238E27FC236}">
-                <a16:creationId xmlns:a16="http://schemas.microsoft.com/office/drawing/2014/main" id="{19C386A6-936B-47B5-8556-BD7150A92E89}"/>
+                <a16:creationId xmlns:a16="http://schemas.microsoft.com/office/drawing/2014/main" xmlns="" id="{19C386A6-936B-47B5-8556-BD7150A92E89}"/>
               </a:ext>
             </a:extLst>
           </p:cNvPr>
@@ -5926,7 +5971,7 @@
           <p:cNvPr id="102" name="직선 화살표 연결선 101">
             <a:extLst>
               <a:ext uri="{FF2B5EF4-FFF2-40B4-BE49-F238E27FC236}">
-                <a16:creationId xmlns:a16="http://schemas.microsoft.com/office/drawing/2014/main" id="{B6EA1B16-3DCF-4868-945B-815E901A8614}"/>
+                <a16:creationId xmlns:a16="http://schemas.microsoft.com/office/drawing/2014/main" xmlns="" id="{B6EA1B16-3DCF-4868-945B-815E901A8614}"/>
               </a:ext>
             </a:extLst>
           </p:cNvPr>
@@ -5972,7 +6017,7 @@
           <p:cNvPr id="106" name="자유형: 도형 105">
             <a:extLst>
               <a:ext uri="{FF2B5EF4-FFF2-40B4-BE49-F238E27FC236}">
-                <a16:creationId xmlns:a16="http://schemas.microsoft.com/office/drawing/2014/main" id="{39843890-0367-45F1-8388-400675B4EDBB}"/>
+                <a16:creationId xmlns:a16="http://schemas.microsoft.com/office/drawing/2014/main" xmlns="" id="{39843890-0367-45F1-8388-400675B4EDBB}"/>
               </a:ext>
             </a:extLst>
           </p:cNvPr>
@@ -6060,7 +6105,7 @@
           <p:cNvPr id="107" name="TextBox 106">
             <a:extLst>
               <a:ext uri="{FF2B5EF4-FFF2-40B4-BE49-F238E27FC236}">
-                <a16:creationId xmlns:a16="http://schemas.microsoft.com/office/drawing/2014/main" id="{6FC22D0F-6451-4CF0-AF30-AE607A95F31A}"/>
+                <a16:creationId xmlns:a16="http://schemas.microsoft.com/office/drawing/2014/main" xmlns="" id="{6FC22D0F-6451-4CF0-AF30-AE607A95F31A}"/>
               </a:ext>
             </a:extLst>
           </p:cNvPr>
@@ -6104,7 +6149,7 @@
           <p:cNvPr id="108" name="TextBox 107">
             <a:extLst>
               <a:ext uri="{FF2B5EF4-FFF2-40B4-BE49-F238E27FC236}">
-                <a16:creationId xmlns:a16="http://schemas.microsoft.com/office/drawing/2014/main" id="{92853FC7-4EE1-4E35-A065-EC5E7FD2F3BC}"/>
+                <a16:creationId xmlns:a16="http://schemas.microsoft.com/office/drawing/2014/main" xmlns="" id="{92853FC7-4EE1-4E35-A065-EC5E7FD2F3BC}"/>
               </a:ext>
             </a:extLst>
           </p:cNvPr>
@@ -6148,7 +6193,7 @@
           <p:cNvPr id="109" name="TextBox 108">
             <a:extLst>
               <a:ext uri="{FF2B5EF4-FFF2-40B4-BE49-F238E27FC236}">
-                <a16:creationId xmlns:a16="http://schemas.microsoft.com/office/drawing/2014/main" id="{C13FD71D-5358-4808-BAC8-F91B34509B41}"/>
+                <a16:creationId xmlns:a16="http://schemas.microsoft.com/office/drawing/2014/main" xmlns="" id="{C13FD71D-5358-4808-BAC8-F91B34509B41}"/>
               </a:ext>
             </a:extLst>
           </p:cNvPr>
@@ -6185,7 +6230,7 @@
           <p:cNvPr id="110" name="TextBox 109">
             <a:extLst>
               <a:ext uri="{FF2B5EF4-FFF2-40B4-BE49-F238E27FC236}">
-                <a16:creationId xmlns:a16="http://schemas.microsoft.com/office/drawing/2014/main" id="{223FE51B-969A-4337-BADE-EE765DD503A9}"/>
+                <a16:creationId xmlns:a16="http://schemas.microsoft.com/office/drawing/2014/main" xmlns="" id="{223FE51B-969A-4337-BADE-EE765DD503A9}"/>
               </a:ext>
             </a:extLst>
           </p:cNvPr>
@@ -6222,7 +6267,7 @@
           <p:cNvPr id="111" name="TextBox 110">
             <a:extLst>
               <a:ext uri="{FF2B5EF4-FFF2-40B4-BE49-F238E27FC236}">
-                <a16:creationId xmlns:a16="http://schemas.microsoft.com/office/drawing/2014/main" id="{25A15BCF-3CB4-440A-AF29-C4ADC4041A86}"/>
+                <a16:creationId xmlns:a16="http://schemas.microsoft.com/office/drawing/2014/main" xmlns="" id="{25A15BCF-3CB4-440A-AF29-C4ADC4041A86}"/>
               </a:ext>
             </a:extLst>
           </p:cNvPr>
@@ -6259,7 +6304,7 @@
           <p:cNvPr id="112" name="TextBox 111">
             <a:extLst>
               <a:ext uri="{FF2B5EF4-FFF2-40B4-BE49-F238E27FC236}">
-                <a16:creationId xmlns:a16="http://schemas.microsoft.com/office/drawing/2014/main" id="{2530D0FB-87FD-421B-A3BC-2EB97EF2A419}"/>
+                <a16:creationId xmlns:a16="http://schemas.microsoft.com/office/drawing/2014/main" xmlns="" id="{2530D0FB-87FD-421B-A3BC-2EB97EF2A419}"/>
               </a:ext>
             </a:extLst>
           </p:cNvPr>
@@ -6296,7 +6341,7 @@
           <p:cNvPr id="113" name="TextBox 112">
             <a:extLst>
               <a:ext uri="{FF2B5EF4-FFF2-40B4-BE49-F238E27FC236}">
-                <a16:creationId xmlns:a16="http://schemas.microsoft.com/office/drawing/2014/main" id="{CD160C14-688F-442B-91E0-A2B4D2C10C1B}"/>
+                <a16:creationId xmlns:a16="http://schemas.microsoft.com/office/drawing/2014/main" xmlns="" id="{CD160C14-688F-442B-91E0-A2B4D2C10C1B}"/>
               </a:ext>
             </a:extLst>
           </p:cNvPr>
@@ -6333,7 +6378,7 @@
           <p:cNvPr id="114" name="TextBox 113">
             <a:extLst>
               <a:ext uri="{FF2B5EF4-FFF2-40B4-BE49-F238E27FC236}">
-                <a16:creationId xmlns:a16="http://schemas.microsoft.com/office/drawing/2014/main" id="{90451695-B491-4296-B253-B4EE46857A20}"/>
+                <a16:creationId xmlns:a16="http://schemas.microsoft.com/office/drawing/2014/main" xmlns="" id="{90451695-B491-4296-B253-B4EE46857A20}"/>
               </a:ext>
             </a:extLst>
           </p:cNvPr>
@@ -6370,7 +6415,7 @@
           <p:cNvPr id="115" name="TextBox 114">
             <a:extLst>
               <a:ext uri="{FF2B5EF4-FFF2-40B4-BE49-F238E27FC236}">
-                <a16:creationId xmlns:a16="http://schemas.microsoft.com/office/drawing/2014/main" id="{E94993CD-7049-4CDF-9CA2-D5522F95D5F2}"/>
+                <a16:creationId xmlns:a16="http://schemas.microsoft.com/office/drawing/2014/main" xmlns="" id="{E94993CD-7049-4CDF-9CA2-D5522F95D5F2}"/>
               </a:ext>
             </a:extLst>
           </p:cNvPr>
@@ -6407,7 +6452,7 @@
           <p:cNvPr id="116" name="TextBox 115">
             <a:extLst>
               <a:ext uri="{FF2B5EF4-FFF2-40B4-BE49-F238E27FC236}">
-                <a16:creationId xmlns:a16="http://schemas.microsoft.com/office/drawing/2014/main" id="{F5648CB1-39F0-46A6-8F1C-C39E93ED45FA}"/>
+                <a16:creationId xmlns:a16="http://schemas.microsoft.com/office/drawing/2014/main" xmlns="" id="{F5648CB1-39F0-46A6-8F1C-C39E93ED45FA}"/>
               </a:ext>
             </a:extLst>
           </p:cNvPr>
@@ -6432,10 +6477,18 @@
           <a:p>
             <a:pPr algn="ctr"/>
             <a:r>
-              <a:rPr lang="en-US" altLang="ko-KR" sz="1200"/>
-              <a:t>Yes / Failed or not implemented</a:t>
-            </a:r>
-            <a:endParaRPr lang="ko-KR" altLang="en-US" sz="1200"/>
+              <a:rPr lang="en-US" altLang="ko-KR" sz="1200" dirty="0" smtClean="0"/>
+              <a:t>No</a:t>
+            </a:r>
+            <a:r>
+              <a:rPr lang="en-US" altLang="ko-KR" sz="1200" dirty="0" smtClean="0"/>
+              <a:t> </a:t>
+            </a:r>
+            <a:r>
+              <a:rPr lang="en-US" altLang="ko-KR" sz="1200" dirty="0"/>
+              <a:t>/ Failed or not implemented</a:t>
+            </a:r>
+            <a:endParaRPr lang="ko-KR" altLang="en-US" sz="1200" dirty="0"/>
           </a:p>
         </p:txBody>
       </p:sp>
@@ -6444,7 +6497,7 @@
           <p:cNvPr id="117" name="TextBox 116">
             <a:extLst>
               <a:ext uri="{FF2B5EF4-FFF2-40B4-BE49-F238E27FC236}">
-                <a16:creationId xmlns:a16="http://schemas.microsoft.com/office/drawing/2014/main" id="{452B39C7-D71C-4CF7-A2EB-970C36E34CB8}"/>
+                <a16:creationId xmlns:a16="http://schemas.microsoft.com/office/drawing/2014/main" xmlns="" id="{452B39C7-D71C-4CF7-A2EB-970C36E34CB8}"/>
               </a:ext>
             </a:extLst>
           </p:cNvPr>
@@ -6453,7 +6506,7 @@
         </p:nvSpPr>
         <p:spPr>
           <a:xfrm>
-            <a:off x="997490" y="4162066"/>
+            <a:off x="997490" y="4155926"/>
             <a:ext cx="2422382" cy="276999"/>
           </a:xfrm>
           <a:prstGeom prst="rect">
@@ -6469,10 +6522,10 @@
           <a:p>
             <a:pPr algn="ctr"/>
             <a:r>
-              <a:rPr lang="en-US" altLang="ko-KR" sz="1200"/>
+              <a:rPr lang="en-US" altLang="ko-KR" sz="1200" dirty="0"/>
               <a:t>Yes / Return fallback</a:t>
             </a:r>
-            <a:endParaRPr lang="ko-KR" altLang="en-US" sz="1200"/>
+            <a:endParaRPr lang="ko-KR" altLang="en-US" sz="1200" dirty="0"/>
           </a:p>
         </p:txBody>
       </p:sp>
@@ -6481,7 +6534,7 @@
           <p:cNvPr id="118" name="TextBox 117">
             <a:extLst>
               <a:ext uri="{FF2B5EF4-FFF2-40B4-BE49-F238E27FC236}">
-                <a16:creationId xmlns:a16="http://schemas.microsoft.com/office/drawing/2014/main" id="{CFB866A8-EB79-43AA-AB60-9B021716EECA}"/>
+                <a16:creationId xmlns:a16="http://schemas.microsoft.com/office/drawing/2014/main" xmlns="" id="{CFB866A8-EB79-43AA-AB60-9B021716EECA}"/>
               </a:ext>
             </a:extLst>
           </p:cNvPr>
@@ -6490,7 +6543,7 @@
         </p:nvSpPr>
         <p:spPr>
           <a:xfrm>
-            <a:off x="997490" y="4603721"/>
+            <a:off x="6012160" y="3878927"/>
             <a:ext cx="2422382" cy="276999"/>
           </a:xfrm>
           <a:prstGeom prst="rect">
@@ -6506,10 +6559,10 @@
           <a:p>
             <a:pPr algn="ctr"/>
             <a:r>
-              <a:rPr lang="en-US" altLang="ko-KR" sz="1200"/>
+              <a:rPr lang="en-US" altLang="ko-KR" sz="1200" dirty="0"/>
               <a:t>No / Return result</a:t>
             </a:r>
-            <a:endParaRPr lang="ko-KR" altLang="en-US" sz="1200"/>
+            <a:endParaRPr lang="ko-KR" altLang="en-US" sz="1200" dirty="0"/>
           </a:p>
         </p:txBody>
       </p:sp>
@@ -6518,7 +6571,7 @@
           <p:cNvPr id="119" name="타원 118">
             <a:extLst>
               <a:ext uri="{FF2B5EF4-FFF2-40B4-BE49-F238E27FC236}">
-                <a16:creationId xmlns:a16="http://schemas.microsoft.com/office/drawing/2014/main" id="{F36FDB44-45E8-4B45-B8D5-D63845E1453F}"/>
+                <a16:creationId xmlns:a16="http://schemas.microsoft.com/office/drawing/2014/main" xmlns="" id="{F36FDB44-45E8-4B45-B8D5-D63845E1453F}"/>
               </a:ext>
             </a:extLst>
           </p:cNvPr>
@@ -6566,7 +6619,7 @@
           <p:cNvPr id="120" name="타원 119">
             <a:extLst>
               <a:ext uri="{FF2B5EF4-FFF2-40B4-BE49-F238E27FC236}">
-                <a16:creationId xmlns:a16="http://schemas.microsoft.com/office/drawing/2014/main" id="{87AE51EA-D5FB-4E18-8E10-32E62F556081}"/>
+                <a16:creationId xmlns:a16="http://schemas.microsoft.com/office/drawing/2014/main" xmlns="" id="{87AE51EA-D5FB-4E18-8E10-32E62F556081}"/>
               </a:ext>
             </a:extLst>
           </p:cNvPr>
@@ -6614,7 +6667,7 @@
           <p:cNvPr id="121" name="타원 120">
             <a:extLst>
               <a:ext uri="{FF2B5EF4-FFF2-40B4-BE49-F238E27FC236}">
-                <a16:creationId xmlns:a16="http://schemas.microsoft.com/office/drawing/2014/main" id="{FCEB6F6D-33E7-4190-B846-D41998463439}"/>
+                <a16:creationId xmlns:a16="http://schemas.microsoft.com/office/drawing/2014/main" xmlns="" id="{FCEB6F6D-33E7-4190-B846-D41998463439}"/>
               </a:ext>
             </a:extLst>
           </p:cNvPr>
@@ -6662,7 +6715,7 @@
           <p:cNvPr id="122" name="타원 121">
             <a:extLst>
               <a:ext uri="{FF2B5EF4-FFF2-40B4-BE49-F238E27FC236}">
-                <a16:creationId xmlns:a16="http://schemas.microsoft.com/office/drawing/2014/main" id="{8934C5AF-8EBA-491F-8511-5C0083D75C7A}"/>
+                <a16:creationId xmlns:a16="http://schemas.microsoft.com/office/drawing/2014/main" xmlns="" id="{8934C5AF-8EBA-491F-8511-5C0083D75C7A}"/>
               </a:ext>
             </a:extLst>
           </p:cNvPr>
@@ -6710,7 +6763,7 @@
           <p:cNvPr id="123" name="타원 122">
             <a:extLst>
               <a:ext uri="{FF2B5EF4-FFF2-40B4-BE49-F238E27FC236}">
-                <a16:creationId xmlns:a16="http://schemas.microsoft.com/office/drawing/2014/main" id="{4EECE7BD-A7E9-4967-8909-8DB0F03C2436}"/>
+                <a16:creationId xmlns:a16="http://schemas.microsoft.com/office/drawing/2014/main" xmlns="" id="{4EECE7BD-A7E9-4967-8909-8DB0F03C2436}"/>
               </a:ext>
             </a:extLst>
           </p:cNvPr>
@@ -6758,7 +6811,7 @@
           <p:cNvPr id="125" name="타원 124">
             <a:extLst>
               <a:ext uri="{FF2B5EF4-FFF2-40B4-BE49-F238E27FC236}">
-                <a16:creationId xmlns:a16="http://schemas.microsoft.com/office/drawing/2014/main" id="{79D147C6-CB64-4F86-8D5D-8CF104045EFC}"/>
+                <a16:creationId xmlns:a16="http://schemas.microsoft.com/office/drawing/2014/main" xmlns="" id="{79D147C6-CB64-4F86-8D5D-8CF104045EFC}"/>
               </a:ext>
             </a:extLst>
           </p:cNvPr>

--- a/images/theory_analysis/Spring_Cloud/Spring_Cloud.pptx
+++ b/images/theory_analysis/Spring_Cloud/Spring_Cloud.pptx
@@ -5,11 +5,14 @@
     <p:sldMasterId id="2147483648" r:id="rId1"/>
   </p:sldMasterIdLst>
   <p:notesMasterIdLst>
-    <p:notesMasterId r:id="rId4"/>
+    <p:notesMasterId r:id="rId7"/>
   </p:notesMasterIdLst>
   <p:sldIdLst>
     <p:sldId id="388" r:id="rId2"/>
     <p:sldId id="389" r:id="rId3"/>
+    <p:sldId id="391" r:id="rId4"/>
+    <p:sldId id="390" r:id="rId5"/>
+    <p:sldId id="392" r:id="rId6"/>
   </p:sldIdLst>
   <p:sldSz cx="9144000" cy="5143500" type="screen16x9"/>
   <p:notesSz cx="6858000" cy="9144000"/>
@@ -110,7 +113,7 @@
   </p:defaultTextStyle>
   <p:extLst>
     <p:ext uri="{EFAFB233-063F-42B5-8137-9DF3F51BA10A}">
-      <p15:sldGuideLst xmlns:p15="http://schemas.microsoft.com/office/powerpoint/2012/main" xmlns="">
+      <p15:sldGuideLst xmlns:p15="http://schemas.microsoft.com/office/powerpoint/2012/main">
         <p15:guide id="1" orient="horz" pos="2160">
           <p15:clr>
             <a:srgbClr val="A4A3A4"/>
@@ -214,7 +217,7 @@
           <a:p>
             <a:fld id="{6CD5550B-26C4-49A9-A5BA-636EF7BE6CE9}" type="datetimeFigureOut">
               <a:rPr lang="ko-KR" altLang="en-US" smtClean="0"/>
-              <a:t>2018-11-08</a:t>
+              <a:t>2018-11-11</a:t>
             </a:fld>
             <a:endParaRPr lang="ko-KR" altLang="en-US"/>
           </a:p>
@@ -649,6 +652,258 @@
 </p:notes>
 </file>
 
+<file path=ppt/notesSlides/notesSlide3.xml><?xml version="1.0" encoding="utf-8"?>
+<p:notes xmlns:a="http://schemas.openxmlformats.org/drawingml/2006/main" xmlns:r="http://schemas.openxmlformats.org/officeDocument/2006/relationships" xmlns:p="http://schemas.openxmlformats.org/presentationml/2006/main">
+  <p:cSld>
+    <p:spTree>
+      <p:nvGrpSpPr>
+        <p:cNvPr id="1" name=""/>
+        <p:cNvGrpSpPr/>
+        <p:nvPr/>
+      </p:nvGrpSpPr>
+      <p:grpSpPr>
+        <a:xfrm>
+          <a:off x="0" y="0"/>
+          <a:ext cx="0" cy="0"/>
+          <a:chOff x="0" y="0"/>
+          <a:chExt cx="0" cy="0"/>
+        </a:xfrm>
+      </p:grpSpPr>
+      <p:sp>
+        <p:nvSpPr>
+          <p:cNvPr id="2" name="슬라이드 이미지 개체 틀 1"/>
+          <p:cNvSpPr>
+            <a:spLocks noGrp="1" noRot="1" noChangeAspect="1"/>
+          </p:cNvSpPr>
+          <p:nvPr>
+            <p:ph type="sldImg"/>
+          </p:nvPr>
+        </p:nvSpPr>
+        <p:spPr/>
+      </p:sp>
+      <p:sp>
+        <p:nvSpPr>
+          <p:cNvPr id="3" name="슬라이드 노트 개체 틀 2"/>
+          <p:cNvSpPr>
+            <a:spLocks noGrp="1"/>
+          </p:cNvSpPr>
+          <p:nvPr>
+            <p:ph type="body" idx="1"/>
+          </p:nvPr>
+        </p:nvSpPr>
+        <p:spPr/>
+        <p:txBody>
+          <a:bodyPr/>
+          <a:lstStyle/>
+          <a:p>
+            <a:endParaRPr lang="ko-KR" altLang="en-US" dirty="0"/>
+          </a:p>
+        </p:txBody>
+      </p:sp>
+      <p:sp>
+        <p:nvSpPr>
+          <p:cNvPr id="4" name="슬라이드 번호 개체 틀 3"/>
+          <p:cNvSpPr>
+            <a:spLocks noGrp="1"/>
+          </p:cNvSpPr>
+          <p:nvPr>
+            <p:ph type="sldNum" sz="quarter" idx="10"/>
+          </p:nvPr>
+        </p:nvSpPr>
+        <p:spPr/>
+        <p:txBody>
+          <a:bodyPr/>
+          <a:lstStyle/>
+          <a:p>
+            <a:fld id="{BA5DFA43-8D57-47FB-BC46-057616015C3B}" type="slidenum">
+              <a:rPr lang="ko-KR" altLang="en-US" smtClean="0"/>
+              <a:t>3</a:t>
+            </a:fld>
+            <a:endParaRPr lang="ko-KR" altLang="en-US"/>
+          </a:p>
+        </p:txBody>
+      </p:sp>
+    </p:spTree>
+    <p:extLst>
+      <p:ext uri="{BB962C8B-B14F-4D97-AF65-F5344CB8AC3E}">
+        <p14:creationId xmlns:p14="http://schemas.microsoft.com/office/powerpoint/2010/main" val="2472461818"/>
+      </p:ext>
+    </p:extLst>
+  </p:cSld>
+  <p:clrMapOvr>
+    <a:masterClrMapping/>
+  </p:clrMapOvr>
+</p:notes>
+</file>
+
+<file path=ppt/notesSlides/notesSlide4.xml><?xml version="1.0" encoding="utf-8"?>
+<p:notes xmlns:a="http://schemas.openxmlformats.org/drawingml/2006/main" xmlns:r="http://schemas.openxmlformats.org/officeDocument/2006/relationships" xmlns:p="http://schemas.openxmlformats.org/presentationml/2006/main">
+  <p:cSld>
+    <p:spTree>
+      <p:nvGrpSpPr>
+        <p:cNvPr id="1" name=""/>
+        <p:cNvGrpSpPr/>
+        <p:nvPr/>
+      </p:nvGrpSpPr>
+      <p:grpSpPr>
+        <a:xfrm>
+          <a:off x="0" y="0"/>
+          <a:ext cx="0" cy="0"/>
+          <a:chOff x="0" y="0"/>
+          <a:chExt cx="0" cy="0"/>
+        </a:xfrm>
+      </p:grpSpPr>
+      <p:sp>
+        <p:nvSpPr>
+          <p:cNvPr id="2" name="슬라이드 이미지 개체 틀 1"/>
+          <p:cNvSpPr>
+            <a:spLocks noGrp="1" noRot="1" noChangeAspect="1"/>
+          </p:cNvSpPr>
+          <p:nvPr>
+            <p:ph type="sldImg"/>
+          </p:nvPr>
+        </p:nvSpPr>
+        <p:spPr/>
+      </p:sp>
+      <p:sp>
+        <p:nvSpPr>
+          <p:cNvPr id="3" name="슬라이드 노트 개체 틀 2"/>
+          <p:cNvSpPr>
+            <a:spLocks noGrp="1"/>
+          </p:cNvSpPr>
+          <p:nvPr>
+            <p:ph type="body" idx="1"/>
+          </p:nvPr>
+        </p:nvSpPr>
+        <p:spPr/>
+        <p:txBody>
+          <a:bodyPr/>
+          <a:lstStyle/>
+          <a:p>
+            <a:endParaRPr lang="ko-KR" altLang="en-US" dirty="0"/>
+          </a:p>
+        </p:txBody>
+      </p:sp>
+      <p:sp>
+        <p:nvSpPr>
+          <p:cNvPr id="4" name="슬라이드 번호 개체 틀 3"/>
+          <p:cNvSpPr>
+            <a:spLocks noGrp="1"/>
+          </p:cNvSpPr>
+          <p:nvPr>
+            <p:ph type="sldNum" sz="quarter" idx="10"/>
+          </p:nvPr>
+        </p:nvSpPr>
+        <p:spPr/>
+        <p:txBody>
+          <a:bodyPr/>
+          <a:lstStyle/>
+          <a:p>
+            <a:fld id="{BA5DFA43-8D57-47FB-BC46-057616015C3B}" type="slidenum">
+              <a:rPr lang="ko-KR" altLang="en-US" smtClean="0"/>
+              <a:t>4</a:t>
+            </a:fld>
+            <a:endParaRPr lang="ko-KR" altLang="en-US"/>
+          </a:p>
+        </p:txBody>
+      </p:sp>
+    </p:spTree>
+    <p:extLst>
+      <p:ext uri="{BB962C8B-B14F-4D97-AF65-F5344CB8AC3E}">
+        <p14:creationId xmlns:p14="http://schemas.microsoft.com/office/powerpoint/2010/main" val="198068278"/>
+      </p:ext>
+    </p:extLst>
+  </p:cSld>
+  <p:clrMapOvr>
+    <a:masterClrMapping/>
+  </p:clrMapOvr>
+</p:notes>
+</file>
+
+<file path=ppt/notesSlides/notesSlide5.xml><?xml version="1.0" encoding="utf-8"?>
+<p:notes xmlns:a="http://schemas.openxmlformats.org/drawingml/2006/main" xmlns:r="http://schemas.openxmlformats.org/officeDocument/2006/relationships" xmlns:p="http://schemas.openxmlformats.org/presentationml/2006/main">
+  <p:cSld>
+    <p:spTree>
+      <p:nvGrpSpPr>
+        <p:cNvPr id="1" name=""/>
+        <p:cNvGrpSpPr/>
+        <p:nvPr/>
+      </p:nvGrpSpPr>
+      <p:grpSpPr>
+        <a:xfrm>
+          <a:off x="0" y="0"/>
+          <a:ext cx="0" cy="0"/>
+          <a:chOff x="0" y="0"/>
+          <a:chExt cx="0" cy="0"/>
+        </a:xfrm>
+      </p:grpSpPr>
+      <p:sp>
+        <p:nvSpPr>
+          <p:cNvPr id="2" name="슬라이드 이미지 개체 틀 1"/>
+          <p:cNvSpPr>
+            <a:spLocks noGrp="1" noRot="1" noChangeAspect="1"/>
+          </p:cNvSpPr>
+          <p:nvPr>
+            <p:ph type="sldImg"/>
+          </p:nvPr>
+        </p:nvSpPr>
+        <p:spPr/>
+      </p:sp>
+      <p:sp>
+        <p:nvSpPr>
+          <p:cNvPr id="3" name="슬라이드 노트 개체 틀 2"/>
+          <p:cNvSpPr>
+            <a:spLocks noGrp="1"/>
+          </p:cNvSpPr>
+          <p:nvPr>
+            <p:ph type="body" idx="1"/>
+          </p:nvPr>
+        </p:nvSpPr>
+        <p:spPr/>
+        <p:txBody>
+          <a:bodyPr/>
+          <a:lstStyle/>
+          <a:p>
+            <a:endParaRPr lang="ko-KR" altLang="en-US" dirty="0"/>
+          </a:p>
+        </p:txBody>
+      </p:sp>
+      <p:sp>
+        <p:nvSpPr>
+          <p:cNvPr id="4" name="슬라이드 번호 개체 틀 3"/>
+          <p:cNvSpPr>
+            <a:spLocks noGrp="1"/>
+          </p:cNvSpPr>
+          <p:nvPr>
+            <p:ph type="sldNum" sz="quarter" idx="10"/>
+          </p:nvPr>
+        </p:nvSpPr>
+        <p:spPr/>
+        <p:txBody>
+          <a:bodyPr/>
+          <a:lstStyle/>
+          <a:p>
+            <a:fld id="{BA5DFA43-8D57-47FB-BC46-057616015C3B}" type="slidenum">
+              <a:rPr lang="ko-KR" altLang="en-US" smtClean="0"/>
+              <a:t>5</a:t>
+            </a:fld>
+            <a:endParaRPr lang="ko-KR" altLang="en-US"/>
+          </a:p>
+        </p:txBody>
+      </p:sp>
+    </p:spTree>
+    <p:extLst>
+      <p:ext uri="{BB962C8B-B14F-4D97-AF65-F5344CB8AC3E}">
+        <p14:creationId xmlns:p14="http://schemas.microsoft.com/office/powerpoint/2010/main" val="118109531"/>
+      </p:ext>
+    </p:extLst>
+  </p:cSld>
+  <p:clrMapOvr>
+    <a:masterClrMapping/>
+  </p:clrMapOvr>
+</p:notes>
+</file>
+
 <file path=ppt/slideLayouts/slideLayout1.xml><?xml version="1.0" encoding="utf-8"?>
 <p:sldLayout xmlns:a="http://schemas.openxmlformats.org/drawingml/2006/main" xmlns:r="http://schemas.openxmlformats.org/officeDocument/2006/relationships" xmlns:p="http://schemas.openxmlformats.org/presentationml/2006/main" type="title" preserve="1">
   <p:cSld name="제목 슬라이드">
@@ -828,7 +1083,7 @@
           <a:p>
             <a:fld id="{FB30EDBD-1C2D-4C1E-B459-B60219FAB484}" type="datetimeFigureOut">
               <a:rPr lang="ko-KR" altLang="en-US" smtClean="0"/>
-              <a:t>2018-11-08</a:t>
+              <a:t>2018-11-11</a:t>
             </a:fld>
             <a:endParaRPr lang="ko-KR" altLang="en-US"/>
           </a:p>
@@ -991,7 +1246,7 @@
           <a:p>
             <a:fld id="{FB30EDBD-1C2D-4C1E-B459-B60219FAB484}" type="datetimeFigureOut">
               <a:rPr lang="ko-KR" altLang="en-US" smtClean="0"/>
-              <a:t>2018-11-08</a:t>
+              <a:t>2018-11-11</a:t>
             </a:fld>
             <a:endParaRPr lang="ko-KR" altLang="en-US"/>
           </a:p>
@@ -1164,7 +1419,7 @@
           <a:p>
             <a:fld id="{FB30EDBD-1C2D-4C1E-B459-B60219FAB484}" type="datetimeFigureOut">
               <a:rPr lang="ko-KR" altLang="en-US" smtClean="0"/>
-              <a:t>2018-11-08</a:t>
+              <a:t>2018-11-11</a:t>
             </a:fld>
             <a:endParaRPr lang="ko-KR" altLang="en-US"/>
           </a:p>
@@ -1327,7 +1582,7 @@
           <a:p>
             <a:fld id="{FB30EDBD-1C2D-4C1E-B459-B60219FAB484}" type="datetimeFigureOut">
               <a:rPr lang="ko-KR" altLang="en-US" smtClean="0"/>
-              <a:t>2018-11-08</a:t>
+              <a:t>2018-11-11</a:t>
             </a:fld>
             <a:endParaRPr lang="ko-KR" altLang="en-US"/>
           </a:p>
@@ -1567,7 +1822,7 @@
           <a:p>
             <a:fld id="{FB30EDBD-1C2D-4C1E-B459-B60219FAB484}" type="datetimeFigureOut">
               <a:rPr lang="ko-KR" altLang="en-US" smtClean="0"/>
-              <a:t>2018-11-08</a:t>
+              <a:t>2018-11-11</a:t>
             </a:fld>
             <a:endParaRPr lang="ko-KR" altLang="en-US"/>
           </a:p>
@@ -1847,7 +2102,7 @@
           <a:p>
             <a:fld id="{FB30EDBD-1C2D-4C1E-B459-B60219FAB484}" type="datetimeFigureOut">
               <a:rPr lang="ko-KR" altLang="en-US" smtClean="0"/>
-              <a:t>2018-11-08</a:t>
+              <a:t>2018-11-11</a:t>
             </a:fld>
             <a:endParaRPr lang="ko-KR" altLang="en-US"/>
           </a:p>
@@ -2261,7 +2516,7 @@
           <a:p>
             <a:fld id="{FB30EDBD-1C2D-4C1E-B459-B60219FAB484}" type="datetimeFigureOut">
               <a:rPr lang="ko-KR" altLang="en-US" smtClean="0"/>
-              <a:t>2018-11-08</a:t>
+              <a:t>2018-11-11</a:t>
             </a:fld>
             <a:endParaRPr lang="ko-KR" altLang="en-US"/>
           </a:p>
@@ -2373,7 +2628,7 @@
           <a:p>
             <a:fld id="{FB30EDBD-1C2D-4C1E-B459-B60219FAB484}" type="datetimeFigureOut">
               <a:rPr lang="ko-KR" altLang="en-US" smtClean="0"/>
-              <a:t>2018-11-08</a:t>
+              <a:t>2018-11-11</a:t>
             </a:fld>
             <a:endParaRPr lang="ko-KR" altLang="en-US"/>
           </a:p>
@@ -2463,7 +2718,7 @@
           <a:p>
             <a:fld id="{FB30EDBD-1C2D-4C1E-B459-B60219FAB484}" type="datetimeFigureOut">
               <a:rPr lang="ko-KR" altLang="en-US" smtClean="0"/>
-              <a:t>2018-11-08</a:t>
+              <a:t>2018-11-11</a:t>
             </a:fld>
             <a:endParaRPr lang="ko-KR" altLang="en-US"/>
           </a:p>
@@ -2733,7 +2988,7 @@
           <a:p>
             <a:fld id="{FB30EDBD-1C2D-4C1E-B459-B60219FAB484}" type="datetimeFigureOut">
               <a:rPr lang="ko-KR" altLang="en-US" smtClean="0"/>
-              <a:t>2018-11-08</a:t>
+              <a:t>2018-11-11</a:t>
             </a:fld>
             <a:endParaRPr lang="ko-KR" altLang="en-US"/>
           </a:p>
@@ -2980,7 +3235,7 @@
           <a:p>
             <a:fld id="{FB30EDBD-1C2D-4C1E-B459-B60219FAB484}" type="datetimeFigureOut">
               <a:rPr lang="ko-KR" altLang="en-US" smtClean="0"/>
-              <a:t>2018-11-08</a:t>
+              <a:t>2018-11-11</a:t>
             </a:fld>
             <a:endParaRPr lang="ko-KR" altLang="en-US"/>
           </a:p>
@@ -3186,7 +3441,7 @@
           <a:p>
             <a:fld id="{FB30EDBD-1C2D-4C1E-B459-B60219FAB484}" type="datetimeFigureOut">
               <a:rPr lang="ko-KR" altLang="en-US" smtClean="0"/>
-              <a:t>2018-11-08</a:t>
+              <a:t>2018-11-11</a:t>
             </a:fld>
             <a:endParaRPr lang="ko-KR" altLang="en-US"/>
           </a:p>
@@ -3591,7 +3846,7 @@
           <p:cNvPr id="2" name="타원 1">
             <a:extLst>
               <a:ext uri="{FF2B5EF4-FFF2-40B4-BE49-F238E27FC236}">
-                <a16:creationId xmlns:a16="http://schemas.microsoft.com/office/drawing/2014/main" xmlns="" id="{2A463F43-B91B-4307-A005-E341FDE36620}"/>
+                <a16:creationId xmlns:a16="http://schemas.microsoft.com/office/drawing/2014/main" id="{2A463F43-B91B-4307-A005-E341FDE36620}"/>
               </a:ext>
             </a:extLst>
           </p:cNvPr>
@@ -3639,7 +3894,7 @@
           <p:cNvPr id="30" name="타원 29">
             <a:extLst>
               <a:ext uri="{FF2B5EF4-FFF2-40B4-BE49-F238E27FC236}">
-                <a16:creationId xmlns:a16="http://schemas.microsoft.com/office/drawing/2014/main" xmlns="" id="{9C85560C-26CB-4F7B-BCFC-5126D4379EB1}"/>
+                <a16:creationId xmlns:a16="http://schemas.microsoft.com/office/drawing/2014/main" id="{9C85560C-26CB-4F7B-BCFC-5126D4379EB1}"/>
               </a:ext>
             </a:extLst>
           </p:cNvPr>
@@ -3687,7 +3942,7 @@
           <p:cNvPr id="32" name="타원 31">
             <a:extLst>
               <a:ext uri="{FF2B5EF4-FFF2-40B4-BE49-F238E27FC236}">
-                <a16:creationId xmlns:a16="http://schemas.microsoft.com/office/drawing/2014/main" xmlns="" id="{D493FD3F-298B-487C-A5BC-7F95766EC31A}"/>
+                <a16:creationId xmlns:a16="http://schemas.microsoft.com/office/drawing/2014/main" id="{D493FD3F-298B-487C-A5BC-7F95766EC31A}"/>
               </a:ext>
             </a:extLst>
           </p:cNvPr>
@@ -3735,7 +3990,7 @@
           <p:cNvPr id="34" name="타원 33">
             <a:extLst>
               <a:ext uri="{FF2B5EF4-FFF2-40B4-BE49-F238E27FC236}">
-                <a16:creationId xmlns:a16="http://schemas.microsoft.com/office/drawing/2014/main" xmlns="" id="{B7319C01-34BE-4F95-A0AB-8B5E247E3A85}"/>
+                <a16:creationId xmlns:a16="http://schemas.microsoft.com/office/drawing/2014/main" id="{B7319C01-34BE-4F95-A0AB-8B5E247E3A85}"/>
               </a:ext>
             </a:extLst>
           </p:cNvPr>
@@ -3789,7 +4044,7 @@
           <p:cNvPr id="35" name="타원 34">
             <a:extLst>
               <a:ext uri="{FF2B5EF4-FFF2-40B4-BE49-F238E27FC236}">
-                <a16:creationId xmlns:a16="http://schemas.microsoft.com/office/drawing/2014/main" xmlns="" id="{5B243082-0555-4EDC-8DBE-3E0EDE1C8EC1}"/>
+                <a16:creationId xmlns:a16="http://schemas.microsoft.com/office/drawing/2014/main" id="{5B243082-0555-4EDC-8DBE-3E0EDE1C8EC1}"/>
               </a:ext>
             </a:extLst>
           </p:cNvPr>
@@ -3843,7 +4098,7 @@
           <p:cNvPr id="36" name="타원 35">
             <a:extLst>
               <a:ext uri="{FF2B5EF4-FFF2-40B4-BE49-F238E27FC236}">
-                <a16:creationId xmlns:a16="http://schemas.microsoft.com/office/drawing/2014/main" xmlns="" id="{662BF98F-6E0A-4F0F-9547-6EB8FDC58D1D}"/>
+                <a16:creationId xmlns:a16="http://schemas.microsoft.com/office/drawing/2014/main" id="{662BF98F-6E0A-4F0F-9547-6EB8FDC58D1D}"/>
               </a:ext>
             </a:extLst>
           </p:cNvPr>
@@ -3891,7 +4146,7 @@
           <p:cNvPr id="37" name="타원 36">
             <a:extLst>
               <a:ext uri="{FF2B5EF4-FFF2-40B4-BE49-F238E27FC236}">
-                <a16:creationId xmlns:a16="http://schemas.microsoft.com/office/drawing/2014/main" xmlns="" id="{4B17D85D-1CE1-4FDB-B3CF-173B96E8CD69}"/>
+                <a16:creationId xmlns:a16="http://schemas.microsoft.com/office/drawing/2014/main" id="{4B17D85D-1CE1-4FDB-B3CF-173B96E8CD69}"/>
               </a:ext>
             </a:extLst>
           </p:cNvPr>
@@ -3939,7 +4194,7 @@
           <p:cNvPr id="38" name="타원 37">
             <a:extLst>
               <a:ext uri="{FF2B5EF4-FFF2-40B4-BE49-F238E27FC236}">
-                <a16:creationId xmlns:a16="http://schemas.microsoft.com/office/drawing/2014/main" xmlns="" id="{4BA2E949-6CB0-4EB3-8A13-8AB2C723E01E}"/>
+                <a16:creationId xmlns:a16="http://schemas.microsoft.com/office/drawing/2014/main" id="{4BA2E949-6CB0-4EB3-8A13-8AB2C723E01E}"/>
               </a:ext>
             </a:extLst>
           </p:cNvPr>
@@ -3987,7 +4242,7 @@
           <p:cNvPr id="4" name="직선 화살표 연결선 3">
             <a:extLst>
               <a:ext uri="{FF2B5EF4-FFF2-40B4-BE49-F238E27FC236}">
-                <a16:creationId xmlns:a16="http://schemas.microsoft.com/office/drawing/2014/main" xmlns="" id="{B722558D-FFCA-4F54-949F-67C5904B29E7}"/>
+                <a16:creationId xmlns:a16="http://schemas.microsoft.com/office/drawing/2014/main" id="{B722558D-FFCA-4F54-949F-67C5904B29E7}"/>
               </a:ext>
             </a:extLst>
           </p:cNvPr>
@@ -4034,7 +4289,7 @@
           <p:cNvPr id="39" name="직선 화살표 연결선 38">
             <a:extLst>
               <a:ext uri="{FF2B5EF4-FFF2-40B4-BE49-F238E27FC236}">
-                <a16:creationId xmlns:a16="http://schemas.microsoft.com/office/drawing/2014/main" xmlns="" id="{ACC6DFA3-4821-4DB3-82E7-728BA0FEB153}"/>
+                <a16:creationId xmlns:a16="http://schemas.microsoft.com/office/drawing/2014/main" id="{ACC6DFA3-4821-4DB3-82E7-728BA0FEB153}"/>
               </a:ext>
             </a:extLst>
           </p:cNvPr>
@@ -4081,7 +4336,7 @@
           <p:cNvPr id="42" name="직선 화살표 연결선 41">
             <a:extLst>
               <a:ext uri="{FF2B5EF4-FFF2-40B4-BE49-F238E27FC236}">
-                <a16:creationId xmlns:a16="http://schemas.microsoft.com/office/drawing/2014/main" xmlns="" id="{6D7E962B-BC67-405F-B59D-AFC4196B8E24}"/>
+                <a16:creationId xmlns:a16="http://schemas.microsoft.com/office/drawing/2014/main" id="{6D7E962B-BC67-405F-B59D-AFC4196B8E24}"/>
               </a:ext>
             </a:extLst>
           </p:cNvPr>
@@ -4128,7 +4383,7 @@
           <p:cNvPr id="49" name="직선 화살표 연결선 48">
             <a:extLst>
               <a:ext uri="{FF2B5EF4-FFF2-40B4-BE49-F238E27FC236}">
-                <a16:creationId xmlns:a16="http://schemas.microsoft.com/office/drawing/2014/main" xmlns="" id="{1E56D5C9-F570-49D7-86E5-7437AD7AA68C}"/>
+                <a16:creationId xmlns:a16="http://schemas.microsoft.com/office/drawing/2014/main" id="{1E56D5C9-F570-49D7-86E5-7437AD7AA68C}"/>
               </a:ext>
             </a:extLst>
           </p:cNvPr>
@@ -4175,7 +4430,7 @@
           <p:cNvPr id="52" name="직선 화살표 연결선 51">
             <a:extLst>
               <a:ext uri="{FF2B5EF4-FFF2-40B4-BE49-F238E27FC236}">
-                <a16:creationId xmlns:a16="http://schemas.microsoft.com/office/drawing/2014/main" xmlns="" id="{99AB19F9-9E98-4EB5-A5A5-BD95A31EE46B}"/>
+                <a16:creationId xmlns:a16="http://schemas.microsoft.com/office/drawing/2014/main" id="{99AB19F9-9E98-4EB5-A5A5-BD95A31EE46B}"/>
               </a:ext>
             </a:extLst>
           </p:cNvPr>
@@ -4222,7 +4477,7 @@
           <p:cNvPr id="55" name="직선 화살표 연결선 54">
             <a:extLst>
               <a:ext uri="{FF2B5EF4-FFF2-40B4-BE49-F238E27FC236}">
-                <a16:creationId xmlns:a16="http://schemas.microsoft.com/office/drawing/2014/main" xmlns="" id="{69BB6CE8-E3F9-4803-B589-5CB40943C339}"/>
+                <a16:creationId xmlns:a16="http://schemas.microsoft.com/office/drawing/2014/main" id="{69BB6CE8-E3F9-4803-B589-5CB40943C339}"/>
               </a:ext>
             </a:extLst>
           </p:cNvPr>
@@ -4269,7 +4524,7 @@
           <p:cNvPr id="58" name="직선 화살표 연결선 57">
             <a:extLst>
               <a:ext uri="{FF2B5EF4-FFF2-40B4-BE49-F238E27FC236}">
-                <a16:creationId xmlns:a16="http://schemas.microsoft.com/office/drawing/2014/main" xmlns="" id="{A98A10C6-CC43-412E-A212-1489865804A2}"/>
+                <a16:creationId xmlns:a16="http://schemas.microsoft.com/office/drawing/2014/main" id="{A98A10C6-CC43-412E-A212-1489865804A2}"/>
               </a:ext>
             </a:extLst>
           </p:cNvPr>
@@ -4316,7 +4571,7 @@
           <p:cNvPr id="61" name="직선 연결선 60">
             <a:extLst>
               <a:ext uri="{FF2B5EF4-FFF2-40B4-BE49-F238E27FC236}">
-                <a16:creationId xmlns:a16="http://schemas.microsoft.com/office/drawing/2014/main" xmlns="" id="{CDA00C0E-737A-46D3-B62C-D914ABD1C61F}"/>
+                <a16:creationId xmlns:a16="http://schemas.microsoft.com/office/drawing/2014/main" id="{CDA00C0E-737A-46D3-B62C-D914ABD1C61F}"/>
               </a:ext>
             </a:extLst>
           </p:cNvPr>
@@ -4359,7 +4614,7 @@
           <p:cNvPr id="71" name="직선 연결선 70">
             <a:extLst>
               <a:ext uri="{FF2B5EF4-FFF2-40B4-BE49-F238E27FC236}">
-                <a16:creationId xmlns:a16="http://schemas.microsoft.com/office/drawing/2014/main" xmlns="" id="{C09EC4B8-F304-4CFA-BE0E-A2D47DECE974}"/>
+                <a16:creationId xmlns:a16="http://schemas.microsoft.com/office/drawing/2014/main" id="{C09EC4B8-F304-4CFA-BE0E-A2D47DECE974}"/>
               </a:ext>
             </a:extLst>
           </p:cNvPr>
@@ -4540,7 +4795,7 @@
           <p:cNvPr id="3" name="직사각형 2">
             <a:extLst>
               <a:ext uri="{FF2B5EF4-FFF2-40B4-BE49-F238E27FC236}">
-                <a16:creationId xmlns:a16="http://schemas.microsoft.com/office/drawing/2014/main" xmlns="" id="{8CCF8E80-A128-4B96-A3AB-AAFD8AD02C81}"/>
+                <a16:creationId xmlns:a16="http://schemas.microsoft.com/office/drawing/2014/main" id="{8CCF8E80-A128-4B96-A3AB-AAFD8AD02C81}"/>
               </a:ext>
             </a:extLst>
           </p:cNvPr>
@@ -4595,7 +4850,7 @@
           <p:cNvPr id="27" name="직사각형 26">
             <a:extLst>
               <a:ext uri="{FF2B5EF4-FFF2-40B4-BE49-F238E27FC236}">
-                <a16:creationId xmlns:a16="http://schemas.microsoft.com/office/drawing/2014/main" xmlns="" id="{9234E4EE-8DE3-493C-A2C2-760FF24B4395}"/>
+                <a16:creationId xmlns:a16="http://schemas.microsoft.com/office/drawing/2014/main" id="{9234E4EE-8DE3-493C-A2C2-760FF24B4395}"/>
               </a:ext>
             </a:extLst>
           </p:cNvPr>
@@ -4643,7 +4898,7 @@
           <p:cNvPr id="28" name="직사각형 27">
             <a:extLst>
               <a:ext uri="{FF2B5EF4-FFF2-40B4-BE49-F238E27FC236}">
-                <a16:creationId xmlns:a16="http://schemas.microsoft.com/office/drawing/2014/main" xmlns="" id="{CF7BEC76-56E8-4D2A-A554-34769DA85FEC}"/>
+                <a16:creationId xmlns:a16="http://schemas.microsoft.com/office/drawing/2014/main" id="{CF7BEC76-56E8-4D2A-A554-34769DA85FEC}"/>
               </a:ext>
             </a:extLst>
           </p:cNvPr>
@@ -4691,7 +4946,7 @@
           <p:cNvPr id="29" name="직사각형 28">
             <a:extLst>
               <a:ext uri="{FF2B5EF4-FFF2-40B4-BE49-F238E27FC236}">
-                <a16:creationId xmlns:a16="http://schemas.microsoft.com/office/drawing/2014/main" xmlns="" id="{FA3B9369-DC1B-4769-AAE0-9810E04C1EAD}"/>
+                <a16:creationId xmlns:a16="http://schemas.microsoft.com/office/drawing/2014/main" id="{FA3B9369-DC1B-4769-AAE0-9810E04C1EAD}"/>
               </a:ext>
             </a:extLst>
           </p:cNvPr>
@@ -4739,7 +4994,7 @@
           <p:cNvPr id="9" name="직선 화살표 연결선 8">
             <a:extLst>
               <a:ext uri="{FF2B5EF4-FFF2-40B4-BE49-F238E27FC236}">
-                <a16:creationId xmlns:a16="http://schemas.microsoft.com/office/drawing/2014/main" xmlns="" id="{A5F0EAD9-84E9-47E8-B908-BDC55BDE7DBF}"/>
+                <a16:creationId xmlns:a16="http://schemas.microsoft.com/office/drawing/2014/main" id="{A5F0EAD9-84E9-47E8-B908-BDC55BDE7DBF}"/>
               </a:ext>
             </a:extLst>
           </p:cNvPr>
@@ -4786,7 +5041,7 @@
           <p:cNvPr id="40" name="직선 화살표 연결선 39">
             <a:extLst>
               <a:ext uri="{FF2B5EF4-FFF2-40B4-BE49-F238E27FC236}">
-                <a16:creationId xmlns:a16="http://schemas.microsoft.com/office/drawing/2014/main" xmlns="" id="{42A1D166-4178-4A34-B3B0-B1B83FA1705F}"/>
+                <a16:creationId xmlns:a16="http://schemas.microsoft.com/office/drawing/2014/main" id="{42A1D166-4178-4A34-B3B0-B1B83FA1705F}"/>
               </a:ext>
             </a:extLst>
           </p:cNvPr>
@@ -4833,7 +5088,7 @@
           <p:cNvPr id="43" name="직선 화살표 연결선 42">
             <a:extLst>
               <a:ext uri="{FF2B5EF4-FFF2-40B4-BE49-F238E27FC236}">
-                <a16:creationId xmlns:a16="http://schemas.microsoft.com/office/drawing/2014/main" xmlns="" id="{A742CF79-7D24-4059-AC24-C783E190A05D}"/>
+                <a16:creationId xmlns:a16="http://schemas.microsoft.com/office/drawing/2014/main" id="{A742CF79-7D24-4059-AC24-C783E190A05D}"/>
               </a:ext>
             </a:extLst>
           </p:cNvPr>
@@ -4880,7 +5135,7 @@
           <p:cNvPr id="44" name="직사각형 43">
             <a:extLst>
               <a:ext uri="{FF2B5EF4-FFF2-40B4-BE49-F238E27FC236}">
-                <a16:creationId xmlns:a16="http://schemas.microsoft.com/office/drawing/2014/main" xmlns="" id="{5F30E14C-7488-4680-B463-9536DA19218E}"/>
+                <a16:creationId xmlns:a16="http://schemas.microsoft.com/office/drawing/2014/main" id="{5F30E14C-7488-4680-B463-9536DA19218E}"/>
               </a:ext>
             </a:extLst>
           </p:cNvPr>
@@ -4928,7 +5183,7 @@
           <p:cNvPr id="21" name="자유형: 도형 20">
             <a:extLst>
               <a:ext uri="{FF2B5EF4-FFF2-40B4-BE49-F238E27FC236}">
-                <a16:creationId xmlns:a16="http://schemas.microsoft.com/office/drawing/2014/main" xmlns="" id="{8E3504EF-832A-45C1-98EC-0F3F7E26DE15}"/>
+                <a16:creationId xmlns:a16="http://schemas.microsoft.com/office/drawing/2014/main" id="{8E3504EF-832A-45C1-98EC-0F3F7E26DE15}"/>
               </a:ext>
             </a:extLst>
           </p:cNvPr>
@@ -5016,7 +5271,7 @@
           <p:cNvPr id="50" name="직사각형 49">
             <a:extLst>
               <a:ext uri="{FF2B5EF4-FFF2-40B4-BE49-F238E27FC236}">
-                <a16:creationId xmlns:a16="http://schemas.microsoft.com/office/drawing/2014/main" xmlns="" id="{C3FBFFDB-E866-45D5-AB7A-CDC10C89EAC1}"/>
+                <a16:creationId xmlns:a16="http://schemas.microsoft.com/office/drawing/2014/main" id="{C3FBFFDB-E866-45D5-AB7A-CDC10C89EAC1}"/>
               </a:ext>
             </a:extLst>
           </p:cNvPr>
@@ -5064,7 +5319,7 @@
           <p:cNvPr id="22" name="자유형: 도형 21">
             <a:extLst>
               <a:ext uri="{FF2B5EF4-FFF2-40B4-BE49-F238E27FC236}">
-                <a16:creationId xmlns:a16="http://schemas.microsoft.com/office/drawing/2014/main" xmlns="" id="{D8E80CCF-F668-4A14-8BDA-AB2845C6DAC9}"/>
+                <a16:creationId xmlns:a16="http://schemas.microsoft.com/office/drawing/2014/main" id="{D8E80CCF-F668-4A14-8BDA-AB2845C6DAC9}"/>
               </a:ext>
             </a:extLst>
           </p:cNvPr>
@@ -5158,7 +5413,7 @@
           <p:cNvPr id="51" name="직선 화살표 연결선 50">
             <a:extLst>
               <a:ext uri="{FF2B5EF4-FFF2-40B4-BE49-F238E27FC236}">
-                <a16:creationId xmlns:a16="http://schemas.microsoft.com/office/drawing/2014/main" xmlns="" id="{4C245371-1D47-4D2C-9876-E5E4719F7971}"/>
+                <a16:creationId xmlns:a16="http://schemas.microsoft.com/office/drawing/2014/main" id="{4C245371-1D47-4D2C-9876-E5E4719F7971}"/>
               </a:ext>
             </a:extLst>
           </p:cNvPr>
@@ -5203,7 +5458,7 @@
           <p:cNvPr id="64" name="직사각형 63">
             <a:extLst>
               <a:ext uri="{FF2B5EF4-FFF2-40B4-BE49-F238E27FC236}">
-                <a16:creationId xmlns:a16="http://schemas.microsoft.com/office/drawing/2014/main" xmlns="" id="{BABA5125-869D-4A30-BE53-6DF120CC2A72}"/>
+                <a16:creationId xmlns:a16="http://schemas.microsoft.com/office/drawing/2014/main" id="{BABA5125-869D-4A30-BE53-6DF120CC2A72}"/>
               </a:ext>
             </a:extLst>
           </p:cNvPr>
@@ -5251,7 +5506,7 @@
           <p:cNvPr id="65" name="직사각형 64">
             <a:extLst>
               <a:ext uri="{FF2B5EF4-FFF2-40B4-BE49-F238E27FC236}">
-                <a16:creationId xmlns:a16="http://schemas.microsoft.com/office/drawing/2014/main" xmlns="" id="{DD356E60-50AD-4F02-8419-30D6D2D2710C}"/>
+                <a16:creationId xmlns:a16="http://schemas.microsoft.com/office/drawing/2014/main" id="{DD356E60-50AD-4F02-8419-30D6D2D2710C}"/>
               </a:ext>
             </a:extLst>
           </p:cNvPr>
@@ -5299,7 +5554,7 @@
           <p:cNvPr id="63" name="자유형: 도형 62">
             <a:extLst>
               <a:ext uri="{FF2B5EF4-FFF2-40B4-BE49-F238E27FC236}">
-                <a16:creationId xmlns:a16="http://schemas.microsoft.com/office/drawing/2014/main" xmlns="" id="{7744D577-5F8D-4B01-9820-2A79D5859BFF}"/>
+                <a16:creationId xmlns:a16="http://schemas.microsoft.com/office/drawing/2014/main" id="{7744D577-5F8D-4B01-9820-2A79D5859BFF}"/>
               </a:ext>
             </a:extLst>
           </p:cNvPr>
@@ -5395,7 +5650,7 @@
           <p:cNvPr id="67" name="직선 화살표 연결선 66">
             <a:extLst>
               <a:ext uri="{FF2B5EF4-FFF2-40B4-BE49-F238E27FC236}">
-                <a16:creationId xmlns:a16="http://schemas.microsoft.com/office/drawing/2014/main" xmlns="" id="{D79B5DB6-F0F6-459C-987E-C2E738038C20}"/>
+                <a16:creationId xmlns:a16="http://schemas.microsoft.com/office/drawing/2014/main" id="{D79B5DB6-F0F6-459C-987E-C2E738038C20}"/>
               </a:ext>
             </a:extLst>
           </p:cNvPr>
@@ -5441,7 +5696,7 @@
           <p:cNvPr id="70" name="자유형: 도형 69">
             <a:extLst>
               <a:ext uri="{FF2B5EF4-FFF2-40B4-BE49-F238E27FC236}">
-                <a16:creationId xmlns:a16="http://schemas.microsoft.com/office/drawing/2014/main" xmlns="" id="{1BB22D12-7FF8-4D89-B642-9BE0FA6E9BE3}"/>
+                <a16:creationId xmlns:a16="http://schemas.microsoft.com/office/drawing/2014/main" id="{1BB22D12-7FF8-4D89-B642-9BE0FA6E9BE3}"/>
               </a:ext>
             </a:extLst>
           </p:cNvPr>
@@ -5535,7 +5790,7 @@
           <p:cNvPr id="72" name="직선 화살표 연결선 71">
             <a:extLst>
               <a:ext uri="{FF2B5EF4-FFF2-40B4-BE49-F238E27FC236}">
-                <a16:creationId xmlns:a16="http://schemas.microsoft.com/office/drawing/2014/main" xmlns="" id="{DB48EFB6-7E95-49E5-9AD4-87EB4EADFFB0}"/>
+                <a16:creationId xmlns:a16="http://schemas.microsoft.com/office/drawing/2014/main" id="{DB48EFB6-7E95-49E5-9AD4-87EB4EADFFB0}"/>
               </a:ext>
             </a:extLst>
           </p:cNvPr>
@@ -5581,7 +5836,7 @@
           <p:cNvPr id="77" name="직선 연결선 76">
             <a:extLst>
               <a:ext uri="{FF2B5EF4-FFF2-40B4-BE49-F238E27FC236}">
-                <a16:creationId xmlns:a16="http://schemas.microsoft.com/office/drawing/2014/main" xmlns="" id="{25C24B68-64F4-4E1A-91B8-B3432744444D}"/>
+                <a16:creationId xmlns:a16="http://schemas.microsoft.com/office/drawing/2014/main" id="{25C24B68-64F4-4E1A-91B8-B3432744444D}"/>
               </a:ext>
             </a:extLst>
           </p:cNvPr>
@@ -5625,7 +5880,7 @@
           <p:cNvPr id="82" name="직선 화살표 연결선 81">
             <a:extLst>
               <a:ext uri="{FF2B5EF4-FFF2-40B4-BE49-F238E27FC236}">
-                <a16:creationId xmlns:a16="http://schemas.microsoft.com/office/drawing/2014/main" xmlns="" id="{782CAA2A-1D23-4483-95EE-AC113C0BED3B}"/>
+                <a16:creationId xmlns:a16="http://schemas.microsoft.com/office/drawing/2014/main" id="{782CAA2A-1D23-4483-95EE-AC113C0BED3B}"/>
               </a:ext>
             </a:extLst>
           </p:cNvPr>
@@ -5669,7 +5924,7 @@
           <p:cNvPr id="85" name="직선 화살표 연결선 84">
             <a:extLst>
               <a:ext uri="{FF2B5EF4-FFF2-40B4-BE49-F238E27FC236}">
-                <a16:creationId xmlns:a16="http://schemas.microsoft.com/office/drawing/2014/main" xmlns="" id="{AEFE1823-79C9-4E6D-B139-C8BDCA09DD0C}"/>
+                <a16:creationId xmlns:a16="http://schemas.microsoft.com/office/drawing/2014/main" id="{AEFE1823-79C9-4E6D-B139-C8BDCA09DD0C}"/>
               </a:ext>
             </a:extLst>
           </p:cNvPr>
@@ -5713,7 +5968,7 @@
           <p:cNvPr id="88" name="직사각형 87">
             <a:extLst>
               <a:ext uri="{FF2B5EF4-FFF2-40B4-BE49-F238E27FC236}">
-                <a16:creationId xmlns:a16="http://schemas.microsoft.com/office/drawing/2014/main" xmlns="" id="{B36E9D8A-C9AC-407C-B232-C535347240C6}"/>
+                <a16:creationId xmlns:a16="http://schemas.microsoft.com/office/drawing/2014/main" id="{B36E9D8A-C9AC-407C-B232-C535347240C6}"/>
               </a:ext>
             </a:extLst>
           </p:cNvPr>
@@ -5750,15 +6005,7 @@
             <a:pPr algn="ctr"/>
             <a:r>
               <a:rPr lang="en-US" altLang="ko-KR" sz="1200" dirty="0"/>
-              <a:t>Fallback </a:t>
-            </a:r>
-            <a:r>
-              <a:rPr lang="en-US" altLang="ko-KR" sz="1200" dirty="0" smtClean="0"/>
-              <a:t>successful</a:t>
-            </a:r>
-            <a:r>
-              <a:rPr lang="en-US" altLang="ko-KR" sz="1200" dirty="0"/>
-              <a:t>?</a:t>
+              <a:t>Fallback successful?</a:t>
             </a:r>
             <a:endParaRPr lang="ko-KR" altLang="en-US" sz="1200" dirty="0"/>
           </a:p>
@@ -5769,7 +6016,7 @@
           <p:cNvPr id="95" name="직선 연결선 94">
             <a:extLst>
               <a:ext uri="{FF2B5EF4-FFF2-40B4-BE49-F238E27FC236}">
-                <a16:creationId xmlns:a16="http://schemas.microsoft.com/office/drawing/2014/main" xmlns="" id="{45526F78-9FDA-4809-9E99-E707894A2973}"/>
+                <a16:creationId xmlns:a16="http://schemas.microsoft.com/office/drawing/2014/main" id="{45526F78-9FDA-4809-9E99-E707894A2973}"/>
               </a:ext>
             </a:extLst>
           </p:cNvPr>
@@ -5812,7 +6059,7 @@
           <p:cNvPr id="96" name="직선 화살표 연결선 95">
             <a:extLst>
               <a:ext uri="{FF2B5EF4-FFF2-40B4-BE49-F238E27FC236}">
-                <a16:creationId xmlns:a16="http://schemas.microsoft.com/office/drawing/2014/main" xmlns="" id="{8B58E01F-404C-426E-8460-78983279BCC6}"/>
+                <a16:creationId xmlns:a16="http://schemas.microsoft.com/office/drawing/2014/main" id="{8B58E01F-404C-426E-8460-78983279BCC6}"/>
               </a:ext>
             </a:extLst>
           </p:cNvPr>
@@ -5859,7 +6106,7 @@
           <p:cNvPr id="101" name="자유형: 도형 100">
             <a:extLst>
               <a:ext uri="{FF2B5EF4-FFF2-40B4-BE49-F238E27FC236}">
-                <a16:creationId xmlns:a16="http://schemas.microsoft.com/office/drawing/2014/main" xmlns="" id="{19C386A6-936B-47B5-8556-BD7150A92E89}"/>
+                <a16:creationId xmlns:a16="http://schemas.microsoft.com/office/drawing/2014/main" id="{19C386A6-936B-47B5-8556-BD7150A92E89}"/>
               </a:ext>
             </a:extLst>
           </p:cNvPr>
@@ -5971,7 +6218,7 @@
           <p:cNvPr id="102" name="직선 화살표 연결선 101">
             <a:extLst>
               <a:ext uri="{FF2B5EF4-FFF2-40B4-BE49-F238E27FC236}">
-                <a16:creationId xmlns:a16="http://schemas.microsoft.com/office/drawing/2014/main" xmlns="" id="{B6EA1B16-3DCF-4868-945B-815E901A8614}"/>
+                <a16:creationId xmlns:a16="http://schemas.microsoft.com/office/drawing/2014/main" id="{B6EA1B16-3DCF-4868-945B-815E901A8614}"/>
               </a:ext>
             </a:extLst>
           </p:cNvPr>
@@ -6017,7 +6264,7 @@
           <p:cNvPr id="106" name="자유형: 도형 105">
             <a:extLst>
               <a:ext uri="{FF2B5EF4-FFF2-40B4-BE49-F238E27FC236}">
-                <a16:creationId xmlns:a16="http://schemas.microsoft.com/office/drawing/2014/main" xmlns="" id="{39843890-0367-45F1-8388-400675B4EDBB}"/>
+                <a16:creationId xmlns:a16="http://schemas.microsoft.com/office/drawing/2014/main" id="{39843890-0367-45F1-8388-400675B4EDBB}"/>
               </a:ext>
             </a:extLst>
           </p:cNvPr>
@@ -6105,7 +6352,7 @@
           <p:cNvPr id="107" name="TextBox 106">
             <a:extLst>
               <a:ext uri="{FF2B5EF4-FFF2-40B4-BE49-F238E27FC236}">
-                <a16:creationId xmlns:a16="http://schemas.microsoft.com/office/drawing/2014/main" xmlns="" id="{6FC22D0F-6451-4CF0-AF30-AE607A95F31A}"/>
+                <a16:creationId xmlns:a16="http://schemas.microsoft.com/office/drawing/2014/main" id="{6FC22D0F-6451-4CF0-AF30-AE607A95F31A}"/>
               </a:ext>
             </a:extLst>
           </p:cNvPr>
@@ -6149,7 +6396,7 @@
           <p:cNvPr id="108" name="TextBox 107">
             <a:extLst>
               <a:ext uri="{FF2B5EF4-FFF2-40B4-BE49-F238E27FC236}">
-                <a16:creationId xmlns:a16="http://schemas.microsoft.com/office/drawing/2014/main" xmlns="" id="{92853FC7-4EE1-4E35-A065-EC5E7FD2F3BC}"/>
+                <a16:creationId xmlns:a16="http://schemas.microsoft.com/office/drawing/2014/main" id="{92853FC7-4EE1-4E35-A065-EC5E7FD2F3BC}"/>
               </a:ext>
             </a:extLst>
           </p:cNvPr>
@@ -6193,7 +6440,7 @@
           <p:cNvPr id="109" name="TextBox 108">
             <a:extLst>
               <a:ext uri="{FF2B5EF4-FFF2-40B4-BE49-F238E27FC236}">
-                <a16:creationId xmlns:a16="http://schemas.microsoft.com/office/drawing/2014/main" xmlns="" id="{C13FD71D-5358-4808-BAC8-F91B34509B41}"/>
+                <a16:creationId xmlns:a16="http://schemas.microsoft.com/office/drawing/2014/main" id="{C13FD71D-5358-4808-BAC8-F91B34509B41}"/>
               </a:ext>
             </a:extLst>
           </p:cNvPr>
@@ -6230,7 +6477,7 @@
           <p:cNvPr id="110" name="TextBox 109">
             <a:extLst>
               <a:ext uri="{FF2B5EF4-FFF2-40B4-BE49-F238E27FC236}">
-                <a16:creationId xmlns:a16="http://schemas.microsoft.com/office/drawing/2014/main" xmlns="" id="{223FE51B-969A-4337-BADE-EE765DD503A9}"/>
+                <a16:creationId xmlns:a16="http://schemas.microsoft.com/office/drawing/2014/main" id="{223FE51B-969A-4337-BADE-EE765DD503A9}"/>
               </a:ext>
             </a:extLst>
           </p:cNvPr>
@@ -6267,7 +6514,7 @@
           <p:cNvPr id="111" name="TextBox 110">
             <a:extLst>
               <a:ext uri="{FF2B5EF4-FFF2-40B4-BE49-F238E27FC236}">
-                <a16:creationId xmlns:a16="http://schemas.microsoft.com/office/drawing/2014/main" xmlns="" id="{25A15BCF-3CB4-440A-AF29-C4ADC4041A86}"/>
+                <a16:creationId xmlns:a16="http://schemas.microsoft.com/office/drawing/2014/main" id="{25A15BCF-3CB4-440A-AF29-C4ADC4041A86}"/>
               </a:ext>
             </a:extLst>
           </p:cNvPr>
@@ -6304,7 +6551,7 @@
           <p:cNvPr id="112" name="TextBox 111">
             <a:extLst>
               <a:ext uri="{FF2B5EF4-FFF2-40B4-BE49-F238E27FC236}">
-                <a16:creationId xmlns:a16="http://schemas.microsoft.com/office/drawing/2014/main" xmlns="" id="{2530D0FB-87FD-421B-A3BC-2EB97EF2A419}"/>
+                <a16:creationId xmlns:a16="http://schemas.microsoft.com/office/drawing/2014/main" id="{2530D0FB-87FD-421B-A3BC-2EB97EF2A419}"/>
               </a:ext>
             </a:extLst>
           </p:cNvPr>
@@ -6341,7 +6588,7 @@
           <p:cNvPr id="113" name="TextBox 112">
             <a:extLst>
               <a:ext uri="{FF2B5EF4-FFF2-40B4-BE49-F238E27FC236}">
-                <a16:creationId xmlns:a16="http://schemas.microsoft.com/office/drawing/2014/main" xmlns="" id="{CD160C14-688F-442B-91E0-A2B4D2C10C1B}"/>
+                <a16:creationId xmlns:a16="http://schemas.microsoft.com/office/drawing/2014/main" id="{CD160C14-688F-442B-91E0-A2B4D2C10C1B}"/>
               </a:ext>
             </a:extLst>
           </p:cNvPr>
@@ -6378,7 +6625,7 @@
           <p:cNvPr id="114" name="TextBox 113">
             <a:extLst>
               <a:ext uri="{FF2B5EF4-FFF2-40B4-BE49-F238E27FC236}">
-                <a16:creationId xmlns:a16="http://schemas.microsoft.com/office/drawing/2014/main" xmlns="" id="{90451695-B491-4296-B253-B4EE46857A20}"/>
+                <a16:creationId xmlns:a16="http://schemas.microsoft.com/office/drawing/2014/main" id="{90451695-B491-4296-B253-B4EE46857A20}"/>
               </a:ext>
             </a:extLst>
           </p:cNvPr>
@@ -6415,7 +6662,7 @@
           <p:cNvPr id="115" name="TextBox 114">
             <a:extLst>
               <a:ext uri="{FF2B5EF4-FFF2-40B4-BE49-F238E27FC236}">
-                <a16:creationId xmlns:a16="http://schemas.microsoft.com/office/drawing/2014/main" xmlns="" id="{E94993CD-7049-4CDF-9CA2-D5522F95D5F2}"/>
+                <a16:creationId xmlns:a16="http://schemas.microsoft.com/office/drawing/2014/main" id="{E94993CD-7049-4CDF-9CA2-D5522F95D5F2}"/>
               </a:ext>
             </a:extLst>
           </p:cNvPr>
@@ -6452,7 +6699,7 @@
           <p:cNvPr id="116" name="TextBox 115">
             <a:extLst>
               <a:ext uri="{FF2B5EF4-FFF2-40B4-BE49-F238E27FC236}">
-                <a16:creationId xmlns:a16="http://schemas.microsoft.com/office/drawing/2014/main" xmlns="" id="{F5648CB1-39F0-46A6-8F1C-C39E93ED45FA}"/>
+                <a16:creationId xmlns:a16="http://schemas.microsoft.com/office/drawing/2014/main" id="{F5648CB1-39F0-46A6-8F1C-C39E93ED45FA}"/>
               </a:ext>
             </a:extLst>
           </p:cNvPr>
@@ -6477,16 +6724,8 @@
           <a:p>
             <a:pPr algn="ctr"/>
             <a:r>
-              <a:rPr lang="en-US" altLang="ko-KR" sz="1200" dirty="0" smtClean="0"/>
-              <a:t>No</a:t>
-            </a:r>
-            <a:r>
-              <a:rPr lang="en-US" altLang="ko-KR" sz="1200" dirty="0" smtClean="0"/>
-              <a:t> </a:t>
-            </a:r>
-            <a:r>
               <a:rPr lang="en-US" altLang="ko-KR" sz="1200" dirty="0"/>
-              <a:t>/ Failed or not implemented</a:t>
+              <a:t>No / Failed or not implemented</a:t>
             </a:r>
             <a:endParaRPr lang="ko-KR" altLang="en-US" sz="1200" dirty="0"/>
           </a:p>
@@ -6497,7 +6736,7 @@
           <p:cNvPr id="117" name="TextBox 116">
             <a:extLst>
               <a:ext uri="{FF2B5EF4-FFF2-40B4-BE49-F238E27FC236}">
-                <a16:creationId xmlns:a16="http://schemas.microsoft.com/office/drawing/2014/main" xmlns="" id="{452B39C7-D71C-4CF7-A2EB-970C36E34CB8}"/>
+                <a16:creationId xmlns:a16="http://schemas.microsoft.com/office/drawing/2014/main" id="{452B39C7-D71C-4CF7-A2EB-970C36E34CB8}"/>
               </a:ext>
             </a:extLst>
           </p:cNvPr>
@@ -6534,7 +6773,7 @@
           <p:cNvPr id="118" name="TextBox 117">
             <a:extLst>
               <a:ext uri="{FF2B5EF4-FFF2-40B4-BE49-F238E27FC236}">
-                <a16:creationId xmlns:a16="http://schemas.microsoft.com/office/drawing/2014/main" xmlns="" id="{CFB866A8-EB79-43AA-AB60-9B021716EECA}"/>
+                <a16:creationId xmlns:a16="http://schemas.microsoft.com/office/drawing/2014/main" id="{CFB866A8-EB79-43AA-AB60-9B021716EECA}"/>
               </a:ext>
             </a:extLst>
           </p:cNvPr>
@@ -6571,7 +6810,7 @@
           <p:cNvPr id="119" name="타원 118">
             <a:extLst>
               <a:ext uri="{FF2B5EF4-FFF2-40B4-BE49-F238E27FC236}">
-                <a16:creationId xmlns:a16="http://schemas.microsoft.com/office/drawing/2014/main" xmlns="" id="{F36FDB44-45E8-4B45-B8D5-D63845E1453F}"/>
+                <a16:creationId xmlns:a16="http://schemas.microsoft.com/office/drawing/2014/main" id="{F36FDB44-45E8-4B45-B8D5-D63845E1453F}"/>
               </a:ext>
             </a:extLst>
           </p:cNvPr>
@@ -6619,7 +6858,7 @@
           <p:cNvPr id="120" name="타원 119">
             <a:extLst>
               <a:ext uri="{FF2B5EF4-FFF2-40B4-BE49-F238E27FC236}">
-                <a16:creationId xmlns:a16="http://schemas.microsoft.com/office/drawing/2014/main" xmlns="" id="{87AE51EA-D5FB-4E18-8E10-32E62F556081}"/>
+                <a16:creationId xmlns:a16="http://schemas.microsoft.com/office/drawing/2014/main" id="{87AE51EA-D5FB-4E18-8E10-32E62F556081}"/>
               </a:ext>
             </a:extLst>
           </p:cNvPr>
@@ -6667,7 +6906,7 @@
           <p:cNvPr id="121" name="타원 120">
             <a:extLst>
               <a:ext uri="{FF2B5EF4-FFF2-40B4-BE49-F238E27FC236}">
-                <a16:creationId xmlns:a16="http://schemas.microsoft.com/office/drawing/2014/main" xmlns="" id="{FCEB6F6D-33E7-4190-B846-D41998463439}"/>
+                <a16:creationId xmlns:a16="http://schemas.microsoft.com/office/drawing/2014/main" id="{FCEB6F6D-33E7-4190-B846-D41998463439}"/>
               </a:ext>
             </a:extLst>
           </p:cNvPr>
@@ -6715,7 +6954,7 @@
           <p:cNvPr id="122" name="타원 121">
             <a:extLst>
               <a:ext uri="{FF2B5EF4-FFF2-40B4-BE49-F238E27FC236}">
-                <a16:creationId xmlns:a16="http://schemas.microsoft.com/office/drawing/2014/main" xmlns="" id="{8934C5AF-8EBA-491F-8511-5C0083D75C7A}"/>
+                <a16:creationId xmlns:a16="http://schemas.microsoft.com/office/drawing/2014/main" id="{8934C5AF-8EBA-491F-8511-5C0083D75C7A}"/>
               </a:ext>
             </a:extLst>
           </p:cNvPr>
@@ -6763,7 +7002,7 @@
           <p:cNvPr id="123" name="타원 122">
             <a:extLst>
               <a:ext uri="{FF2B5EF4-FFF2-40B4-BE49-F238E27FC236}">
-                <a16:creationId xmlns:a16="http://schemas.microsoft.com/office/drawing/2014/main" xmlns="" id="{4EECE7BD-A7E9-4967-8909-8DB0F03C2436}"/>
+                <a16:creationId xmlns:a16="http://schemas.microsoft.com/office/drawing/2014/main" id="{4EECE7BD-A7E9-4967-8909-8DB0F03C2436}"/>
               </a:ext>
             </a:extLst>
           </p:cNvPr>
@@ -6811,7 +7050,7 @@
           <p:cNvPr id="125" name="타원 124">
             <a:extLst>
               <a:ext uri="{FF2B5EF4-FFF2-40B4-BE49-F238E27FC236}">
-                <a16:creationId xmlns:a16="http://schemas.microsoft.com/office/drawing/2014/main" xmlns="" id="{79D147C6-CB64-4F86-8D5D-8CF104045EFC}"/>
+                <a16:creationId xmlns:a16="http://schemas.microsoft.com/office/drawing/2014/main" id="{79D147C6-CB64-4F86-8D5D-8CF104045EFC}"/>
               </a:ext>
             </a:extLst>
           </p:cNvPr>
@@ -6858,6 +7097,4258 @@
     <p:extLst>
       <p:ext uri="{BB962C8B-B14F-4D97-AF65-F5344CB8AC3E}">
         <p14:creationId xmlns:p14="http://schemas.microsoft.com/office/powerpoint/2010/main" val="287569671"/>
+      </p:ext>
+    </p:extLst>
+  </p:cSld>
+  <p:clrMapOvr>
+    <a:masterClrMapping/>
+  </p:clrMapOvr>
+</p:sld>
+</file>
+
+<file path=ppt/slides/slide3.xml><?xml version="1.0" encoding="utf-8"?>
+<p:sld xmlns:a="http://schemas.openxmlformats.org/drawingml/2006/main" xmlns:r="http://schemas.openxmlformats.org/officeDocument/2006/relationships" xmlns:p="http://schemas.openxmlformats.org/presentationml/2006/main">
+  <p:cSld>
+    <p:spTree>
+      <p:nvGrpSpPr>
+        <p:cNvPr id="1" name=""/>
+        <p:cNvGrpSpPr/>
+        <p:nvPr/>
+      </p:nvGrpSpPr>
+      <p:grpSpPr>
+        <a:xfrm>
+          <a:off x="0" y="0"/>
+          <a:ext cx="0" cy="0"/>
+          <a:chOff x="0" y="0"/>
+          <a:chExt cx="0" cy="0"/>
+        </a:xfrm>
+      </p:grpSpPr>
+      <p:sp>
+        <p:nvSpPr>
+          <p:cNvPr id="6" name="제목 1"/>
+          <p:cNvSpPr>
+            <a:spLocks noGrp="1"/>
+          </p:cNvSpPr>
+          <p:nvPr>
+            <p:ph type="title"/>
+          </p:nvPr>
+        </p:nvSpPr>
+        <p:spPr>
+          <a:xfrm>
+            <a:off x="457200" y="-20538"/>
+            <a:ext cx="8229600" cy="857250"/>
+          </a:xfrm>
+        </p:spPr>
+        <p:txBody>
+          <a:bodyPr>
+            <a:normAutofit/>
+          </a:bodyPr>
+          <a:lstStyle/>
+          <a:p>
+            <a:r>
+              <a:rPr lang="en-US" altLang="ko-KR"/>
+              <a:t>Ribbon</a:t>
+            </a:r>
+            <a:endParaRPr lang="ko-KR" altLang="en-US" dirty="0"/>
+          </a:p>
+        </p:txBody>
+      </p:sp>
+      <p:sp>
+        <p:nvSpPr>
+          <p:cNvPr id="3" name="사각형: 둥근 모서리 2">
+            <a:extLst>
+              <a:ext uri="{FF2B5EF4-FFF2-40B4-BE49-F238E27FC236}">
+                <a16:creationId xmlns:a16="http://schemas.microsoft.com/office/drawing/2014/main" id="{66B9255C-FA7B-4BDE-A0AA-C8C8713D4212}"/>
+              </a:ext>
+            </a:extLst>
+          </p:cNvPr>
+          <p:cNvSpPr/>
+          <p:nvPr/>
+        </p:nvSpPr>
+        <p:spPr>
+          <a:xfrm>
+            <a:off x="1475656" y="1995686"/>
+            <a:ext cx="2304256" cy="1008112"/>
+          </a:xfrm>
+          <a:prstGeom prst="roundRect">
+            <a:avLst>
+              <a:gd name="adj" fmla="val 10228"/>
+            </a:avLst>
+          </a:prstGeom>
+        </p:spPr>
+        <p:style>
+          <a:lnRef idx="2">
+            <a:schemeClr val="dk1"/>
+          </a:lnRef>
+          <a:fillRef idx="1">
+            <a:schemeClr val="lt1"/>
+          </a:fillRef>
+          <a:effectRef idx="0">
+            <a:schemeClr val="dk1"/>
+          </a:effectRef>
+          <a:fontRef idx="minor">
+            <a:schemeClr val="dk1"/>
+          </a:fontRef>
+        </p:style>
+        <p:txBody>
+          <a:bodyPr rtlCol="0" anchor="ctr"/>
+          <a:lstStyle/>
+          <a:p>
+            <a:r>
+              <a:rPr lang="en-US" altLang="ko-KR"/>
+              <a:t>Client</a:t>
+            </a:r>
+            <a:endParaRPr lang="ko-KR" altLang="en-US"/>
+          </a:p>
+        </p:txBody>
+      </p:sp>
+      <p:sp>
+        <p:nvSpPr>
+          <p:cNvPr id="4" name="사각형: 둥근 모서리 3">
+            <a:extLst>
+              <a:ext uri="{FF2B5EF4-FFF2-40B4-BE49-F238E27FC236}">
+                <a16:creationId xmlns:a16="http://schemas.microsoft.com/office/drawing/2014/main" id="{E3F5D5FB-F663-4642-A4AD-2C77FD484317}"/>
+              </a:ext>
+            </a:extLst>
+          </p:cNvPr>
+          <p:cNvSpPr/>
+          <p:nvPr/>
+        </p:nvSpPr>
+        <p:spPr>
+          <a:xfrm>
+            <a:off x="2483768" y="2139702"/>
+            <a:ext cx="1152128" cy="720080"/>
+          </a:xfrm>
+          <a:prstGeom prst="roundRect">
+            <a:avLst>
+              <a:gd name="adj" fmla="val 10228"/>
+            </a:avLst>
+          </a:prstGeom>
+        </p:spPr>
+        <p:style>
+          <a:lnRef idx="2">
+            <a:schemeClr val="dk1"/>
+          </a:lnRef>
+          <a:fillRef idx="1">
+            <a:schemeClr val="lt1"/>
+          </a:fillRef>
+          <a:effectRef idx="0">
+            <a:schemeClr val="dk1"/>
+          </a:effectRef>
+          <a:fontRef idx="minor">
+            <a:schemeClr val="dk1"/>
+          </a:fontRef>
+        </p:style>
+        <p:txBody>
+          <a:bodyPr rtlCol="0" anchor="ctr"/>
+          <a:lstStyle/>
+          <a:p>
+            <a:pPr algn="ctr"/>
+            <a:r>
+              <a:rPr lang="en-US" altLang="ko-KR"/>
+              <a:t>Ribbon</a:t>
+            </a:r>
+            <a:endParaRPr lang="ko-KR" altLang="en-US"/>
+          </a:p>
+        </p:txBody>
+      </p:sp>
+      <p:sp>
+        <p:nvSpPr>
+          <p:cNvPr id="5" name="사각형: 둥근 모서리 4">
+            <a:extLst>
+              <a:ext uri="{FF2B5EF4-FFF2-40B4-BE49-F238E27FC236}">
+                <a16:creationId xmlns:a16="http://schemas.microsoft.com/office/drawing/2014/main" id="{6BB127FB-7F43-4C5D-A135-B1DDBA32FED9}"/>
+              </a:ext>
+            </a:extLst>
+          </p:cNvPr>
+          <p:cNvSpPr/>
+          <p:nvPr/>
+        </p:nvSpPr>
+        <p:spPr>
+          <a:xfrm>
+            <a:off x="4932040" y="1347614"/>
+            <a:ext cx="2376264" cy="504056"/>
+          </a:xfrm>
+          <a:prstGeom prst="roundRect">
+            <a:avLst>
+              <a:gd name="adj" fmla="val 10228"/>
+            </a:avLst>
+          </a:prstGeom>
+        </p:spPr>
+        <p:style>
+          <a:lnRef idx="2">
+            <a:schemeClr val="dk1"/>
+          </a:lnRef>
+          <a:fillRef idx="1">
+            <a:schemeClr val="lt1"/>
+          </a:fillRef>
+          <a:effectRef idx="0">
+            <a:schemeClr val="dk1"/>
+          </a:effectRef>
+          <a:fontRef idx="minor">
+            <a:schemeClr val="dk1"/>
+          </a:fontRef>
+        </p:style>
+        <p:txBody>
+          <a:bodyPr rtlCol="0" anchor="ctr"/>
+          <a:lstStyle/>
+          <a:p>
+            <a:pPr algn="ctr"/>
+            <a:r>
+              <a:rPr lang="en-US" altLang="ko-KR"/>
+              <a:t>Server</a:t>
+            </a:r>
+            <a:endParaRPr lang="ko-KR" altLang="en-US"/>
+          </a:p>
+        </p:txBody>
+      </p:sp>
+      <p:sp>
+        <p:nvSpPr>
+          <p:cNvPr id="7" name="사각형: 둥근 모서리 6">
+            <a:extLst>
+              <a:ext uri="{FF2B5EF4-FFF2-40B4-BE49-F238E27FC236}">
+                <a16:creationId xmlns:a16="http://schemas.microsoft.com/office/drawing/2014/main" id="{CCAEF6A7-099B-4F81-8D60-2401B9E98CA0}"/>
+              </a:ext>
+            </a:extLst>
+          </p:cNvPr>
+          <p:cNvSpPr/>
+          <p:nvPr/>
+        </p:nvSpPr>
+        <p:spPr>
+          <a:xfrm>
+            <a:off x="4932040" y="2247714"/>
+            <a:ext cx="2376264" cy="504056"/>
+          </a:xfrm>
+          <a:prstGeom prst="roundRect">
+            <a:avLst>
+              <a:gd name="adj" fmla="val 10228"/>
+            </a:avLst>
+          </a:prstGeom>
+        </p:spPr>
+        <p:style>
+          <a:lnRef idx="2">
+            <a:schemeClr val="dk1"/>
+          </a:lnRef>
+          <a:fillRef idx="1">
+            <a:schemeClr val="lt1"/>
+          </a:fillRef>
+          <a:effectRef idx="0">
+            <a:schemeClr val="dk1"/>
+          </a:effectRef>
+          <a:fontRef idx="minor">
+            <a:schemeClr val="dk1"/>
+          </a:fontRef>
+        </p:style>
+        <p:txBody>
+          <a:bodyPr rtlCol="0" anchor="ctr"/>
+          <a:lstStyle/>
+          <a:p>
+            <a:pPr algn="ctr"/>
+            <a:r>
+              <a:rPr lang="en-US" altLang="ko-KR"/>
+              <a:t>Server</a:t>
+            </a:r>
+            <a:endParaRPr lang="ko-KR" altLang="en-US"/>
+          </a:p>
+        </p:txBody>
+      </p:sp>
+      <p:sp>
+        <p:nvSpPr>
+          <p:cNvPr id="8" name="사각형: 둥근 모서리 7">
+            <a:extLst>
+              <a:ext uri="{FF2B5EF4-FFF2-40B4-BE49-F238E27FC236}">
+                <a16:creationId xmlns:a16="http://schemas.microsoft.com/office/drawing/2014/main" id="{98C3B333-9BFC-4F83-B620-663A90B7E811}"/>
+              </a:ext>
+            </a:extLst>
+          </p:cNvPr>
+          <p:cNvSpPr/>
+          <p:nvPr/>
+        </p:nvSpPr>
+        <p:spPr>
+          <a:xfrm>
+            <a:off x="4932040" y="3147814"/>
+            <a:ext cx="2376264" cy="504056"/>
+          </a:xfrm>
+          <a:prstGeom prst="roundRect">
+            <a:avLst>
+              <a:gd name="adj" fmla="val 10228"/>
+            </a:avLst>
+          </a:prstGeom>
+        </p:spPr>
+        <p:style>
+          <a:lnRef idx="2">
+            <a:schemeClr val="dk1"/>
+          </a:lnRef>
+          <a:fillRef idx="1">
+            <a:schemeClr val="lt1"/>
+          </a:fillRef>
+          <a:effectRef idx="0">
+            <a:schemeClr val="dk1"/>
+          </a:effectRef>
+          <a:fontRef idx="minor">
+            <a:schemeClr val="dk1"/>
+          </a:fontRef>
+        </p:style>
+        <p:txBody>
+          <a:bodyPr rtlCol="0" anchor="ctr"/>
+          <a:lstStyle/>
+          <a:p>
+            <a:pPr algn="ctr"/>
+            <a:r>
+              <a:rPr lang="en-US" altLang="ko-KR"/>
+              <a:t>Server</a:t>
+            </a:r>
+            <a:endParaRPr lang="ko-KR" altLang="en-US"/>
+          </a:p>
+        </p:txBody>
+      </p:sp>
+      <p:cxnSp>
+        <p:nvCxnSpPr>
+          <p:cNvPr id="9" name="직선 화살표 연결선 8">
+            <a:extLst>
+              <a:ext uri="{FF2B5EF4-FFF2-40B4-BE49-F238E27FC236}">
+                <a16:creationId xmlns:a16="http://schemas.microsoft.com/office/drawing/2014/main" id="{C7C58A60-3310-464E-A13D-E4835959B485}"/>
+              </a:ext>
+            </a:extLst>
+          </p:cNvPr>
+          <p:cNvCxnSpPr>
+            <a:stCxn id="4" idx="3"/>
+            <a:endCxn id="5" idx="1"/>
+          </p:cNvCxnSpPr>
+          <p:nvPr/>
+        </p:nvCxnSpPr>
+        <p:spPr>
+          <a:xfrm flipV="1">
+            <a:off x="3635896" y="1599642"/>
+            <a:ext cx="1296144" cy="900100"/>
+          </a:xfrm>
+          <a:prstGeom prst="straightConnector1">
+            <a:avLst/>
+          </a:prstGeom>
+          <a:ln w="28575">
+            <a:solidFill>
+              <a:schemeClr val="tx1"/>
+            </a:solidFill>
+            <a:headEnd type="arrow" w="med" len="med"/>
+            <a:tailEnd type="arrow" w="med" len="med"/>
+          </a:ln>
+        </p:spPr>
+        <p:style>
+          <a:lnRef idx="1">
+            <a:schemeClr val="accent1"/>
+          </a:lnRef>
+          <a:fillRef idx="0">
+            <a:schemeClr val="accent1"/>
+          </a:fillRef>
+          <a:effectRef idx="0">
+            <a:schemeClr val="accent1"/>
+          </a:effectRef>
+          <a:fontRef idx="minor">
+            <a:schemeClr val="tx1"/>
+          </a:fontRef>
+        </p:style>
+      </p:cxnSp>
+      <p:cxnSp>
+        <p:nvCxnSpPr>
+          <p:cNvPr id="10" name="직선 화살표 연결선 9">
+            <a:extLst>
+              <a:ext uri="{FF2B5EF4-FFF2-40B4-BE49-F238E27FC236}">
+                <a16:creationId xmlns:a16="http://schemas.microsoft.com/office/drawing/2014/main" id="{6ACC0750-5F3E-4072-AE49-BB455B77996B}"/>
+              </a:ext>
+            </a:extLst>
+          </p:cNvPr>
+          <p:cNvCxnSpPr>
+            <a:cxnSpLocks/>
+            <a:stCxn id="4" idx="3"/>
+            <a:endCxn id="7" idx="1"/>
+          </p:cNvCxnSpPr>
+          <p:nvPr/>
+        </p:nvCxnSpPr>
+        <p:spPr>
+          <a:xfrm>
+            <a:off x="3635896" y="2499742"/>
+            <a:ext cx="1296144" cy="0"/>
+          </a:xfrm>
+          <a:prstGeom prst="straightConnector1">
+            <a:avLst/>
+          </a:prstGeom>
+          <a:ln w="28575">
+            <a:solidFill>
+              <a:schemeClr val="tx1"/>
+            </a:solidFill>
+            <a:headEnd type="arrow" w="med" len="med"/>
+            <a:tailEnd type="arrow" w="med" len="med"/>
+          </a:ln>
+        </p:spPr>
+        <p:style>
+          <a:lnRef idx="1">
+            <a:schemeClr val="accent1"/>
+          </a:lnRef>
+          <a:fillRef idx="0">
+            <a:schemeClr val="accent1"/>
+          </a:fillRef>
+          <a:effectRef idx="0">
+            <a:schemeClr val="accent1"/>
+          </a:effectRef>
+          <a:fontRef idx="minor">
+            <a:schemeClr val="tx1"/>
+          </a:fontRef>
+        </p:style>
+      </p:cxnSp>
+      <p:cxnSp>
+        <p:nvCxnSpPr>
+          <p:cNvPr id="13" name="직선 화살표 연결선 12">
+            <a:extLst>
+              <a:ext uri="{FF2B5EF4-FFF2-40B4-BE49-F238E27FC236}">
+                <a16:creationId xmlns:a16="http://schemas.microsoft.com/office/drawing/2014/main" id="{C328C063-7968-4A76-9292-1B43D93EEAF3}"/>
+              </a:ext>
+            </a:extLst>
+          </p:cNvPr>
+          <p:cNvCxnSpPr>
+            <a:cxnSpLocks/>
+            <a:stCxn id="4" idx="3"/>
+            <a:endCxn id="8" idx="1"/>
+          </p:cNvCxnSpPr>
+          <p:nvPr/>
+        </p:nvCxnSpPr>
+        <p:spPr>
+          <a:xfrm>
+            <a:off x="3635896" y="2499742"/>
+            <a:ext cx="1296144" cy="900100"/>
+          </a:xfrm>
+          <a:prstGeom prst="straightConnector1">
+            <a:avLst/>
+          </a:prstGeom>
+          <a:ln w="28575">
+            <a:solidFill>
+              <a:schemeClr val="tx1"/>
+            </a:solidFill>
+            <a:headEnd type="arrow" w="med" len="med"/>
+            <a:tailEnd type="arrow" w="med" len="med"/>
+          </a:ln>
+        </p:spPr>
+        <p:style>
+          <a:lnRef idx="1">
+            <a:schemeClr val="accent1"/>
+          </a:lnRef>
+          <a:fillRef idx="0">
+            <a:schemeClr val="accent1"/>
+          </a:fillRef>
+          <a:effectRef idx="0">
+            <a:schemeClr val="accent1"/>
+          </a:effectRef>
+          <a:fontRef idx="minor">
+            <a:schemeClr val="tx1"/>
+          </a:fontRef>
+        </p:style>
+      </p:cxnSp>
+    </p:spTree>
+    <p:extLst>
+      <p:ext uri="{BB962C8B-B14F-4D97-AF65-F5344CB8AC3E}">
+        <p14:creationId xmlns:p14="http://schemas.microsoft.com/office/powerpoint/2010/main" val="2985807275"/>
+      </p:ext>
+    </p:extLst>
+  </p:cSld>
+  <p:clrMapOvr>
+    <a:masterClrMapping/>
+  </p:clrMapOvr>
+</p:sld>
+</file>
+
+<file path=ppt/slides/slide4.xml><?xml version="1.0" encoding="utf-8"?>
+<p:sld xmlns:a="http://schemas.openxmlformats.org/drawingml/2006/main" xmlns:r="http://schemas.openxmlformats.org/officeDocument/2006/relationships" xmlns:p="http://schemas.openxmlformats.org/presentationml/2006/main">
+  <p:cSld>
+    <p:spTree>
+      <p:nvGrpSpPr>
+        <p:cNvPr id="1" name=""/>
+        <p:cNvGrpSpPr/>
+        <p:nvPr/>
+      </p:nvGrpSpPr>
+      <p:grpSpPr>
+        <a:xfrm>
+          <a:off x="0" y="0"/>
+          <a:ext cx="0" cy="0"/>
+          <a:chOff x="0" y="0"/>
+          <a:chExt cx="0" cy="0"/>
+        </a:xfrm>
+      </p:grpSpPr>
+      <p:sp>
+        <p:nvSpPr>
+          <p:cNvPr id="6" name="제목 1"/>
+          <p:cNvSpPr>
+            <a:spLocks noGrp="1"/>
+          </p:cNvSpPr>
+          <p:nvPr>
+            <p:ph type="title"/>
+          </p:nvPr>
+        </p:nvSpPr>
+        <p:spPr>
+          <a:xfrm>
+            <a:off x="457200" y="-20538"/>
+            <a:ext cx="8229600" cy="857250"/>
+          </a:xfrm>
+        </p:spPr>
+        <p:txBody>
+          <a:bodyPr>
+            <a:normAutofit/>
+          </a:bodyPr>
+          <a:lstStyle/>
+          <a:p>
+            <a:r>
+              <a:rPr lang="en-US" altLang="ko-KR"/>
+              <a:t>Eureka</a:t>
+            </a:r>
+            <a:endParaRPr lang="ko-KR" altLang="en-US" dirty="0"/>
+          </a:p>
+        </p:txBody>
+      </p:sp>
+      <p:sp>
+        <p:nvSpPr>
+          <p:cNvPr id="24" name="사각형: 둥근 모서리 23">
+            <a:extLst>
+              <a:ext uri="{FF2B5EF4-FFF2-40B4-BE49-F238E27FC236}">
+                <a16:creationId xmlns:a16="http://schemas.microsoft.com/office/drawing/2014/main" id="{5C817154-A3C2-4913-AAF8-2EBE1D6CB5BC}"/>
+              </a:ext>
+            </a:extLst>
+          </p:cNvPr>
+          <p:cNvSpPr/>
+          <p:nvPr/>
+        </p:nvSpPr>
+        <p:spPr>
+          <a:xfrm>
+            <a:off x="1763688" y="1350252"/>
+            <a:ext cx="2304256" cy="857250"/>
+          </a:xfrm>
+          <a:prstGeom prst="roundRect">
+            <a:avLst>
+              <a:gd name="adj" fmla="val 10228"/>
+            </a:avLst>
+          </a:prstGeom>
+        </p:spPr>
+        <p:style>
+          <a:lnRef idx="2">
+            <a:schemeClr val="dk1"/>
+          </a:lnRef>
+          <a:fillRef idx="1">
+            <a:schemeClr val="lt1"/>
+          </a:fillRef>
+          <a:effectRef idx="0">
+            <a:schemeClr val="dk1"/>
+          </a:effectRef>
+          <a:fontRef idx="minor">
+            <a:schemeClr val="dk1"/>
+          </a:fontRef>
+        </p:style>
+        <p:txBody>
+          <a:bodyPr rtlCol="0" anchor="ctr"/>
+          <a:lstStyle/>
+          <a:p>
+            <a:pPr algn="ctr"/>
+            <a:r>
+              <a:rPr lang="en-US" altLang="ko-KR"/>
+              <a:t>Service Registry</a:t>
+            </a:r>
+          </a:p>
+          <a:p>
+            <a:pPr algn="ctr"/>
+            <a:r>
+              <a:rPr lang="en-US" altLang="ko-KR"/>
+              <a:t>(Eureka Server)</a:t>
+            </a:r>
+            <a:endParaRPr lang="ko-KR" altLang="en-US"/>
+          </a:p>
+        </p:txBody>
+      </p:sp>
+      <p:sp>
+        <p:nvSpPr>
+          <p:cNvPr id="25" name="사각형: 둥근 모서리 24">
+            <a:extLst>
+              <a:ext uri="{FF2B5EF4-FFF2-40B4-BE49-F238E27FC236}">
+                <a16:creationId xmlns:a16="http://schemas.microsoft.com/office/drawing/2014/main" id="{6BE6B33C-1587-43AC-BF2C-454C871B3B61}"/>
+              </a:ext>
+            </a:extLst>
+          </p:cNvPr>
+          <p:cNvSpPr/>
+          <p:nvPr/>
+        </p:nvSpPr>
+        <p:spPr>
+          <a:xfrm>
+            <a:off x="899592" y="3222460"/>
+            <a:ext cx="2304256" cy="857250"/>
+          </a:xfrm>
+          <a:prstGeom prst="roundRect">
+            <a:avLst>
+              <a:gd name="adj" fmla="val 10228"/>
+            </a:avLst>
+          </a:prstGeom>
+        </p:spPr>
+        <p:style>
+          <a:lnRef idx="2">
+            <a:schemeClr val="dk1"/>
+          </a:lnRef>
+          <a:fillRef idx="1">
+            <a:schemeClr val="lt1"/>
+          </a:fillRef>
+          <a:effectRef idx="0">
+            <a:schemeClr val="dk1"/>
+          </a:effectRef>
+          <a:fontRef idx="minor">
+            <a:schemeClr val="dk1"/>
+          </a:fontRef>
+        </p:style>
+        <p:txBody>
+          <a:bodyPr rtlCol="0" anchor="ctr"/>
+          <a:lstStyle/>
+          <a:p>
+            <a:pPr algn="ctr"/>
+            <a:r>
+              <a:rPr lang="en-US" altLang="ko-KR"/>
+              <a:t>Service A</a:t>
+            </a:r>
+          </a:p>
+          <a:p>
+            <a:pPr algn="ctr"/>
+            <a:r>
+              <a:rPr lang="en-US" altLang="ko-KR"/>
+              <a:t>(Eureka Client)</a:t>
+            </a:r>
+            <a:endParaRPr lang="ko-KR" altLang="en-US"/>
+          </a:p>
+        </p:txBody>
+      </p:sp>
+      <p:sp>
+        <p:nvSpPr>
+          <p:cNvPr id="26" name="사각형: 둥근 모서리 25">
+            <a:extLst>
+              <a:ext uri="{FF2B5EF4-FFF2-40B4-BE49-F238E27FC236}">
+                <a16:creationId xmlns:a16="http://schemas.microsoft.com/office/drawing/2014/main" id="{30E474BB-970C-450F-A39D-F128F52A6614}"/>
+              </a:ext>
+            </a:extLst>
+          </p:cNvPr>
+          <p:cNvSpPr/>
+          <p:nvPr/>
+        </p:nvSpPr>
+        <p:spPr>
+          <a:xfrm>
+            <a:off x="1068740" y="3366476"/>
+            <a:ext cx="2304256" cy="857250"/>
+          </a:xfrm>
+          <a:prstGeom prst="roundRect">
+            <a:avLst>
+              <a:gd name="adj" fmla="val 10228"/>
+            </a:avLst>
+          </a:prstGeom>
+        </p:spPr>
+        <p:style>
+          <a:lnRef idx="2">
+            <a:schemeClr val="dk1"/>
+          </a:lnRef>
+          <a:fillRef idx="1">
+            <a:schemeClr val="lt1"/>
+          </a:fillRef>
+          <a:effectRef idx="0">
+            <a:schemeClr val="dk1"/>
+          </a:effectRef>
+          <a:fontRef idx="minor">
+            <a:schemeClr val="dk1"/>
+          </a:fontRef>
+        </p:style>
+        <p:txBody>
+          <a:bodyPr rtlCol="0" anchor="ctr"/>
+          <a:lstStyle/>
+          <a:p>
+            <a:pPr algn="ctr"/>
+            <a:r>
+              <a:rPr lang="en-US" altLang="ko-KR"/>
+              <a:t>Service A</a:t>
+            </a:r>
+          </a:p>
+          <a:p>
+            <a:pPr algn="ctr"/>
+            <a:r>
+              <a:rPr lang="en-US" altLang="ko-KR"/>
+              <a:t>(Eureka Client)</a:t>
+            </a:r>
+            <a:endParaRPr lang="ko-KR" altLang="en-US"/>
+          </a:p>
+        </p:txBody>
+      </p:sp>
+      <p:sp>
+        <p:nvSpPr>
+          <p:cNvPr id="27" name="사각형: 둥근 모서리 26">
+            <a:extLst>
+              <a:ext uri="{FF2B5EF4-FFF2-40B4-BE49-F238E27FC236}">
+                <a16:creationId xmlns:a16="http://schemas.microsoft.com/office/drawing/2014/main" id="{77CCBBC0-B4A7-41BE-9327-6AE5C814E463}"/>
+              </a:ext>
+            </a:extLst>
+          </p:cNvPr>
+          <p:cNvSpPr/>
+          <p:nvPr/>
+        </p:nvSpPr>
+        <p:spPr>
+          <a:xfrm>
+            <a:off x="1237888" y="3514700"/>
+            <a:ext cx="2304256" cy="857250"/>
+          </a:xfrm>
+          <a:prstGeom prst="roundRect">
+            <a:avLst>
+              <a:gd name="adj" fmla="val 10228"/>
+            </a:avLst>
+          </a:prstGeom>
+        </p:spPr>
+        <p:style>
+          <a:lnRef idx="2">
+            <a:schemeClr val="dk1"/>
+          </a:lnRef>
+          <a:fillRef idx="1">
+            <a:schemeClr val="lt1"/>
+          </a:fillRef>
+          <a:effectRef idx="0">
+            <a:schemeClr val="dk1"/>
+          </a:effectRef>
+          <a:fontRef idx="minor">
+            <a:schemeClr val="dk1"/>
+          </a:fontRef>
+        </p:style>
+        <p:txBody>
+          <a:bodyPr rtlCol="0" anchor="ctr"/>
+          <a:lstStyle/>
+          <a:p>
+            <a:pPr algn="ctr"/>
+            <a:r>
+              <a:rPr lang="en-US" altLang="ko-KR"/>
+              <a:t>Service A</a:t>
+            </a:r>
+          </a:p>
+          <a:p>
+            <a:pPr algn="ctr"/>
+            <a:r>
+              <a:rPr lang="en-US" altLang="ko-KR"/>
+              <a:t>(Eureka Client)</a:t>
+            </a:r>
+            <a:endParaRPr lang="ko-KR" altLang="en-US"/>
+          </a:p>
+        </p:txBody>
+      </p:sp>
+      <p:sp>
+        <p:nvSpPr>
+          <p:cNvPr id="28" name="사각형: 둥근 모서리 27">
+            <a:extLst>
+              <a:ext uri="{FF2B5EF4-FFF2-40B4-BE49-F238E27FC236}">
+                <a16:creationId xmlns:a16="http://schemas.microsoft.com/office/drawing/2014/main" id="{AA942577-5726-4FA4-9C4F-DCE6F44EF8EA}"/>
+              </a:ext>
+            </a:extLst>
+          </p:cNvPr>
+          <p:cNvSpPr/>
+          <p:nvPr/>
+        </p:nvSpPr>
+        <p:spPr>
+          <a:xfrm>
+            <a:off x="5673864" y="3294468"/>
+            <a:ext cx="2304256" cy="857250"/>
+          </a:xfrm>
+          <a:prstGeom prst="roundRect">
+            <a:avLst>
+              <a:gd name="adj" fmla="val 10228"/>
+            </a:avLst>
+          </a:prstGeom>
+        </p:spPr>
+        <p:style>
+          <a:lnRef idx="2">
+            <a:schemeClr val="dk1"/>
+          </a:lnRef>
+          <a:fillRef idx="1">
+            <a:schemeClr val="lt1"/>
+          </a:fillRef>
+          <a:effectRef idx="0">
+            <a:schemeClr val="dk1"/>
+          </a:effectRef>
+          <a:fontRef idx="minor">
+            <a:schemeClr val="dk1"/>
+          </a:fontRef>
+        </p:style>
+        <p:txBody>
+          <a:bodyPr rtlCol="0" anchor="ctr"/>
+          <a:lstStyle/>
+          <a:p>
+            <a:pPr algn="ctr"/>
+            <a:r>
+              <a:rPr lang="en-US" altLang="ko-KR"/>
+              <a:t>Service A</a:t>
+            </a:r>
+          </a:p>
+          <a:p>
+            <a:pPr algn="ctr"/>
+            <a:r>
+              <a:rPr lang="en-US" altLang="ko-KR"/>
+              <a:t>(Eureka Client)</a:t>
+            </a:r>
+            <a:endParaRPr lang="ko-KR" altLang="en-US"/>
+          </a:p>
+        </p:txBody>
+      </p:sp>
+      <p:sp>
+        <p:nvSpPr>
+          <p:cNvPr id="29" name="사각형: 둥근 모서리 28">
+            <a:extLst>
+              <a:ext uri="{FF2B5EF4-FFF2-40B4-BE49-F238E27FC236}">
+                <a16:creationId xmlns:a16="http://schemas.microsoft.com/office/drawing/2014/main" id="{F6547558-DF21-414D-83B7-CB2622352C6A}"/>
+              </a:ext>
+            </a:extLst>
+          </p:cNvPr>
+          <p:cNvSpPr/>
+          <p:nvPr/>
+        </p:nvSpPr>
+        <p:spPr>
+          <a:xfrm>
+            <a:off x="5843012" y="3438484"/>
+            <a:ext cx="2304256" cy="857250"/>
+          </a:xfrm>
+          <a:prstGeom prst="roundRect">
+            <a:avLst>
+              <a:gd name="adj" fmla="val 10228"/>
+            </a:avLst>
+          </a:prstGeom>
+        </p:spPr>
+        <p:style>
+          <a:lnRef idx="2">
+            <a:schemeClr val="dk1"/>
+          </a:lnRef>
+          <a:fillRef idx="1">
+            <a:schemeClr val="lt1"/>
+          </a:fillRef>
+          <a:effectRef idx="0">
+            <a:schemeClr val="dk1"/>
+          </a:effectRef>
+          <a:fontRef idx="minor">
+            <a:schemeClr val="dk1"/>
+          </a:fontRef>
+        </p:style>
+        <p:txBody>
+          <a:bodyPr rtlCol="0" anchor="ctr"/>
+          <a:lstStyle/>
+          <a:p>
+            <a:pPr algn="ctr"/>
+            <a:r>
+              <a:rPr lang="en-US" altLang="ko-KR"/>
+              <a:t>Service B</a:t>
+            </a:r>
+          </a:p>
+          <a:p>
+            <a:pPr algn="ctr"/>
+            <a:r>
+              <a:rPr lang="en-US" altLang="ko-KR"/>
+              <a:t>(Eureka Client)</a:t>
+            </a:r>
+            <a:endParaRPr lang="ko-KR" altLang="en-US"/>
+          </a:p>
+        </p:txBody>
+      </p:sp>
+      <p:cxnSp>
+        <p:nvCxnSpPr>
+          <p:cNvPr id="8" name="직선 화살표 연결선 7">
+            <a:extLst>
+              <a:ext uri="{FF2B5EF4-FFF2-40B4-BE49-F238E27FC236}">
+                <a16:creationId xmlns:a16="http://schemas.microsoft.com/office/drawing/2014/main" id="{7811C437-A67F-47E4-B288-4D94164A101D}"/>
+              </a:ext>
+            </a:extLst>
+          </p:cNvPr>
+          <p:cNvCxnSpPr>
+            <a:stCxn id="27" idx="0"/>
+            <a:endCxn id="24" idx="2"/>
+          </p:cNvCxnSpPr>
+          <p:nvPr/>
+        </p:nvCxnSpPr>
+        <p:spPr>
+          <a:xfrm flipV="1">
+            <a:off x="2390016" y="2207502"/>
+            <a:ext cx="525800" cy="1307198"/>
+          </a:xfrm>
+          <a:prstGeom prst="straightConnector1">
+            <a:avLst/>
+          </a:prstGeom>
+          <a:ln w="28575">
+            <a:solidFill>
+              <a:schemeClr val="tx1"/>
+            </a:solidFill>
+            <a:headEnd type="arrow" w="med" len="med"/>
+            <a:tailEnd type="arrow" w="med" len="med"/>
+          </a:ln>
+        </p:spPr>
+        <p:style>
+          <a:lnRef idx="1">
+            <a:schemeClr val="accent1"/>
+          </a:lnRef>
+          <a:fillRef idx="0">
+            <a:schemeClr val="accent1"/>
+          </a:fillRef>
+          <a:effectRef idx="0">
+            <a:schemeClr val="accent1"/>
+          </a:effectRef>
+          <a:fontRef idx="minor">
+            <a:schemeClr val="tx1"/>
+          </a:fontRef>
+        </p:style>
+      </p:cxnSp>
+      <p:cxnSp>
+        <p:nvCxnSpPr>
+          <p:cNvPr id="33" name="직선 화살표 연결선 32">
+            <a:extLst>
+              <a:ext uri="{FF2B5EF4-FFF2-40B4-BE49-F238E27FC236}">
+                <a16:creationId xmlns:a16="http://schemas.microsoft.com/office/drawing/2014/main" id="{5C314679-DE4E-435A-96B6-16E6AB1AF02A}"/>
+              </a:ext>
+            </a:extLst>
+          </p:cNvPr>
+          <p:cNvCxnSpPr>
+            <a:cxnSpLocks/>
+            <a:stCxn id="26" idx="0"/>
+            <a:endCxn id="24" idx="2"/>
+          </p:cNvCxnSpPr>
+          <p:nvPr/>
+        </p:nvCxnSpPr>
+        <p:spPr>
+          <a:xfrm flipV="1">
+            <a:off x="2220868" y="2207502"/>
+            <a:ext cx="694948" cy="1158974"/>
+          </a:xfrm>
+          <a:prstGeom prst="straightConnector1">
+            <a:avLst/>
+          </a:prstGeom>
+          <a:ln w="28575">
+            <a:solidFill>
+              <a:schemeClr val="tx1"/>
+            </a:solidFill>
+            <a:headEnd type="arrow" w="med" len="med"/>
+            <a:tailEnd type="arrow" w="med" len="med"/>
+          </a:ln>
+        </p:spPr>
+        <p:style>
+          <a:lnRef idx="1">
+            <a:schemeClr val="accent1"/>
+          </a:lnRef>
+          <a:fillRef idx="0">
+            <a:schemeClr val="accent1"/>
+          </a:fillRef>
+          <a:effectRef idx="0">
+            <a:schemeClr val="accent1"/>
+          </a:effectRef>
+          <a:fontRef idx="minor">
+            <a:schemeClr val="tx1"/>
+          </a:fontRef>
+        </p:style>
+      </p:cxnSp>
+      <p:cxnSp>
+        <p:nvCxnSpPr>
+          <p:cNvPr id="40" name="직선 화살표 연결선 39">
+            <a:extLst>
+              <a:ext uri="{FF2B5EF4-FFF2-40B4-BE49-F238E27FC236}">
+                <a16:creationId xmlns:a16="http://schemas.microsoft.com/office/drawing/2014/main" id="{E83C4F41-8DA8-4F30-92CF-19CF1ADA8EB4}"/>
+              </a:ext>
+            </a:extLst>
+          </p:cNvPr>
+          <p:cNvCxnSpPr>
+            <a:cxnSpLocks/>
+            <a:stCxn id="25" idx="0"/>
+            <a:endCxn id="24" idx="2"/>
+          </p:cNvCxnSpPr>
+          <p:nvPr/>
+        </p:nvCxnSpPr>
+        <p:spPr>
+          <a:xfrm flipV="1">
+            <a:off x="2051720" y="2207502"/>
+            <a:ext cx="864096" cy="1014958"/>
+          </a:xfrm>
+          <a:prstGeom prst="straightConnector1">
+            <a:avLst/>
+          </a:prstGeom>
+          <a:ln w="28575">
+            <a:solidFill>
+              <a:schemeClr val="tx1"/>
+            </a:solidFill>
+            <a:headEnd type="arrow" w="med" len="med"/>
+            <a:tailEnd type="arrow" w="med" len="med"/>
+          </a:ln>
+        </p:spPr>
+        <p:style>
+          <a:lnRef idx="1">
+            <a:schemeClr val="accent1"/>
+          </a:lnRef>
+          <a:fillRef idx="0">
+            <a:schemeClr val="accent1"/>
+          </a:fillRef>
+          <a:effectRef idx="0">
+            <a:schemeClr val="accent1"/>
+          </a:effectRef>
+          <a:fontRef idx="minor">
+            <a:schemeClr val="tx1"/>
+          </a:fontRef>
+        </p:style>
+      </p:cxnSp>
+      <p:sp>
+        <p:nvSpPr>
+          <p:cNvPr id="13" name="TextBox 12">
+            <a:extLst>
+              <a:ext uri="{FF2B5EF4-FFF2-40B4-BE49-F238E27FC236}">
+                <a16:creationId xmlns:a16="http://schemas.microsoft.com/office/drawing/2014/main" id="{AFDE8FB0-ED37-49CD-95CA-549572CB81C6}"/>
+              </a:ext>
+            </a:extLst>
+          </p:cNvPr>
+          <p:cNvSpPr txBox="1"/>
+          <p:nvPr/>
+        </p:nvSpPr>
+        <p:spPr>
+          <a:xfrm>
+            <a:off x="1259632" y="2423526"/>
+            <a:ext cx="1299458" cy="369332"/>
+          </a:xfrm>
+          <a:prstGeom prst="rect">
+            <a:avLst/>
+          </a:prstGeom>
+          <a:noFill/>
+        </p:spPr>
+        <p:txBody>
+          <a:bodyPr wrap="none" rtlCol="0">
+            <a:spAutoFit/>
+          </a:bodyPr>
+          <a:lstStyle/>
+          <a:p>
+            <a:r>
+              <a:rPr lang="en-US" altLang="ko-KR"/>
+              <a:t>1) Register</a:t>
+            </a:r>
+            <a:endParaRPr lang="ko-KR" altLang="en-US"/>
+          </a:p>
+        </p:txBody>
+      </p:sp>
+      <p:sp>
+        <p:nvSpPr>
+          <p:cNvPr id="41" name="TextBox 40">
+            <a:extLst>
+              <a:ext uri="{FF2B5EF4-FFF2-40B4-BE49-F238E27FC236}">
+                <a16:creationId xmlns:a16="http://schemas.microsoft.com/office/drawing/2014/main" id="{02FB8091-9A22-4C5D-9BE6-1B54E4B1D2AB}"/>
+              </a:ext>
+            </a:extLst>
+          </p:cNvPr>
+          <p:cNvSpPr txBox="1"/>
+          <p:nvPr/>
+        </p:nvSpPr>
+        <p:spPr>
+          <a:xfrm>
+            <a:off x="5220072" y="2486242"/>
+            <a:ext cx="1346972" cy="369332"/>
+          </a:xfrm>
+          <a:prstGeom prst="rect">
+            <a:avLst/>
+          </a:prstGeom>
+          <a:noFill/>
+        </p:spPr>
+        <p:txBody>
+          <a:bodyPr wrap="none" rtlCol="0">
+            <a:spAutoFit/>
+          </a:bodyPr>
+          <a:lstStyle/>
+          <a:p>
+            <a:r>
+              <a:rPr lang="en-US" altLang="ko-KR"/>
+              <a:t>2) Discover</a:t>
+            </a:r>
+            <a:endParaRPr lang="ko-KR" altLang="en-US"/>
+          </a:p>
+        </p:txBody>
+      </p:sp>
+      <p:cxnSp>
+        <p:nvCxnSpPr>
+          <p:cNvPr id="43" name="직선 화살표 연결선 42">
+            <a:extLst>
+              <a:ext uri="{FF2B5EF4-FFF2-40B4-BE49-F238E27FC236}">
+                <a16:creationId xmlns:a16="http://schemas.microsoft.com/office/drawing/2014/main" id="{9C8022BB-6DFC-46CE-9457-2397439A76FE}"/>
+              </a:ext>
+            </a:extLst>
+          </p:cNvPr>
+          <p:cNvCxnSpPr>
+            <a:cxnSpLocks/>
+            <a:stCxn id="29" idx="0"/>
+            <a:endCxn id="24" idx="2"/>
+          </p:cNvCxnSpPr>
+          <p:nvPr/>
+        </p:nvCxnSpPr>
+        <p:spPr>
+          <a:xfrm flipH="1" flipV="1">
+            <a:off x="2915816" y="2207502"/>
+            <a:ext cx="4079324" cy="1230982"/>
+          </a:xfrm>
+          <a:prstGeom prst="straightConnector1">
+            <a:avLst/>
+          </a:prstGeom>
+          <a:ln w="28575">
+            <a:solidFill>
+              <a:schemeClr val="tx1"/>
+            </a:solidFill>
+            <a:headEnd type="arrow" w="med" len="med"/>
+            <a:tailEnd type="arrow" w="med" len="med"/>
+          </a:ln>
+        </p:spPr>
+        <p:style>
+          <a:lnRef idx="1">
+            <a:schemeClr val="accent1"/>
+          </a:lnRef>
+          <a:fillRef idx="0">
+            <a:schemeClr val="accent1"/>
+          </a:fillRef>
+          <a:effectRef idx="0">
+            <a:schemeClr val="accent1"/>
+          </a:effectRef>
+          <a:fontRef idx="minor">
+            <a:schemeClr val="tx1"/>
+          </a:fontRef>
+        </p:style>
+      </p:cxnSp>
+      <p:cxnSp>
+        <p:nvCxnSpPr>
+          <p:cNvPr id="46" name="직선 화살표 연결선 45">
+            <a:extLst>
+              <a:ext uri="{FF2B5EF4-FFF2-40B4-BE49-F238E27FC236}">
+                <a16:creationId xmlns:a16="http://schemas.microsoft.com/office/drawing/2014/main" id="{C9F73875-F90F-4B8F-8ED3-111C07DB5106}"/>
+              </a:ext>
+            </a:extLst>
+          </p:cNvPr>
+          <p:cNvCxnSpPr>
+            <a:cxnSpLocks/>
+            <a:stCxn id="29" idx="1"/>
+            <a:endCxn id="27" idx="3"/>
+          </p:cNvCxnSpPr>
+          <p:nvPr/>
+        </p:nvCxnSpPr>
+        <p:spPr>
+          <a:xfrm flipH="1">
+            <a:off x="3542144" y="3867109"/>
+            <a:ext cx="2300868" cy="76216"/>
+          </a:xfrm>
+          <a:prstGeom prst="straightConnector1">
+            <a:avLst/>
+          </a:prstGeom>
+          <a:ln w="28575">
+            <a:solidFill>
+              <a:schemeClr val="tx1"/>
+            </a:solidFill>
+            <a:headEnd type="none" w="med" len="med"/>
+            <a:tailEnd type="arrow" w="med" len="med"/>
+          </a:ln>
+        </p:spPr>
+        <p:style>
+          <a:lnRef idx="1">
+            <a:schemeClr val="accent1"/>
+          </a:lnRef>
+          <a:fillRef idx="0">
+            <a:schemeClr val="accent1"/>
+          </a:fillRef>
+          <a:effectRef idx="0">
+            <a:schemeClr val="accent1"/>
+          </a:effectRef>
+          <a:fontRef idx="minor">
+            <a:schemeClr val="tx1"/>
+          </a:fontRef>
+        </p:style>
+      </p:cxnSp>
+      <p:sp>
+        <p:nvSpPr>
+          <p:cNvPr id="53" name="TextBox 52">
+            <a:extLst>
+              <a:ext uri="{FF2B5EF4-FFF2-40B4-BE49-F238E27FC236}">
+                <a16:creationId xmlns:a16="http://schemas.microsoft.com/office/drawing/2014/main" id="{55348D0A-DC3F-4DE9-95F3-288DBFED9598}"/>
+              </a:ext>
+            </a:extLst>
+          </p:cNvPr>
+          <p:cNvSpPr txBox="1"/>
+          <p:nvPr/>
+        </p:nvSpPr>
+        <p:spPr>
+          <a:xfrm>
+            <a:off x="4234159" y="3503646"/>
+            <a:ext cx="841897" cy="369332"/>
+          </a:xfrm>
+          <a:prstGeom prst="rect">
+            <a:avLst/>
+          </a:prstGeom>
+          <a:noFill/>
+        </p:spPr>
+        <p:txBody>
+          <a:bodyPr wrap="none" rtlCol="0">
+            <a:spAutoFit/>
+          </a:bodyPr>
+          <a:lstStyle/>
+          <a:p>
+            <a:r>
+              <a:rPr lang="en-US" altLang="ko-KR"/>
+              <a:t>3) Call</a:t>
+            </a:r>
+            <a:endParaRPr lang="ko-KR" altLang="en-US"/>
+          </a:p>
+        </p:txBody>
+      </p:sp>
+      <p:graphicFrame>
+        <p:nvGraphicFramePr>
+          <p:cNvPr id="22" name="표 21">
+            <a:extLst>
+              <a:ext uri="{FF2B5EF4-FFF2-40B4-BE49-F238E27FC236}">
+                <a16:creationId xmlns:a16="http://schemas.microsoft.com/office/drawing/2014/main" id="{D80CE9F2-D84E-4483-AFDE-304FD326A692}"/>
+              </a:ext>
+            </a:extLst>
+          </p:cNvPr>
+          <p:cNvGraphicFramePr>
+            <a:graphicFrameLocks noGrp="1"/>
+          </p:cNvGraphicFramePr>
+          <p:nvPr>
+            <p:extLst>
+              <p:ext uri="{D42A27DB-BD31-4B8C-83A1-F6EECF244321}">
+                <p14:modId xmlns:p14="http://schemas.microsoft.com/office/powerpoint/2010/main" val="1876703957"/>
+              </p:ext>
+            </p:extLst>
+          </p:nvPr>
+        </p:nvGraphicFramePr>
+        <p:xfrm>
+          <a:off x="4355976" y="1206678"/>
+          <a:ext cx="4320480" cy="1133784"/>
+        </p:xfrm>
+        <a:graphic>
+          <a:graphicData uri="http://schemas.openxmlformats.org/drawingml/2006/table">
+            <a:tbl>
+              <a:tblPr firstRow="1" bandRow="1">
+                <a:tableStyleId>{5940675A-B579-460E-94D1-54222C63F5DA}</a:tableStyleId>
+              </a:tblPr>
+              <a:tblGrid>
+                <a:gridCol w="1080120">
+                  <a:extLst>
+                    <a:ext uri="{9D8B030D-6E8A-4147-A177-3AD203B41FA5}">
+                      <a16:colId xmlns:a16="http://schemas.microsoft.com/office/drawing/2014/main" val="1380990873"/>
+                    </a:ext>
+                  </a:extLst>
+                </a:gridCol>
+                <a:gridCol w="1080120">
+                  <a:extLst>
+                    <a:ext uri="{9D8B030D-6E8A-4147-A177-3AD203B41FA5}">
+                      <a16:colId xmlns:a16="http://schemas.microsoft.com/office/drawing/2014/main" val="3289798846"/>
+                    </a:ext>
+                  </a:extLst>
+                </a:gridCol>
+                <a:gridCol w="1080120">
+                  <a:extLst>
+                    <a:ext uri="{9D8B030D-6E8A-4147-A177-3AD203B41FA5}">
+                      <a16:colId xmlns:a16="http://schemas.microsoft.com/office/drawing/2014/main" val="4025623642"/>
+                    </a:ext>
+                  </a:extLst>
+                </a:gridCol>
+                <a:gridCol w="1080120">
+                  <a:extLst>
+                    <a:ext uri="{9D8B030D-6E8A-4147-A177-3AD203B41FA5}">
+                      <a16:colId xmlns:a16="http://schemas.microsoft.com/office/drawing/2014/main" val="2175859324"/>
+                    </a:ext>
+                  </a:extLst>
+                </a:gridCol>
+              </a:tblGrid>
+              <a:tr h="377928">
+                <a:tc>
+                  <a:txBody>
+                    <a:bodyPr/>
+                    <a:lstStyle/>
+                    <a:p>
+                      <a:pPr algn="ctr" latinLnBrk="1"/>
+                      <a:r>
+                        <a:rPr lang="en-US" altLang="ko-KR" sz="1600"/>
+                        <a:t>Service A</a:t>
+                      </a:r>
+                      <a:endParaRPr lang="ko-KR" altLang="en-US" sz="1600"/>
+                    </a:p>
+                  </a:txBody>
+                  <a:tcPr>
+                    <a:lnL w="19050" cap="flat" cmpd="sng" algn="ctr">
+                      <a:solidFill>
+                        <a:schemeClr val="tx1"/>
+                      </a:solidFill>
+                      <a:prstDash val="solid"/>
+                      <a:round/>
+                      <a:headEnd type="none" w="med" len="med"/>
+                      <a:tailEnd type="none" w="med" len="med"/>
+                    </a:lnL>
+                    <a:lnR w="19050" cap="flat" cmpd="sng" algn="ctr">
+                      <a:solidFill>
+                        <a:schemeClr val="tx1"/>
+                      </a:solidFill>
+                      <a:prstDash val="solid"/>
+                      <a:round/>
+                      <a:headEnd type="none" w="med" len="med"/>
+                      <a:tailEnd type="none" w="med" len="med"/>
+                    </a:lnR>
+                    <a:lnT w="19050" cap="flat" cmpd="sng" algn="ctr">
+                      <a:solidFill>
+                        <a:schemeClr val="tx1"/>
+                      </a:solidFill>
+                      <a:prstDash val="solid"/>
+                      <a:round/>
+                      <a:headEnd type="none" w="med" len="med"/>
+                      <a:tailEnd type="none" w="med" len="med"/>
+                    </a:lnT>
+                    <a:lnB w="19050" cap="flat" cmpd="sng" algn="ctr">
+                      <a:solidFill>
+                        <a:schemeClr val="tx1"/>
+                      </a:solidFill>
+                      <a:prstDash val="solid"/>
+                      <a:round/>
+                      <a:headEnd type="none" w="med" len="med"/>
+                      <a:tailEnd type="none" w="med" len="med"/>
+                    </a:lnB>
+                  </a:tcPr>
+                </a:tc>
+                <a:tc>
+                  <a:txBody>
+                    <a:bodyPr/>
+                    <a:lstStyle/>
+                    <a:p>
+                      <a:pPr algn="ctr" latinLnBrk="1"/>
+                      <a:r>
+                        <a:rPr lang="en-US" altLang="ko-KR" sz="1600"/>
+                        <a:t>IP1:8081</a:t>
+                      </a:r>
+                      <a:endParaRPr lang="ko-KR" altLang="en-US" sz="1600"/>
+                    </a:p>
+                  </a:txBody>
+                  <a:tcPr>
+                    <a:lnL w="19050" cap="flat" cmpd="sng" algn="ctr">
+                      <a:solidFill>
+                        <a:schemeClr val="tx1"/>
+                      </a:solidFill>
+                      <a:prstDash val="solid"/>
+                      <a:round/>
+                      <a:headEnd type="none" w="med" len="med"/>
+                      <a:tailEnd type="none" w="med" len="med"/>
+                    </a:lnL>
+                    <a:lnR w="19050" cap="flat" cmpd="sng" algn="ctr">
+                      <a:solidFill>
+                        <a:schemeClr val="tx1"/>
+                      </a:solidFill>
+                      <a:prstDash val="solid"/>
+                      <a:round/>
+                      <a:headEnd type="none" w="med" len="med"/>
+                      <a:tailEnd type="none" w="med" len="med"/>
+                    </a:lnR>
+                    <a:lnT w="19050" cap="flat" cmpd="sng" algn="ctr">
+                      <a:solidFill>
+                        <a:schemeClr val="tx1"/>
+                      </a:solidFill>
+                      <a:prstDash val="solid"/>
+                      <a:round/>
+                      <a:headEnd type="none" w="med" len="med"/>
+                      <a:tailEnd type="none" w="med" len="med"/>
+                    </a:lnT>
+                    <a:lnB w="19050" cap="flat" cmpd="sng" algn="ctr">
+                      <a:solidFill>
+                        <a:schemeClr val="tx1"/>
+                      </a:solidFill>
+                      <a:prstDash val="solid"/>
+                      <a:round/>
+                      <a:headEnd type="none" w="med" len="med"/>
+                      <a:tailEnd type="none" w="med" len="med"/>
+                    </a:lnB>
+                  </a:tcPr>
+                </a:tc>
+                <a:tc>
+                  <a:txBody>
+                    <a:bodyPr/>
+                    <a:lstStyle/>
+                    <a:p>
+                      <a:pPr algn="ctr" latinLnBrk="1"/>
+                      <a:r>
+                        <a:rPr lang="en-US" altLang="ko-KR" sz="1600"/>
+                        <a:t>IP2:8081</a:t>
+                      </a:r>
+                      <a:endParaRPr lang="ko-KR" altLang="en-US" sz="1600"/>
+                    </a:p>
+                  </a:txBody>
+                  <a:tcPr>
+                    <a:lnL w="19050" cap="flat" cmpd="sng" algn="ctr">
+                      <a:solidFill>
+                        <a:schemeClr val="tx1"/>
+                      </a:solidFill>
+                      <a:prstDash val="solid"/>
+                      <a:round/>
+                      <a:headEnd type="none" w="med" len="med"/>
+                      <a:tailEnd type="none" w="med" len="med"/>
+                    </a:lnL>
+                    <a:lnR w="19050" cap="flat" cmpd="sng" algn="ctr">
+                      <a:solidFill>
+                        <a:schemeClr val="tx1"/>
+                      </a:solidFill>
+                      <a:prstDash val="solid"/>
+                      <a:round/>
+                      <a:headEnd type="none" w="med" len="med"/>
+                      <a:tailEnd type="none" w="med" len="med"/>
+                    </a:lnR>
+                    <a:lnT w="19050" cap="flat" cmpd="sng" algn="ctr">
+                      <a:solidFill>
+                        <a:schemeClr val="tx1"/>
+                      </a:solidFill>
+                      <a:prstDash val="solid"/>
+                      <a:round/>
+                      <a:headEnd type="none" w="med" len="med"/>
+                      <a:tailEnd type="none" w="med" len="med"/>
+                    </a:lnT>
+                    <a:lnB w="19050" cap="flat" cmpd="sng" algn="ctr">
+                      <a:solidFill>
+                        <a:schemeClr val="tx1"/>
+                      </a:solidFill>
+                      <a:prstDash val="solid"/>
+                      <a:round/>
+                      <a:headEnd type="none" w="med" len="med"/>
+                      <a:tailEnd type="none" w="med" len="med"/>
+                    </a:lnB>
+                  </a:tcPr>
+                </a:tc>
+                <a:tc>
+                  <a:txBody>
+                    <a:bodyPr/>
+                    <a:lstStyle/>
+                    <a:p>
+                      <a:pPr algn="ctr" latinLnBrk="1"/>
+                      <a:r>
+                        <a:rPr lang="en-US" altLang="ko-KR" sz="1600"/>
+                        <a:t>IP3:8081</a:t>
+                      </a:r>
+                      <a:endParaRPr lang="ko-KR" altLang="en-US" sz="1600"/>
+                    </a:p>
+                  </a:txBody>
+                  <a:tcPr>
+                    <a:lnL w="19050" cap="flat" cmpd="sng" algn="ctr">
+                      <a:solidFill>
+                        <a:schemeClr val="tx1"/>
+                      </a:solidFill>
+                      <a:prstDash val="solid"/>
+                      <a:round/>
+                      <a:headEnd type="none" w="med" len="med"/>
+                      <a:tailEnd type="none" w="med" len="med"/>
+                    </a:lnL>
+                    <a:lnR w="19050" cap="flat" cmpd="sng" algn="ctr">
+                      <a:solidFill>
+                        <a:schemeClr val="tx1"/>
+                      </a:solidFill>
+                      <a:prstDash val="solid"/>
+                      <a:round/>
+                      <a:headEnd type="none" w="med" len="med"/>
+                      <a:tailEnd type="none" w="med" len="med"/>
+                    </a:lnR>
+                    <a:lnT w="19050" cap="flat" cmpd="sng" algn="ctr">
+                      <a:solidFill>
+                        <a:schemeClr val="tx1"/>
+                      </a:solidFill>
+                      <a:prstDash val="solid"/>
+                      <a:round/>
+                      <a:headEnd type="none" w="med" len="med"/>
+                      <a:tailEnd type="none" w="med" len="med"/>
+                    </a:lnT>
+                    <a:lnB w="19050" cap="flat" cmpd="sng" algn="ctr">
+                      <a:solidFill>
+                        <a:schemeClr val="tx1"/>
+                      </a:solidFill>
+                      <a:prstDash val="solid"/>
+                      <a:round/>
+                      <a:headEnd type="none" w="med" len="med"/>
+                      <a:tailEnd type="none" w="med" len="med"/>
+                    </a:lnB>
+                  </a:tcPr>
+                </a:tc>
+                <a:extLst>
+                  <a:ext uri="{0D108BD9-81ED-4DB2-BD59-A6C34878D82A}">
+                    <a16:rowId xmlns:a16="http://schemas.microsoft.com/office/drawing/2014/main" val="1958239008"/>
+                  </a:ext>
+                </a:extLst>
+              </a:tr>
+              <a:tr h="377928">
+                <a:tc>
+                  <a:txBody>
+                    <a:bodyPr/>
+                    <a:lstStyle/>
+                    <a:p>
+                      <a:pPr algn="ctr" latinLnBrk="1"/>
+                      <a:r>
+                        <a:rPr lang="en-US" altLang="ko-KR" sz="1600"/>
+                        <a:t>Service B</a:t>
+                      </a:r>
+                      <a:endParaRPr lang="ko-KR" altLang="en-US" sz="1600"/>
+                    </a:p>
+                  </a:txBody>
+                  <a:tcPr>
+                    <a:lnL w="19050" cap="flat" cmpd="sng" algn="ctr">
+                      <a:solidFill>
+                        <a:schemeClr val="tx1"/>
+                      </a:solidFill>
+                      <a:prstDash val="solid"/>
+                      <a:round/>
+                      <a:headEnd type="none" w="med" len="med"/>
+                      <a:tailEnd type="none" w="med" len="med"/>
+                    </a:lnL>
+                    <a:lnR w="19050" cap="flat" cmpd="sng" algn="ctr">
+                      <a:solidFill>
+                        <a:schemeClr val="tx1"/>
+                      </a:solidFill>
+                      <a:prstDash val="solid"/>
+                      <a:round/>
+                      <a:headEnd type="none" w="med" len="med"/>
+                      <a:tailEnd type="none" w="med" len="med"/>
+                    </a:lnR>
+                    <a:lnT w="19050" cap="flat" cmpd="sng" algn="ctr">
+                      <a:solidFill>
+                        <a:schemeClr val="tx1"/>
+                      </a:solidFill>
+                      <a:prstDash val="solid"/>
+                      <a:round/>
+                      <a:headEnd type="none" w="med" len="med"/>
+                      <a:tailEnd type="none" w="med" len="med"/>
+                    </a:lnT>
+                    <a:lnB w="19050" cap="flat" cmpd="sng" algn="ctr">
+                      <a:solidFill>
+                        <a:schemeClr val="tx1"/>
+                      </a:solidFill>
+                      <a:prstDash val="solid"/>
+                      <a:round/>
+                      <a:headEnd type="none" w="med" len="med"/>
+                      <a:tailEnd type="none" w="med" len="med"/>
+                    </a:lnB>
+                  </a:tcPr>
+                </a:tc>
+                <a:tc>
+                  <a:txBody>
+                    <a:bodyPr/>
+                    <a:lstStyle/>
+                    <a:p>
+                      <a:pPr algn="ctr" latinLnBrk="1"/>
+                      <a:r>
+                        <a:rPr lang="en-US" altLang="ko-KR" sz="1600"/>
+                        <a:t>IP1:8091</a:t>
+                      </a:r>
+                      <a:endParaRPr lang="ko-KR" altLang="en-US" sz="1600"/>
+                    </a:p>
+                  </a:txBody>
+                  <a:tcPr>
+                    <a:lnL w="19050" cap="flat" cmpd="sng" algn="ctr">
+                      <a:solidFill>
+                        <a:schemeClr val="tx1"/>
+                      </a:solidFill>
+                      <a:prstDash val="solid"/>
+                      <a:round/>
+                      <a:headEnd type="none" w="med" len="med"/>
+                      <a:tailEnd type="none" w="med" len="med"/>
+                    </a:lnL>
+                    <a:lnR w="19050" cap="flat" cmpd="sng" algn="ctr">
+                      <a:solidFill>
+                        <a:schemeClr val="tx1"/>
+                      </a:solidFill>
+                      <a:prstDash val="solid"/>
+                      <a:round/>
+                      <a:headEnd type="none" w="med" len="med"/>
+                      <a:tailEnd type="none" w="med" len="med"/>
+                    </a:lnR>
+                    <a:lnT w="19050" cap="flat" cmpd="sng" algn="ctr">
+                      <a:solidFill>
+                        <a:schemeClr val="tx1"/>
+                      </a:solidFill>
+                      <a:prstDash val="solid"/>
+                      <a:round/>
+                      <a:headEnd type="none" w="med" len="med"/>
+                      <a:tailEnd type="none" w="med" len="med"/>
+                    </a:lnT>
+                    <a:lnB w="19050" cap="flat" cmpd="sng" algn="ctr">
+                      <a:solidFill>
+                        <a:schemeClr val="tx1"/>
+                      </a:solidFill>
+                      <a:prstDash val="solid"/>
+                      <a:round/>
+                      <a:headEnd type="none" w="med" len="med"/>
+                      <a:tailEnd type="none" w="med" len="med"/>
+                    </a:lnB>
+                  </a:tcPr>
+                </a:tc>
+                <a:tc>
+                  <a:txBody>
+                    <a:bodyPr/>
+                    <a:lstStyle/>
+                    <a:p>
+                      <a:pPr algn="ctr" latinLnBrk="1"/>
+                      <a:r>
+                        <a:rPr lang="en-US" altLang="ko-KR" sz="1600"/>
+                        <a:t>IP3:8091</a:t>
+                      </a:r>
+                      <a:endParaRPr lang="ko-KR" altLang="en-US" sz="1600"/>
+                    </a:p>
+                  </a:txBody>
+                  <a:tcPr>
+                    <a:lnL w="19050" cap="flat" cmpd="sng" algn="ctr">
+                      <a:solidFill>
+                        <a:schemeClr val="tx1"/>
+                      </a:solidFill>
+                      <a:prstDash val="solid"/>
+                      <a:round/>
+                      <a:headEnd type="none" w="med" len="med"/>
+                      <a:tailEnd type="none" w="med" len="med"/>
+                    </a:lnL>
+                    <a:lnR w="19050" cap="flat" cmpd="sng" algn="ctr">
+                      <a:solidFill>
+                        <a:schemeClr val="tx1"/>
+                      </a:solidFill>
+                      <a:prstDash val="solid"/>
+                      <a:round/>
+                      <a:headEnd type="none" w="med" len="med"/>
+                      <a:tailEnd type="none" w="med" len="med"/>
+                    </a:lnR>
+                    <a:lnT w="19050" cap="flat" cmpd="sng" algn="ctr">
+                      <a:solidFill>
+                        <a:schemeClr val="tx1"/>
+                      </a:solidFill>
+                      <a:prstDash val="solid"/>
+                      <a:round/>
+                      <a:headEnd type="none" w="med" len="med"/>
+                      <a:tailEnd type="none" w="med" len="med"/>
+                    </a:lnT>
+                    <a:lnB w="19050" cap="flat" cmpd="sng" algn="ctr">
+                      <a:solidFill>
+                        <a:schemeClr val="tx1"/>
+                      </a:solidFill>
+                      <a:prstDash val="solid"/>
+                      <a:round/>
+                      <a:headEnd type="none" w="med" len="med"/>
+                      <a:tailEnd type="none" w="med" len="med"/>
+                    </a:lnB>
+                  </a:tcPr>
+                </a:tc>
+                <a:tc>
+                  <a:txBody>
+                    <a:bodyPr/>
+                    <a:lstStyle/>
+                    <a:p>
+                      <a:pPr algn="ctr" latinLnBrk="1"/>
+                      <a:endParaRPr lang="ko-KR" altLang="en-US" sz="1600"/>
+                    </a:p>
+                  </a:txBody>
+                  <a:tcPr>
+                    <a:lnL w="19050" cap="flat" cmpd="sng" algn="ctr">
+                      <a:solidFill>
+                        <a:schemeClr val="tx1"/>
+                      </a:solidFill>
+                      <a:prstDash val="solid"/>
+                      <a:round/>
+                      <a:headEnd type="none" w="med" len="med"/>
+                      <a:tailEnd type="none" w="med" len="med"/>
+                    </a:lnL>
+                    <a:lnR w="19050" cap="flat" cmpd="sng" algn="ctr">
+                      <a:solidFill>
+                        <a:schemeClr val="tx1"/>
+                      </a:solidFill>
+                      <a:prstDash val="solid"/>
+                      <a:round/>
+                      <a:headEnd type="none" w="med" len="med"/>
+                      <a:tailEnd type="none" w="med" len="med"/>
+                    </a:lnR>
+                    <a:lnT w="19050" cap="flat" cmpd="sng" algn="ctr">
+                      <a:solidFill>
+                        <a:schemeClr val="tx1"/>
+                      </a:solidFill>
+                      <a:prstDash val="solid"/>
+                      <a:round/>
+                      <a:headEnd type="none" w="med" len="med"/>
+                      <a:tailEnd type="none" w="med" len="med"/>
+                    </a:lnT>
+                    <a:lnB w="19050" cap="flat" cmpd="sng" algn="ctr">
+                      <a:solidFill>
+                        <a:schemeClr val="tx1"/>
+                      </a:solidFill>
+                      <a:prstDash val="solid"/>
+                      <a:round/>
+                      <a:headEnd type="none" w="med" len="med"/>
+                      <a:tailEnd type="none" w="med" len="med"/>
+                    </a:lnB>
+                  </a:tcPr>
+                </a:tc>
+                <a:extLst>
+                  <a:ext uri="{0D108BD9-81ED-4DB2-BD59-A6C34878D82A}">
+                    <a16:rowId xmlns:a16="http://schemas.microsoft.com/office/drawing/2014/main" val="2105223709"/>
+                  </a:ext>
+                </a:extLst>
+              </a:tr>
+              <a:tr h="377928">
+                <a:tc>
+                  <a:txBody>
+                    <a:bodyPr/>
+                    <a:lstStyle/>
+                    <a:p>
+                      <a:pPr algn="ctr" latinLnBrk="1"/>
+                      <a:endParaRPr lang="ko-KR" altLang="en-US" sz="1600"/>
+                    </a:p>
+                  </a:txBody>
+                  <a:tcPr>
+                    <a:lnL w="19050" cap="flat" cmpd="sng" algn="ctr">
+                      <a:solidFill>
+                        <a:schemeClr val="tx1"/>
+                      </a:solidFill>
+                      <a:prstDash val="solid"/>
+                      <a:round/>
+                      <a:headEnd type="none" w="med" len="med"/>
+                      <a:tailEnd type="none" w="med" len="med"/>
+                    </a:lnL>
+                    <a:lnR w="19050" cap="flat" cmpd="sng" algn="ctr">
+                      <a:solidFill>
+                        <a:schemeClr val="tx1"/>
+                      </a:solidFill>
+                      <a:prstDash val="solid"/>
+                      <a:round/>
+                      <a:headEnd type="none" w="med" len="med"/>
+                      <a:tailEnd type="none" w="med" len="med"/>
+                    </a:lnR>
+                    <a:lnT w="19050" cap="flat" cmpd="sng" algn="ctr">
+                      <a:solidFill>
+                        <a:schemeClr val="tx1"/>
+                      </a:solidFill>
+                      <a:prstDash val="solid"/>
+                      <a:round/>
+                      <a:headEnd type="none" w="med" len="med"/>
+                      <a:tailEnd type="none" w="med" len="med"/>
+                    </a:lnT>
+                    <a:lnB w="19050" cap="flat" cmpd="sng" algn="ctr">
+                      <a:solidFill>
+                        <a:schemeClr val="tx1"/>
+                      </a:solidFill>
+                      <a:prstDash val="solid"/>
+                      <a:round/>
+                      <a:headEnd type="none" w="med" len="med"/>
+                      <a:tailEnd type="none" w="med" len="med"/>
+                    </a:lnB>
+                  </a:tcPr>
+                </a:tc>
+                <a:tc>
+                  <a:txBody>
+                    <a:bodyPr/>
+                    <a:lstStyle/>
+                    <a:p>
+                      <a:pPr algn="ctr" latinLnBrk="1"/>
+                      <a:endParaRPr lang="ko-KR" altLang="en-US" sz="1600"/>
+                    </a:p>
+                  </a:txBody>
+                  <a:tcPr>
+                    <a:lnL w="19050" cap="flat" cmpd="sng" algn="ctr">
+                      <a:solidFill>
+                        <a:schemeClr val="tx1"/>
+                      </a:solidFill>
+                      <a:prstDash val="solid"/>
+                      <a:round/>
+                      <a:headEnd type="none" w="med" len="med"/>
+                      <a:tailEnd type="none" w="med" len="med"/>
+                    </a:lnL>
+                    <a:lnR w="19050" cap="flat" cmpd="sng" algn="ctr">
+                      <a:solidFill>
+                        <a:schemeClr val="tx1"/>
+                      </a:solidFill>
+                      <a:prstDash val="solid"/>
+                      <a:round/>
+                      <a:headEnd type="none" w="med" len="med"/>
+                      <a:tailEnd type="none" w="med" len="med"/>
+                    </a:lnR>
+                    <a:lnT w="19050" cap="flat" cmpd="sng" algn="ctr">
+                      <a:solidFill>
+                        <a:schemeClr val="tx1"/>
+                      </a:solidFill>
+                      <a:prstDash val="solid"/>
+                      <a:round/>
+                      <a:headEnd type="none" w="med" len="med"/>
+                      <a:tailEnd type="none" w="med" len="med"/>
+                    </a:lnT>
+                    <a:lnB w="19050" cap="flat" cmpd="sng" algn="ctr">
+                      <a:solidFill>
+                        <a:schemeClr val="tx1"/>
+                      </a:solidFill>
+                      <a:prstDash val="solid"/>
+                      <a:round/>
+                      <a:headEnd type="none" w="med" len="med"/>
+                      <a:tailEnd type="none" w="med" len="med"/>
+                    </a:lnB>
+                  </a:tcPr>
+                </a:tc>
+                <a:tc>
+                  <a:txBody>
+                    <a:bodyPr/>
+                    <a:lstStyle/>
+                    <a:p>
+                      <a:pPr algn="ctr" latinLnBrk="1"/>
+                      <a:endParaRPr lang="ko-KR" altLang="en-US" sz="1600"/>
+                    </a:p>
+                  </a:txBody>
+                  <a:tcPr>
+                    <a:lnL w="19050" cap="flat" cmpd="sng" algn="ctr">
+                      <a:solidFill>
+                        <a:schemeClr val="tx1"/>
+                      </a:solidFill>
+                      <a:prstDash val="solid"/>
+                      <a:round/>
+                      <a:headEnd type="none" w="med" len="med"/>
+                      <a:tailEnd type="none" w="med" len="med"/>
+                    </a:lnL>
+                    <a:lnR w="19050" cap="flat" cmpd="sng" algn="ctr">
+                      <a:solidFill>
+                        <a:schemeClr val="tx1"/>
+                      </a:solidFill>
+                      <a:prstDash val="solid"/>
+                      <a:round/>
+                      <a:headEnd type="none" w="med" len="med"/>
+                      <a:tailEnd type="none" w="med" len="med"/>
+                    </a:lnR>
+                    <a:lnT w="19050" cap="flat" cmpd="sng" algn="ctr">
+                      <a:solidFill>
+                        <a:schemeClr val="tx1"/>
+                      </a:solidFill>
+                      <a:prstDash val="solid"/>
+                      <a:round/>
+                      <a:headEnd type="none" w="med" len="med"/>
+                      <a:tailEnd type="none" w="med" len="med"/>
+                    </a:lnT>
+                    <a:lnB w="19050" cap="flat" cmpd="sng" algn="ctr">
+                      <a:solidFill>
+                        <a:schemeClr val="tx1"/>
+                      </a:solidFill>
+                      <a:prstDash val="solid"/>
+                      <a:round/>
+                      <a:headEnd type="none" w="med" len="med"/>
+                      <a:tailEnd type="none" w="med" len="med"/>
+                    </a:lnB>
+                  </a:tcPr>
+                </a:tc>
+                <a:tc>
+                  <a:txBody>
+                    <a:bodyPr/>
+                    <a:lstStyle/>
+                    <a:p>
+                      <a:pPr algn="ctr" latinLnBrk="1"/>
+                      <a:endParaRPr lang="ko-KR" altLang="en-US" sz="1600"/>
+                    </a:p>
+                  </a:txBody>
+                  <a:tcPr>
+                    <a:lnL w="19050" cap="flat" cmpd="sng" algn="ctr">
+                      <a:solidFill>
+                        <a:schemeClr val="tx1"/>
+                      </a:solidFill>
+                      <a:prstDash val="solid"/>
+                      <a:round/>
+                      <a:headEnd type="none" w="med" len="med"/>
+                      <a:tailEnd type="none" w="med" len="med"/>
+                    </a:lnL>
+                    <a:lnR w="19050" cap="flat" cmpd="sng" algn="ctr">
+                      <a:solidFill>
+                        <a:schemeClr val="tx1"/>
+                      </a:solidFill>
+                      <a:prstDash val="solid"/>
+                      <a:round/>
+                      <a:headEnd type="none" w="med" len="med"/>
+                      <a:tailEnd type="none" w="med" len="med"/>
+                    </a:lnR>
+                    <a:lnT w="19050" cap="flat" cmpd="sng" algn="ctr">
+                      <a:solidFill>
+                        <a:schemeClr val="tx1"/>
+                      </a:solidFill>
+                      <a:prstDash val="solid"/>
+                      <a:round/>
+                      <a:headEnd type="none" w="med" len="med"/>
+                      <a:tailEnd type="none" w="med" len="med"/>
+                    </a:lnT>
+                    <a:lnB w="19050" cap="flat" cmpd="sng" algn="ctr">
+                      <a:solidFill>
+                        <a:schemeClr val="tx1"/>
+                      </a:solidFill>
+                      <a:prstDash val="solid"/>
+                      <a:round/>
+                      <a:headEnd type="none" w="med" len="med"/>
+                      <a:tailEnd type="none" w="med" len="med"/>
+                    </a:lnB>
+                  </a:tcPr>
+                </a:tc>
+                <a:extLst>
+                  <a:ext uri="{0D108BD9-81ED-4DB2-BD59-A6C34878D82A}">
+                    <a16:rowId xmlns:a16="http://schemas.microsoft.com/office/drawing/2014/main" val="2383147479"/>
+                  </a:ext>
+                </a:extLst>
+              </a:tr>
+            </a:tbl>
+          </a:graphicData>
+        </a:graphic>
+      </p:graphicFrame>
+    </p:spTree>
+    <p:extLst>
+      <p:ext uri="{BB962C8B-B14F-4D97-AF65-F5344CB8AC3E}">
+        <p14:creationId xmlns:p14="http://schemas.microsoft.com/office/powerpoint/2010/main" val="1907288589"/>
+      </p:ext>
+    </p:extLst>
+  </p:cSld>
+  <p:clrMapOvr>
+    <a:masterClrMapping/>
+  </p:clrMapOvr>
+</p:sld>
+</file>
+
+<file path=ppt/slides/slide5.xml><?xml version="1.0" encoding="utf-8"?>
+<p:sld xmlns:a="http://schemas.openxmlformats.org/drawingml/2006/main" xmlns:r="http://schemas.openxmlformats.org/officeDocument/2006/relationships" xmlns:p="http://schemas.openxmlformats.org/presentationml/2006/main">
+  <p:cSld>
+    <p:spTree>
+      <p:nvGrpSpPr>
+        <p:cNvPr id="1" name=""/>
+        <p:cNvGrpSpPr/>
+        <p:nvPr/>
+      </p:nvGrpSpPr>
+      <p:grpSpPr>
+        <a:xfrm>
+          <a:off x="0" y="0"/>
+          <a:ext cx="0" cy="0"/>
+          <a:chOff x="0" y="0"/>
+          <a:chExt cx="0" cy="0"/>
+        </a:xfrm>
+      </p:grpSpPr>
+      <p:sp>
+        <p:nvSpPr>
+          <p:cNvPr id="6" name="제목 1"/>
+          <p:cNvSpPr>
+            <a:spLocks noGrp="1"/>
+          </p:cNvSpPr>
+          <p:nvPr>
+            <p:ph type="title"/>
+          </p:nvPr>
+        </p:nvSpPr>
+        <p:spPr>
+          <a:xfrm>
+            <a:off x="457200" y="-20538"/>
+            <a:ext cx="8229600" cy="857250"/>
+          </a:xfrm>
+        </p:spPr>
+        <p:txBody>
+          <a:bodyPr>
+            <a:normAutofit/>
+          </a:bodyPr>
+          <a:lstStyle/>
+          <a:p>
+            <a:r>
+              <a:rPr lang="en-US" altLang="ko-KR"/>
+              <a:t>Hystrix+Ribbon+Eureka</a:t>
+            </a:r>
+            <a:endParaRPr lang="ko-KR" altLang="en-US" dirty="0"/>
+          </a:p>
+        </p:txBody>
+      </p:sp>
+      <p:sp>
+        <p:nvSpPr>
+          <p:cNvPr id="18" name="사각형: 둥근 모서리 17">
+            <a:extLst>
+              <a:ext uri="{FF2B5EF4-FFF2-40B4-BE49-F238E27FC236}">
+                <a16:creationId xmlns:a16="http://schemas.microsoft.com/office/drawing/2014/main" id="{619DDA50-8465-4D99-BB0A-16FCF1166F48}"/>
+              </a:ext>
+            </a:extLst>
+          </p:cNvPr>
+          <p:cNvSpPr/>
+          <p:nvPr/>
+        </p:nvSpPr>
+        <p:spPr>
+          <a:xfrm>
+            <a:off x="1824534" y="2193196"/>
+            <a:ext cx="2387426" cy="872235"/>
+          </a:xfrm>
+          <a:prstGeom prst="roundRect">
+            <a:avLst>
+              <a:gd name="adj" fmla="val 10228"/>
+            </a:avLst>
+          </a:prstGeom>
+        </p:spPr>
+        <p:style>
+          <a:lnRef idx="2">
+            <a:schemeClr val="dk1"/>
+          </a:lnRef>
+          <a:fillRef idx="1">
+            <a:schemeClr val="lt1"/>
+          </a:fillRef>
+          <a:effectRef idx="0">
+            <a:schemeClr val="dk1"/>
+          </a:effectRef>
+          <a:fontRef idx="minor">
+            <a:schemeClr val="dk1"/>
+          </a:fontRef>
+        </p:style>
+        <p:txBody>
+          <a:bodyPr rtlCol="0" anchor="t"/>
+          <a:lstStyle/>
+          <a:p>
+            <a:pPr algn="ctr"/>
+            <a:endParaRPr lang="ko-KR" altLang="en-US" sz="1600"/>
+          </a:p>
+        </p:txBody>
+      </p:sp>
+      <p:grpSp>
+        <p:nvGrpSpPr>
+          <p:cNvPr id="50" name="그룹 49">
+            <a:extLst>
+              <a:ext uri="{FF2B5EF4-FFF2-40B4-BE49-F238E27FC236}">
+                <a16:creationId xmlns:a16="http://schemas.microsoft.com/office/drawing/2014/main" id="{29801D85-10D6-4D3A-B8AA-2AC15F7433E8}"/>
+              </a:ext>
+            </a:extLst>
+          </p:cNvPr>
+          <p:cNvGrpSpPr/>
+          <p:nvPr/>
+        </p:nvGrpSpPr>
+        <p:grpSpPr>
+          <a:xfrm>
+            <a:off x="1691680" y="2329073"/>
+            <a:ext cx="2387426" cy="872235"/>
+            <a:chOff x="251520" y="1995686"/>
+            <a:chExt cx="2387426" cy="872235"/>
+          </a:xfrm>
+        </p:grpSpPr>
+        <p:sp>
+          <p:nvSpPr>
+            <p:cNvPr id="51" name="사각형: 둥근 모서리 50">
+              <a:extLst>
+                <a:ext uri="{FF2B5EF4-FFF2-40B4-BE49-F238E27FC236}">
+                  <a16:creationId xmlns:a16="http://schemas.microsoft.com/office/drawing/2014/main" id="{64DD852F-9604-46C5-B2D9-DA9AFE351AED}"/>
+                </a:ext>
+              </a:extLst>
+            </p:cNvPr>
+            <p:cNvSpPr/>
+            <p:nvPr/>
+          </p:nvSpPr>
+          <p:spPr>
+            <a:xfrm>
+              <a:off x="251520" y="1995686"/>
+              <a:ext cx="2387426" cy="872235"/>
+            </a:xfrm>
+            <a:prstGeom prst="roundRect">
+              <a:avLst>
+                <a:gd name="adj" fmla="val 10228"/>
+              </a:avLst>
+            </a:prstGeom>
+          </p:spPr>
+          <p:style>
+            <a:lnRef idx="2">
+              <a:schemeClr val="dk1"/>
+            </a:lnRef>
+            <a:fillRef idx="1">
+              <a:schemeClr val="lt1"/>
+            </a:fillRef>
+            <a:effectRef idx="0">
+              <a:schemeClr val="dk1"/>
+            </a:effectRef>
+            <a:fontRef idx="minor">
+              <a:schemeClr val="dk1"/>
+            </a:fontRef>
+          </p:style>
+          <p:txBody>
+            <a:bodyPr rtlCol="0" anchor="t"/>
+            <a:lstStyle/>
+            <a:p>
+              <a:pPr algn="ctr"/>
+              <a:r>
+                <a:rPr lang="en-US" altLang="ko-KR" sz="1600"/>
+                <a:t>Zuul</a:t>
+              </a:r>
+              <a:endParaRPr lang="ko-KR" altLang="en-US" sz="1600"/>
+            </a:p>
+          </p:txBody>
+        </p:sp>
+        <p:sp>
+          <p:nvSpPr>
+            <p:cNvPr id="52" name="사각형: 둥근 모서리 51">
+              <a:extLst>
+                <a:ext uri="{FF2B5EF4-FFF2-40B4-BE49-F238E27FC236}">
+                  <a16:creationId xmlns:a16="http://schemas.microsoft.com/office/drawing/2014/main" id="{0FFC7FB5-9121-4CEA-BD5D-453F6D066889}"/>
+                </a:ext>
+              </a:extLst>
+            </p:cNvPr>
+            <p:cNvSpPr/>
+            <p:nvPr/>
+          </p:nvSpPr>
+          <p:spPr>
+            <a:xfrm>
+              <a:off x="342049" y="2381719"/>
+              <a:ext cx="735456" cy="379214"/>
+            </a:xfrm>
+            <a:prstGeom prst="roundRect">
+              <a:avLst/>
+            </a:prstGeom>
+          </p:spPr>
+          <p:style>
+            <a:lnRef idx="2">
+              <a:schemeClr val="dk1"/>
+            </a:lnRef>
+            <a:fillRef idx="1">
+              <a:schemeClr val="lt1"/>
+            </a:fillRef>
+            <a:effectRef idx="0">
+              <a:schemeClr val="dk1"/>
+            </a:effectRef>
+            <a:fontRef idx="minor">
+              <a:schemeClr val="dk1"/>
+            </a:fontRef>
+          </p:style>
+          <p:txBody>
+            <a:bodyPr rtlCol="0" anchor="ctr"/>
+            <a:lstStyle/>
+            <a:p>
+              <a:pPr algn="ctr"/>
+              <a:r>
+                <a:rPr lang="en-US" altLang="ko-KR" sz="1200"/>
+                <a:t>Hystrix</a:t>
+              </a:r>
+              <a:endParaRPr lang="ko-KR" altLang="en-US" sz="1200"/>
+            </a:p>
+          </p:txBody>
+        </p:sp>
+        <p:sp>
+          <p:nvSpPr>
+            <p:cNvPr id="54" name="사각형: 둥근 모서리 53">
+              <a:extLst>
+                <a:ext uri="{FF2B5EF4-FFF2-40B4-BE49-F238E27FC236}">
+                  <a16:creationId xmlns:a16="http://schemas.microsoft.com/office/drawing/2014/main" id="{5637233F-DD1F-474B-93AF-E0CEFD00FF86}"/>
+                </a:ext>
+              </a:extLst>
+            </p:cNvPr>
+            <p:cNvSpPr/>
+            <p:nvPr/>
+          </p:nvSpPr>
+          <p:spPr>
+            <a:xfrm>
+              <a:off x="1077505" y="2381719"/>
+              <a:ext cx="735456" cy="379214"/>
+            </a:xfrm>
+            <a:prstGeom prst="roundRect">
+              <a:avLst/>
+            </a:prstGeom>
+          </p:spPr>
+          <p:style>
+            <a:lnRef idx="2">
+              <a:schemeClr val="dk1"/>
+            </a:lnRef>
+            <a:fillRef idx="1">
+              <a:schemeClr val="lt1"/>
+            </a:fillRef>
+            <a:effectRef idx="0">
+              <a:schemeClr val="dk1"/>
+            </a:effectRef>
+            <a:fontRef idx="minor">
+              <a:schemeClr val="dk1"/>
+            </a:fontRef>
+          </p:style>
+          <p:txBody>
+            <a:bodyPr rtlCol="0" anchor="ctr"/>
+            <a:lstStyle/>
+            <a:p>
+              <a:pPr algn="ctr"/>
+              <a:r>
+                <a:rPr lang="en-US" altLang="ko-KR" sz="1200"/>
+                <a:t>Ribbon</a:t>
+              </a:r>
+              <a:endParaRPr lang="ko-KR" altLang="en-US" sz="1200"/>
+            </a:p>
+          </p:txBody>
+        </p:sp>
+        <p:sp>
+          <p:nvSpPr>
+            <p:cNvPr id="55" name="사각형: 둥근 모서리 54">
+              <a:extLst>
+                <a:ext uri="{FF2B5EF4-FFF2-40B4-BE49-F238E27FC236}">
+                  <a16:creationId xmlns:a16="http://schemas.microsoft.com/office/drawing/2014/main" id="{B6811BE2-0C62-4054-B764-99060948E9D6}"/>
+                </a:ext>
+              </a:extLst>
+            </p:cNvPr>
+            <p:cNvSpPr/>
+            <p:nvPr/>
+          </p:nvSpPr>
+          <p:spPr>
+            <a:xfrm>
+              <a:off x="1812961" y="2381719"/>
+              <a:ext cx="716276" cy="379214"/>
+            </a:xfrm>
+            <a:prstGeom prst="roundRect">
+              <a:avLst/>
+            </a:prstGeom>
+          </p:spPr>
+          <p:style>
+            <a:lnRef idx="2">
+              <a:schemeClr val="dk1"/>
+            </a:lnRef>
+            <a:fillRef idx="1">
+              <a:schemeClr val="lt1"/>
+            </a:fillRef>
+            <a:effectRef idx="0">
+              <a:schemeClr val="dk1"/>
+            </a:effectRef>
+            <a:fontRef idx="minor">
+              <a:schemeClr val="dk1"/>
+            </a:fontRef>
+          </p:style>
+          <p:txBody>
+            <a:bodyPr rtlCol="0" anchor="ctr"/>
+            <a:lstStyle/>
+            <a:p>
+              <a:pPr algn="ctr"/>
+              <a:r>
+                <a:rPr lang="en-US" altLang="ko-KR" sz="1200"/>
+                <a:t>Eureka</a:t>
+              </a:r>
+            </a:p>
+            <a:p>
+              <a:pPr algn="ctr"/>
+              <a:r>
+                <a:rPr lang="en-US" altLang="ko-KR" sz="1200"/>
+                <a:t>Client</a:t>
+              </a:r>
+              <a:endParaRPr lang="ko-KR" altLang="en-US" sz="1200"/>
+            </a:p>
+          </p:txBody>
+        </p:sp>
+      </p:grpSp>
+      <p:sp>
+        <p:nvSpPr>
+          <p:cNvPr id="57" name="사각형: 둥근 모서리 56">
+            <a:extLst>
+              <a:ext uri="{FF2B5EF4-FFF2-40B4-BE49-F238E27FC236}">
+                <a16:creationId xmlns:a16="http://schemas.microsoft.com/office/drawing/2014/main" id="{4970C807-0533-4C4A-82A1-0525D36E1C0F}"/>
+              </a:ext>
+            </a:extLst>
+          </p:cNvPr>
+          <p:cNvSpPr/>
+          <p:nvPr/>
+        </p:nvSpPr>
+        <p:spPr>
+          <a:xfrm>
+            <a:off x="1824533" y="1185084"/>
+            <a:ext cx="2387426" cy="504056"/>
+          </a:xfrm>
+          <a:prstGeom prst="roundRect">
+            <a:avLst>
+              <a:gd name="adj" fmla="val 10228"/>
+            </a:avLst>
+          </a:prstGeom>
+        </p:spPr>
+        <p:style>
+          <a:lnRef idx="2">
+            <a:schemeClr val="dk1"/>
+          </a:lnRef>
+          <a:fillRef idx="1">
+            <a:schemeClr val="lt1"/>
+          </a:fillRef>
+          <a:effectRef idx="0">
+            <a:schemeClr val="dk1"/>
+          </a:effectRef>
+          <a:fontRef idx="minor">
+            <a:schemeClr val="dk1"/>
+          </a:fontRef>
+        </p:style>
+        <p:txBody>
+          <a:bodyPr rtlCol="0" anchor="ctr"/>
+          <a:lstStyle/>
+          <a:p>
+            <a:pPr algn="ctr"/>
+            <a:r>
+              <a:rPr lang="en-US" altLang="ko-KR"/>
+              <a:t>LB</a:t>
+            </a:r>
+            <a:endParaRPr lang="ko-KR" altLang="en-US"/>
+          </a:p>
+        </p:txBody>
+      </p:sp>
+      <p:sp>
+        <p:nvSpPr>
+          <p:cNvPr id="58" name="사각형: 둥근 모서리 57">
+            <a:extLst>
+              <a:ext uri="{FF2B5EF4-FFF2-40B4-BE49-F238E27FC236}">
+                <a16:creationId xmlns:a16="http://schemas.microsoft.com/office/drawing/2014/main" id="{0088E688-057D-4828-A139-CE4349E0127B}"/>
+              </a:ext>
+            </a:extLst>
+          </p:cNvPr>
+          <p:cNvSpPr/>
+          <p:nvPr/>
+        </p:nvSpPr>
+        <p:spPr>
+          <a:xfrm>
+            <a:off x="649746" y="3633356"/>
+            <a:ext cx="2387426" cy="872235"/>
+          </a:xfrm>
+          <a:prstGeom prst="roundRect">
+            <a:avLst>
+              <a:gd name="adj" fmla="val 10228"/>
+            </a:avLst>
+          </a:prstGeom>
+        </p:spPr>
+        <p:style>
+          <a:lnRef idx="2">
+            <a:schemeClr val="dk1"/>
+          </a:lnRef>
+          <a:fillRef idx="1">
+            <a:schemeClr val="lt1"/>
+          </a:fillRef>
+          <a:effectRef idx="0">
+            <a:schemeClr val="dk1"/>
+          </a:effectRef>
+          <a:fontRef idx="minor">
+            <a:schemeClr val="dk1"/>
+          </a:fontRef>
+        </p:style>
+        <p:txBody>
+          <a:bodyPr rtlCol="0" anchor="t"/>
+          <a:lstStyle/>
+          <a:p>
+            <a:pPr algn="ctr"/>
+            <a:endParaRPr lang="ko-KR" altLang="en-US" sz="1600"/>
+          </a:p>
+        </p:txBody>
+      </p:sp>
+      <p:sp>
+        <p:nvSpPr>
+          <p:cNvPr id="59" name="사각형: 둥근 모서리 58">
+            <a:extLst>
+              <a:ext uri="{FF2B5EF4-FFF2-40B4-BE49-F238E27FC236}">
+                <a16:creationId xmlns:a16="http://schemas.microsoft.com/office/drawing/2014/main" id="{4152BD2F-2B84-4599-849E-E90BD3F9325F}"/>
+              </a:ext>
+            </a:extLst>
+          </p:cNvPr>
+          <p:cNvSpPr/>
+          <p:nvPr/>
+        </p:nvSpPr>
+        <p:spPr>
+          <a:xfrm>
+            <a:off x="486637" y="3743240"/>
+            <a:ext cx="2387426" cy="872235"/>
+          </a:xfrm>
+          <a:prstGeom prst="roundRect">
+            <a:avLst>
+              <a:gd name="adj" fmla="val 10228"/>
+            </a:avLst>
+          </a:prstGeom>
+        </p:spPr>
+        <p:style>
+          <a:lnRef idx="2">
+            <a:schemeClr val="dk1"/>
+          </a:lnRef>
+          <a:fillRef idx="1">
+            <a:schemeClr val="lt1"/>
+          </a:fillRef>
+          <a:effectRef idx="0">
+            <a:schemeClr val="dk1"/>
+          </a:effectRef>
+          <a:fontRef idx="minor">
+            <a:schemeClr val="dk1"/>
+          </a:fontRef>
+        </p:style>
+        <p:txBody>
+          <a:bodyPr rtlCol="0" anchor="t"/>
+          <a:lstStyle/>
+          <a:p>
+            <a:pPr algn="ctr"/>
+            <a:endParaRPr lang="ko-KR" altLang="en-US" sz="1600"/>
+          </a:p>
+        </p:txBody>
+      </p:sp>
+      <p:grpSp>
+        <p:nvGrpSpPr>
+          <p:cNvPr id="5" name="그룹 4">
+            <a:extLst>
+              <a:ext uri="{FF2B5EF4-FFF2-40B4-BE49-F238E27FC236}">
+                <a16:creationId xmlns:a16="http://schemas.microsoft.com/office/drawing/2014/main" id="{1F53FACC-811D-46FA-AC46-E97E7F0C4660}"/>
+              </a:ext>
+            </a:extLst>
+          </p:cNvPr>
+          <p:cNvGrpSpPr/>
+          <p:nvPr/>
+        </p:nvGrpSpPr>
+        <p:grpSpPr>
+          <a:xfrm>
+            <a:off x="323528" y="3879117"/>
+            <a:ext cx="2387426" cy="872235"/>
+            <a:chOff x="251520" y="3539817"/>
+            <a:chExt cx="2387426" cy="872235"/>
+          </a:xfrm>
+        </p:grpSpPr>
+        <p:sp>
+          <p:nvSpPr>
+            <p:cNvPr id="22" name="사각형: 둥근 모서리 21">
+              <a:extLst>
+                <a:ext uri="{FF2B5EF4-FFF2-40B4-BE49-F238E27FC236}">
+                  <a16:creationId xmlns:a16="http://schemas.microsoft.com/office/drawing/2014/main" id="{491FCF1C-C56A-44AB-9D14-5ACA3E449969}"/>
+                </a:ext>
+              </a:extLst>
+            </p:cNvPr>
+            <p:cNvSpPr/>
+            <p:nvPr/>
+          </p:nvSpPr>
+          <p:spPr>
+            <a:xfrm>
+              <a:off x="251520" y="3539817"/>
+              <a:ext cx="2387426" cy="872235"/>
+            </a:xfrm>
+            <a:prstGeom prst="roundRect">
+              <a:avLst>
+                <a:gd name="adj" fmla="val 10228"/>
+              </a:avLst>
+            </a:prstGeom>
+          </p:spPr>
+          <p:style>
+            <a:lnRef idx="2">
+              <a:schemeClr val="dk1"/>
+            </a:lnRef>
+            <a:fillRef idx="1">
+              <a:schemeClr val="lt1"/>
+            </a:fillRef>
+            <a:effectRef idx="0">
+              <a:schemeClr val="dk1"/>
+            </a:effectRef>
+            <a:fontRef idx="minor">
+              <a:schemeClr val="dk1"/>
+            </a:fontRef>
+          </p:style>
+          <p:txBody>
+            <a:bodyPr rtlCol="0" anchor="t"/>
+            <a:lstStyle/>
+            <a:p>
+              <a:pPr algn="ctr"/>
+              <a:r>
+                <a:rPr lang="en-US" altLang="ko-KR" sz="1600"/>
+                <a:t>Service B</a:t>
+              </a:r>
+              <a:endParaRPr lang="ko-KR" altLang="en-US" sz="1600"/>
+            </a:p>
+          </p:txBody>
+        </p:sp>
+        <p:sp>
+          <p:nvSpPr>
+            <p:cNvPr id="23" name="사각형: 둥근 모서리 22">
+              <a:extLst>
+                <a:ext uri="{FF2B5EF4-FFF2-40B4-BE49-F238E27FC236}">
+                  <a16:creationId xmlns:a16="http://schemas.microsoft.com/office/drawing/2014/main" id="{30E37A94-F886-49B6-A1FF-8F55CA23F78A}"/>
+                </a:ext>
+              </a:extLst>
+            </p:cNvPr>
+            <p:cNvSpPr/>
+            <p:nvPr/>
+          </p:nvSpPr>
+          <p:spPr>
+            <a:xfrm>
+              <a:off x="342049" y="3925850"/>
+              <a:ext cx="735456" cy="379214"/>
+            </a:xfrm>
+            <a:prstGeom prst="roundRect">
+              <a:avLst/>
+            </a:prstGeom>
+          </p:spPr>
+          <p:style>
+            <a:lnRef idx="2">
+              <a:schemeClr val="dk1"/>
+            </a:lnRef>
+            <a:fillRef idx="1">
+              <a:schemeClr val="lt1"/>
+            </a:fillRef>
+            <a:effectRef idx="0">
+              <a:schemeClr val="dk1"/>
+            </a:effectRef>
+            <a:fontRef idx="minor">
+              <a:schemeClr val="dk1"/>
+            </a:fontRef>
+          </p:style>
+          <p:txBody>
+            <a:bodyPr rtlCol="0" anchor="ctr"/>
+            <a:lstStyle/>
+            <a:p>
+              <a:pPr algn="ctr"/>
+              <a:r>
+                <a:rPr lang="en-US" altLang="ko-KR" sz="1200"/>
+                <a:t>Hystrix</a:t>
+              </a:r>
+              <a:endParaRPr lang="ko-KR" altLang="en-US" sz="1200"/>
+            </a:p>
+          </p:txBody>
+        </p:sp>
+        <p:sp>
+          <p:nvSpPr>
+            <p:cNvPr id="30" name="사각형: 둥근 모서리 29">
+              <a:extLst>
+                <a:ext uri="{FF2B5EF4-FFF2-40B4-BE49-F238E27FC236}">
+                  <a16:creationId xmlns:a16="http://schemas.microsoft.com/office/drawing/2014/main" id="{B949564A-DE90-40BE-895C-CC5A3EE6A096}"/>
+                </a:ext>
+              </a:extLst>
+            </p:cNvPr>
+            <p:cNvSpPr/>
+            <p:nvPr/>
+          </p:nvSpPr>
+          <p:spPr>
+            <a:xfrm>
+              <a:off x="1077505" y="3925850"/>
+              <a:ext cx="735456" cy="379214"/>
+            </a:xfrm>
+            <a:prstGeom prst="roundRect">
+              <a:avLst/>
+            </a:prstGeom>
+          </p:spPr>
+          <p:style>
+            <a:lnRef idx="2">
+              <a:schemeClr val="dk1"/>
+            </a:lnRef>
+            <a:fillRef idx="1">
+              <a:schemeClr val="lt1"/>
+            </a:fillRef>
+            <a:effectRef idx="0">
+              <a:schemeClr val="dk1"/>
+            </a:effectRef>
+            <a:fontRef idx="minor">
+              <a:schemeClr val="dk1"/>
+            </a:fontRef>
+          </p:style>
+          <p:txBody>
+            <a:bodyPr rtlCol="0" anchor="ctr"/>
+            <a:lstStyle/>
+            <a:p>
+              <a:pPr algn="ctr"/>
+              <a:r>
+                <a:rPr lang="en-US" altLang="ko-KR" sz="1200"/>
+                <a:t>Ribbon</a:t>
+              </a:r>
+              <a:endParaRPr lang="ko-KR" altLang="en-US" sz="1200"/>
+            </a:p>
+          </p:txBody>
+        </p:sp>
+        <p:sp>
+          <p:nvSpPr>
+            <p:cNvPr id="31" name="사각형: 둥근 모서리 30">
+              <a:extLst>
+                <a:ext uri="{FF2B5EF4-FFF2-40B4-BE49-F238E27FC236}">
+                  <a16:creationId xmlns:a16="http://schemas.microsoft.com/office/drawing/2014/main" id="{FCEBA583-7710-4676-B588-FE115CFFE273}"/>
+                </a:ext>
+              </a:extLst>
+            </p:cNvPr>
+            <p:cNvSpPr/>
+            <p:nvPr/>
+          </p:nvSpPr>
+          <p:spPr>
+            <a:xfrm>
+              <a:off x="1812961" y="3925850"/>
+              <a:ext cx="716276" cy="379214"/>
+            </a:xfrm>
+            <a:prstGeom prst="roundRect">
+              <a:avLst/>
+            </a:prstGeom>
+          </p:spPr>
+          <p:style>
+            <a:lnRef idx="2">
+              <a:schemeClr val="dk1"/>
+            </a:lnRef>
+            <a:fillRef idx="1">
+              <a:schemeClr val="lt1"/>
+            </a:fillRef>
+            <a:effectRef idx="0">
+              <a:schemeClr val="dk1"/>
+            </a:effectRef>
+            <a:fontRef idx="minor">
+              <a:schemeClr val="dk1"/>
+            </a:fontRef>
+          </p:style>
+          <p:txBody>
+            <a:bodyPr rtlCol="0" anchor="ctr"/>
+            <a:lstStyle/>
+            <a:p>
+              <a:pPr algn="ctr"/>
+              <a:r>
+                <a:rPr lang="en-US" altLang="ko-KR" sz="1200"/>
+                <a:t>Eureka</a:t>
+              </a:r>
+            </a:p>
+            <a:p>
+              <a:pPr algn="ctr"/>
+              <a:r>
+                <a:rPr lang="en-US" altLang="ko-KR" sz="1200"/>
+                <a:t>Client</a:t>
+              </a:r>
+              <a:endParaRPr lang="ko-KR" altLang="en-US" sz="1200"/>
+            </a:p>
+          </p:txBody>
+        </p:sp>
+      </p:grpSp>
+      <p:sp>
+        <p:nvSpPr>
+          <p:cNvPr id="60" name="사각형: 둥근 모서리 59">
+            <a:extLst>
+              <a:ext uri="{FF2B5EF4-FFF2-40B4-BE49-F238E27FC236}">
+                <a16:creationId xmlns:a16="http://schemas.microsoft.com/office/drawing/2014/main" id="{14C33DA8-E21F-47AF-8B65-2057EF7628CD}"/>
+              </a:ext>
+            </a:extLst>
+          </p:cNvPr>
+          <p:cNvSpPr/>
+          <p:nvPr/>
+        </p:nvSpPr>
+        <p:spPr>
+          <a:xfrm>
+            <a:off x="3605715" y="3633356"/>
+            <a:ext cx="2387426" cy="872235"/>
+          </a:xfrm>
+          <a:prstGeom prst="roundRect">
+            <a:avLst>
+              <a:gd name="adj" fmla="val 10228"/>
+            </a:avLst>
+          </a:prstGeom>
+        </p:spPr>
+        <p:style>
+          <a:lnRef idx="2">
+            <a:schemeClr val="dk1"/>
+          </a:lnRef>
+          <a:fillRef idx="1">
+            <a:schemeClr val="lt1"/>
+          </a:fillRef>
+          <a:effectRef idx="0">
+            <a:schemeClr val="dk1"/>
+          </a:effectRef>
+          <a:fontRef idx="minor">
+            <a:schemeClr val="dk1"/>
+          </a:fontRef>
+        </p:style>
+        <p:txBody>
+          <a:bodyPr rtlCol="0" anchor="t"/>
+          <a:lstStyle/>
+          <a:p>
+            <a:pPr algn="ctr"/>
+            <a:endParaRPr lang="ko-KR" altLang="en-US" sz="1600"/>
+          </a:p>
+        </p:txBody>
+      </p:sp>
+      <p:sp>
+        <p:nvSpPr>
+          <p:cNvPr id="61" name="사각형: 둥근 모서리 60">
+            <a:extLst>
+              <a:ext uri="{FF2B5EF4-FFF2-40B4-BE49-F238E27FC236}">
+                <a16:creationId xmlns:a16="http://schemas.microsoft.com/office/drawing/2014/main" id="{03EAB744-1D81-40FE-B28B-D56E45770EDC}"/>
+              </a:ext>
+            </a:extLst>
+          </p:cNvPr>
+          <p:cNvSpPr/>
+          <p:nvPr/>
+        </p:nvSpPr>
+        <p:spPr>
+          <a:xfrm>
+            <a:off x="3442606" y="3743240"/>
+            <a:ext cx="2387426" cy="872235"/>
+          </a:xfrm>
+          <a:prstGeom prst="roundRect">
+            <a:avLst>
+              <a:gd name="adj" fmla="val 10228"/>
+            </a:avLst>
+          </a:prstGeom>
+        </p:spPr>
+        <p:style>
+          <a:lnRef idx="2">
+            <a:schemeClr val="dk1"/>
+          </a:lnRef>
+          <a:fillRef idx="1">
+            <a:schemeClr val="lt1"/>
+          </a:fillRef>
+          <a:effectRef idx="0">
+            <a:schemeClr val="dk1"/>
+          </a:effectRef>
+          <a:fontRef idx="minor">
+            <a:schemeClr val="dk1"/>
+          </a:fontRef>
+        </p:style>
+        <p:txBody>
+          <a:bodyPr rtlCol="0" anchor="t"/>
+          <a:lstStyle/>
+          <a:p>
+            <a:pPr algn="ctr"/>
+            <a:endParaRPr lang="ko-KR" altLang="en-US" sz="1600"/>
+          </a:p>
+        </p:txBody>
+      </p:sp>
+      <p:grpSp>
+        <p:nvGrpSpPr>
+          <p:cNvPr id="62" name="그룹 61">
+            <a:extLst>
+              <a:ext uri="{FF2B5EF4-FFF2-40B4-BE49-F238E27FC236}">
+                <a16:creationId xmlns:a16="http://schemas.microsoft.com/office/drawing/2014/main" id="{F340C7CB-F535-4900-9C2A-77E01F457D09}"/>
+              </a:ext>
+            </a:extLst>
+          </p:cNvPr>
+          <p:cNvGrpSpPr/>
+          <p:nvPr/>
+        </p:nvGrpSpPr>
+        <p:grpSpPr>
+          <a:xfrm>
+            <a:off x="3279497" y="3879117"/>
+            <a:ext cx="2387426" cy="872235"/>
+            <a:chOff x="251520" y="3539817"/>
+            <a:chExt cx="2387426" cy="872235"/>
+          </a:xfrm>
+        </p:grpSpPr>
+        <p:sp>
+          <p:nvSpPr>
+            <p:cNvPr id="63" name="사각형: 둥근 모서리 62">
+              <a:extLst>
+                <a:ext uri="{FF2B5EF4-FFF2-40B4-BE49-F238E27FC236}">
+                  <a16:creationId xmlns:a16="http://schemas.microsoft.com/office/drawing/2014/main" id="{C4F1404C-831E-4C56-A361-78744A815200}"/>
+                </a:ext>
+              </a:extLst>
+            </p:cNvPr>
+            <p:cNvSpPr/>
+            <p:nvPr/>
+          </p:nvSpPr>
+          <p:spPr>
+            <a:xfrm>
+              <a:off x="251520" y="3539817"/>
+              <a:ext cx="2387426" cy="872235"/>
+            </a:xfrm>
+            <a:prstGeom prst="roundRect">
+              <a:avLst>
+                <a:gd name="adj" fmla="val 10228"/>
+              </a:avLst>
+            </a:prstGeom>
+          </p:spPr>
+          <p:style>
+            <a:lnRef idx="2">
+              <a:schemeClr val="dk1"/>
+            </a:lnRef>
+            <a:fillRef idx="1">
+              <a:schemeClr val="lt1"/>
+            </a:fillRef>
+            <a:effectRef idx="0">
+              <a:schemeClr val="dk1"/>
+            </a:effectRef>
+            <a:fontRef idx="minor">
+              <a:schemeClr val="dk1"/>
+            </a:fontRef>
+          </p:style>
+          <p:txBody>
+            <a:bodyPr rtlCol="0" anchor="t"/>
+            <a:lstStyle/>
+            <a:p>
+              <a:pPr algn="ctr"/>
+              <a:r>
+                <a:rPr lang="en-US" altLang="ko-KR" sz="1600"/>
+                <a:t>Service C</a:t>
+              </a:r>
+              <a:endParaRPr lang="ko-KR" altLang="en-US" sz="1600"/>
+            </a:p>
+          </p:txBody>
+        </p:sp>
+        <p:sp>
+          <p:nvSpPr>
+            <p:cNvPr id="64" name="사각형: 둥근 모서리 63">
+              <a:extLst>
+                <a:ext uri="{FF2B5EF4-FFF2-40B4-BE49-F238E27FC236}">
+                  <a16:creationId xmlns:a16="http://schemas.microsoft.com/office/drawing/2014/main" id="{7BB63743-7E58-4E24-A4A2-8437E16062D2}"/>
+                </a:ext>
+              </a:extLst>
+            </p:cNvPr>
+            <p:cNvSpPr/>
+            <p:nvPr/>
+          </p:nvSpPr>
+          <p:spPr>
+            <a:xfrm>
+              <a:off x="342049" y="3925850"/>
+              <a:ext cx="735456" cy="379214"/>
+            </a:xfrm>
+            <a:prstGeom prst="roundRect">
+              <a:avLst/>
+            </a:prstGeom>
+          </p:spPr>
+          <p:style>
+            <a:lnRef idx="2">
+              <a:schemeClr val="dk1"/>
+            </a:lnRef>
+            <a:fillRef idx="1">
+              <a:schemeClr val="lt1"/>
+            </a:fillRef>
+            <a:effectRef idx="0">
+              <a:schemeClr val="dk1"/>
+            </a:effectRef>
+            <a:fontRef idx="minor">
+              <a:schemeClr val="dk1"/>
+            </a:fontRef>
+          </p:style>
+          <p:txBody>
+            <a:bodyPr rtlCol="0" anchor="ctr"/>
+            <a:lstStyle/>
+            <a:p>
+              <a:pPr algn="ctr"/>
+              <a:r>
+                <a:rPr lang="en-US" altLang="ko-KR" sz="1200"/>
+                <a:t>Hystrix</a:t>
+              </a:r>
+              <a:endParaRPr lang="ko-KR" altLang="en-US" sz="1200"/>
+            </a:p>
+          </p:txBody>
+        </p:sp>
+        <p:sp>
+          <p:nvSpPr>
+            <p:cNvPr id="65" name="사각형: 둥근 모서리 64">
+              <a:extLst>
+                <a:ext uri="{FF2B5EF4-FFF2-40B4-BE49-F238E27FC236}">
+                  <a16:creationId xmlns:a16="http://schemas.microsoft.com/office/drawing/2014/main" id="{1092EA84-6643-4344-949B-B4C4C04A5CAE}"/>
+                </a:ext>
+              </a:extLst>
+            </p:cNvPr>
+            <p:cNvSpPr/>
+            <p:nvPr/>
+          </p:nvSpPr>
+          <p:spPr>
+            <a:xfrm>
+              <a:off x="1077505" y="3925850"/>
+              <a:ext cx="735456" cy="379214"/>
+            </a:xfrm>
+            <a:prstGeom prst="roundRect">
+              <a:avLst/>
+            </a:prstGeom>
+          </p:spPr>
+          <p:style>
+            <a:lnRef idx="2">
+              <a:schemeClr val="dk1"/>
+            </a:lnRef>
+            <a:fillRef idx="1">
+              <a:schemeClr val="lt1"/>
+            </a:fillRef>
+            <a:effectRef idx="0">
+              <a:schemeClr val="dk1"/>
+            </a:effectRef>
+            <a:fontRef idx="minor">
+              <a:schemeClr val="dk1"/>
+            </a:fontRef>
+          </p:style>
+          <p:txBody>
+            <a:bodyPr rtlCol="0" anchor="ctr"/>
+            <a:lstStyle/>
+            <a:p>
+              <a:pPr algn="ctr"/>
+              <a:r>
+                <a:rPr lang="en-US" altLang="ko-KR" sz="1200"/>
+                <a:t>Ribbon</a:t>
+              </a:r>
+              <a:endParaRPr lang="ko-KR" altLang="en-US" sz="1200"/>
+            </a:p>
+          </p:txBody>
+        </p:sp>
+        <p:sp>
+          <p:nvSpPr>
+            <p:cNvPr id="66" name="사각형: 둥근 모서리 65">
+              <a:extLst>
+                <a:ext uri="{FF2B5EF4-FFF2-40B4-BE49-F238E27FC236}">
+                  <a16:creationId xmlns:a16="http://schemas.microsoft.com/office/drawing/2014/main" id="{AE674D97-06E5-4D79-8FB4-D9EC677AFAF7}"/>
+                </a:ext>
+              </a:extLst>
+            </p:cNvPr>
+            <p:cNvSpPr/>
+            <p:nvPr/>
+          </p:nvSpPr>
+          <p:spPr>
+            <a:xfrm>
+              <a:off x="1812961" y="3925850"/>
+              <a:ext cx="716276" cy="379214"/>
+            </a:xfrm>
+            <a:prstGeom prst="roundRect">
+              <a:avLst/>
+            </a:prstGeom>
+          </p:spPr>
+          <p:style>
+            <a:lnRef idx="2">
+              <a:schemeClr val="dk1"/>
+            </a:lnRef>
+            <a:fillRef idx="1">
+              <a:schemeClr val="lt1"/>
+            </a:fillRef>
+            <a:effectRef idx="0">
+              <a:schemeClr val="dk1"/>
+            </a:effectRef>
+            <a:fontRef idx="minor">
+              <a:schemeClr val="dk1"/>
+            </a:fontRef>
+          </p:style>
+          <p:txBody>
+            <a:bodyPr rtlCol="0" anchor="ctr"/>
+            <a:lstStyle/>
+            <a:p>
+              <a:pPr algn="ctr"/>
+              <a:r>
+                <a:rPr lang="en-US" altLang="ko-KR" sz="1200"/>
+                <a:t>Eureka</a:t>
+              </a:r>
+            </a:p>
+            <a:p>
+              <a:pPr algn="ctr"/>
+              <a:r>
+                <a:rPr lang="en-US" altLang="ko-KR" sz="1200"/>
+                <a:t>Client</a:t>
+              </a:r>
+              <a:endParaRPr lang="ko-KR" altLang="en-US" sz="1200"/>
+            </a:p>
+          </p:txBody>
+        </p:sp>
+      </p:grpSp>
+      <p:sp>
+        <p:nvSpPr>
+          <p:cNvPr id="68" name="사각형: 둥근 모서리 67">
+            <a:extLst>
+              <a:ext uri="{FF2B5EF4-FFF2-40B4-BE49-F238E27FC236}">
+                <a16:creationId xmlns:a16="http://schemas.microsoft.com/office/drawing/2014/main" id="{C384A5D7-9AEF-40E5-A846-5F5003C763C7}"/>
+              </a:ext>
+            </a:extLst>
+          </p:cNvPr>
+          <p:cNvSpPr/>
+          <p:nvPr/>
+        </p:nvSpPr>
+        <p:spPr>
+          <a:xfrm>
+            <a:off x="6398575" y="3671232"/>
+            <a:ext cx="2387426" cy="872235"/>
+          </a:xfrm>
+          <a:prstGeom prst="roundRect">
+            <a:avLst>
+              <a:gd name="adj" fmla="val 10228"/>
+            </a:avLst>
+          </a:prstGeom>
+        </p:spPr>
+        <p:style>
+          <a:lnRef idx="2">
+            <a:schemeClr val="dk1"/>
+          </a:lnRef>
+          <a:fillRef idx="1">
+            <a:schemeClr val="lt1"/>
+          </a:fillRef>
+          <a:effectRef idx="0">
+            <a:schemeClr val="dk1"/>
+          </a:effectRef>
+          <a:fontRef idx="minor">
+            <a:schemeClr val="dk1"/>
+          </a:fontRef>
+        </p:style>
+        <p:txBody>
+          <a:bodyPr rtlCol="0" anchor="t"/>
+          <a:lstStyle/>
+          <a:p>
+            <a:pPr algn="ctr"/>
+            <a:endParaRPr lang="ko-KR" altLang="en-US" sz="1600"/>
+          </a:p>
+        </p:txBody>
+      </p:sp>
+      <p:grpSp>
+        <p:nvGrpSpPr>
+          <p:cNvPr id="69" name="그룹 68">
+            <a:extLst>
+              <a:ext uri="{FF2B5EF4-FFF2-40B4-BE49-F238E27FC236}">
+                <a16:creationId xmlns:a16="http://schemas.microsoft.com/office/drawing/2014/main" id="{50ADF1D7-B681-4164-ACA6-F136DDD604E9}"/>
+              </a:ext>
+            </a:extLst>
+          </p:cNvPr>
+          <p:cNvGrpSpPr/>
+          <p:nvPr/>
+        </p:nvGrpSpPr>
+        <p:grpSpPr>
+          <a:xfrm>
+            <a:off x="6235466" y="3807109"/>
+            <a:ext cx="2387426" cy="872235"/>
+            <a:chOff x="251520" y="3539817"/>
+            <a:chExt cx="2387426" cy="872235"/>
+          </a:xfrm>
+        </p:grpSpPr>
+        <p:sp>
+          <p:nvSpPr>
+            <p:cNvPr id="70" name="사각형: 둥근 모서리 69">
+              <a:extLst>
+                <a:ext uri="{FF2B5EF4-FFF2-40B4-BE49-F238E27FC236}">
+                  <a16:creationId xmlns:a16="http://schemas.microsoft.com/office/drawing/2014/main" id="{DCFFE4A4-0E7A-4458-8259-3F8C89EB7C20}"/>
+                </a:ext>
+              </a:extLst>
+            </p:cNvPr>
+            <p:cNvSpPr/>
+            <p:nvPr/>
+          </p:nvSpPr>
+          <p:spPr>
+            <a:xfrm>
+              <a:off x="251520" y="3539817"/>
+              <a:ext cx="2387426" cy="872235"/>
+            </a:xfrm>
+            <a:prstGeom prst="roundRect">
+              <a:avLst>
+                <a:gd name="adj" fmla="val 10228"/>
+              </a:avLst>
+            </a:prstGeom>
+          </p:spPr>
+          <p:style>
+            <a:lnRef idx="2">
+              <a:schemeClr val="dk1"/>
+            </a:lnRef>
+            <a:fillRef idx="1">
+              <a:schemeClr val="lt1"/>
+            </a:fillRef>
+            <a:effectRef idx="0">
+              <a:schemeClr val="dk1"/>
+            </a:effectRef>
+            <a:fontRef idx="minor">
+              <a:schemeClr val="dk1"/>
+            </a:fontRef>
+          </p:style>
+          <p:txBody>
+            <a:bodyPr rtlCol="0" anchor="t"/>
+            <a:lstStyle/>
+            <a:p>
+              <a:pPr algn="ctr"/>
+              <a:r>
+                <a:rPr lang="en-US" altLang="ko-KR" sz="1600"/>
+                <a:t>Service D</a:t>
+              </a:r>
+              <a:endParaRPr lang="ko-KR" altLang="en-US" sz="1600"/>
+            </a:p>
+          </p:txBody>
+        </p:sp>
+        <p:sp>
+          <p:nvSpPr>
+            <p:cNvPr id="71" name="사각형: 둥근 모서리 70">
+              <a:extLst>
+                <a:ext uri="{FF2B5EF4-FFF2-40B4-BE49-F238E27FC236}">
+                  <a16:creationId xmlns:a16="http://schemas.microsoft.com/office/drawing/2014/main" id="{683BEDA6-BA14-4964-B3AD-60C4606285C9}"/>
+                </a:ext>
+              </a:extLst>
+            </p:cNvPr>
+            <p:cNvSpPr/>
+            <p:nvPr/>
+          </p:nvSpPr>
+          <p:spPr>
+            <a:xfrm>
+              <a:off x="342049" y="3925850"/>
+              <a:ext cx="735456" cy="379214"/>
+            </a:xfrm>
+            <a:prstGeom prst="roundRect">
+              <a:avLst/>
+            </a:prstGeom>
+          </p:spPr>
+          <p:style>
+            <a:lnRef idx="2">
+              <a:schemeClr val="dk1"/>
+            </a:lnRef>
+            <a:fillRef idx="1">
+              <a:schemeClr val="lt1"/>
+            </a:fillRef>
+            <a:effectRef idx="0">
+              <a:schemeClr val="dk1"/>
+            </a:effectRef>
+            <a:fontRef idx="minor">
+              <a:schemeClr val="dk1"/>
+            </a:fontRef>
+          </p:style>
+          <p:txBody>
+            <a:bodyPr rtlCol="0" anchor="ctr"/>
+            <a:lstStyle/>
+            <a:p>
+              <a:pPr algn="ctr"/>
+              <a:r>
+                <a:rPr lang="en-US" altLang="ko-KR" sz="1200"/>
+                <a:t>Hystrix</a:t>
+              </a:r>
+              <a:endParaRPr lang="ko-KR" altLang="en-US" sz="1200"/>
+            </a:p>
+          </p:txBody>
+        </p:sp>
+        <p:sp>
+          <p:nvSpPr>
+            <p:cNvPr id="72" name="사각형: 둥근 모서리 71">
+              <a:extLst>
+                <a:ext uri="{FF2B5EF4-FFF2-40B4-BE49-F238E27FC236}">
+                  <a16:creationId xmlns:a16="http://schemas.microsoft.com/office/drawing/2014/main" id="{68FFDA62-C3D8-4296-AAD7-5281FE2AE313}"/>
+                </a:ext>
+              </a:extLst>
+            </p:cNvPr>
+            <p:cNvSpPr/>
+            <p:nvPr/>
+          </p:nvSpPr>
+          <p:spPr>
+            <a:xfrm>
+              <a:off x="1077505" y="3925850"/>
+              <a:ext cx="735456" cy="379214"/>
+            </a:xfrm>
+            <a:prstGeom prst="roundRect">
+              <a:avLst/>
+            </a:prstGeom>
+          </p:spPr>
+          <p:style>
+            <a:lnRef idx="2">
+              <a:schemeClr val="dk1"/>
+            </a:lnRef>
+            <a:fillRef idx="1">
+              <a:schemeClr val="lt1"/>
+            </a:fillRef>
+            <a:effectRef idx="0">
+              <a:schemeClr val="dk1"/>
+            </a:effectRef>
+            <a:fontRef idx="minor">
+              <a:schemeClr val="dk1"/>
+            </a:fontRef>
+          </p:style>
+          <p:txBody>
+            <a:bodyPr rtlCol="0" anchor="ctr"/>
+            <a:lstStyle/>
+            <a:p>
+              <a:pPr algn="ctr"/>
+              <a:r>
+                <a:rPr lang="en-US" altLang="ko-KR" sz="1200"/>
+                <a:t>Ribbon</a:t>
+              </a:r>
+              <a:endParaRPr lang="ko-KR" altLang="en-US" sz="1200"/>
+            </a:p>
+          </p:txBody>
+        </p:sp>
+        <p:sp>
+          <p:nvSpPr>
+            <p:cNvPr id="73" name="사각형: 둥근 모서리 72">
+              <a:extLst>
+                <a:ext uri="{FF2B5EF4-FFF2-40B4-BE49-F238E27FC236}">
+                  <a16:creationId xmlns:a16="http://schemas.microsoft.com/office/drawing/2014/main" id="{D455DF2B-104E-488D-9C04-83858EA686DF}"/>
+                </a:ext>
+              </a:extLst>
+            </p:cNvPr>
+            <p:cNvSpPr/>
+            <p:nvPr/>
+          </p:nvSpPr>
+          <p:spPr>
+            <a:xfrm>
+              <a:off x="1812961" y="3925850"/>
+              <a:ext cx="716276" cy="379214"/>
+            </a:xfrm>
+            <a:prstGeom prst="roundRect">
+              <a:avLst/>
+            </a:prstGeom>
+          </p:spPr>
+          <p:style>
+            <a:lnRef idx="2">
+              <a:schemeClr val="dk1"/>
+            </a:lnRef>
+            <a:fillRef idx="1">
+              <a:schemeClr val="lt1"/>
+            </a:fillRef>
+            <a:effectRef idx="0">
+              <a:schemeClr val="dk1"/>
+            </a:effectRef>
+            <a:fontRef idx="minor">
+              <a:schemeClr val="dk1"/>
+            </a:fontRef>
+          </p:style>
+          <p:txBody>
+            <a:bodyPr rtlCol="0" anchor="ctr"/>
+            <a:lstStyle/>
+            <a:p>
+              <a:pPr algn="ctr"/>
+              <a:r>
+                <a:rPr lang="en-US" altLang="ko-KR" sz="1200"/>
+                <a:t>Eureka</a:t>
+              </a:r>
+            </a:p>
+            <a:p>
+              <a:pPr algn="ctr"/>
+              <a:r>
+                <a:rPr lang="en-US" altLang="ko-KR" sz="1200"/>
+                <a:t>Client</a:t>
+              </a:r>
+              <a:endParaRPr lang="ko-KR" altLang="en-US" sz="1200"/>
+            </a:p>
+          </p:txBody>
+        </p:sp>
+      </p:grpSp>
+      <p:cxnSp>
+        <p:nvCxnSpPr>
+          <p:cNvPr id="10" name="직선 화살표 연결선 9">
+            <a:extLst>
+              <a:ext uri="{FF2B5EF4-FFF2-40B4-BE49-F238E27FC236}">
+                <a16:creationId xmlns:a16="http://schemas.microsoft.com/office/drawing/2014/main" id="{1A3B3FEF-42BE-41C0-891B-86519AED651D}"/>
+              </a:ext>
+            </a:extLst>
+          </p:cNvPr>
+          <p:cNvCxnSpPr>
+            <a:stCxn id="57" idx="2"/>
+            <a:endCxn id="51" idx="0"/>
+          </p:cNvCxnSpPr>
+          <p:nvPr/>
+        </p:nvCxnSpPr>
+        <p:spPr>
+          <a:xfrm flipH="1">
+            <a:off x="2885393" y="1689140"/>
+            <a:ext cx="132853" cy="639933"/>
+          </a:xfrm>
+          <a:prstGeom prst="straightConnector1">
+            <a:avLst/>
+          </a:prstGeom>
+          <a:ln w="28575">
+            <a:solidFill>
+              <a:schemeClr val="tx1"/>
+            </a:solidFill>
+            <a:headEnd type="none" w="med" len="med"/>
+            <a:tailEnd type="arrow" w="med" len="med"/>
+          </a:ln>
+        </p:spPr>
+        <p:style>
+          <a:lnRef idx="1">
+            <a:schemeClr val="accent1"/>
+          </a:lnRef>
+          <a:fillRef idx="0">
+            <a:schemeClr val="accent1"/>
+          </a:fillRef>
+          <a:effectRef idx="0">
+            <a:schemeClr val="accent1"/>
+          </a:effectRef>
+          <a:fontRef idx="minor">
+            <a:schemeClr val="tx1"/>
+          </a:fontRef>
+        </p:style>
+      </p:cxnSp>
+      <p:cxnSp>
+        <p:nvCxnSpPr>
+          <p:cNvPr id="40" name="직선 화살표 연결선 39">
+            <a:extLst>
+              <a:ext uri="{FF2B5EF4-FFF2-40B4-BE49-F238E27FC236}">
+                <a16:creationId xmlns:a16="http://schemas.microsoft.com/office/drawing/2014/main" id="{A990C4FE-C4BB-434D-A321-CA161F0561B5}"/>
+              </a:ext>
+            </a:extLst>
+          </p:cNvPr>
+          <p:cNvCxnSpPr>
+            <a:cxnSpLocks/>
+            <a:endCxn id="57" idx="0"/>
+          </p:cNvCxnSpPr>
+          <p:nvPr/>
+        </p:nvCxnSpPr>
+        <p:spPr>
+          <a:xfrm>
+            <a:off x="3018246" y="915566"/>
+            <a:ext cx="0" cy="269518"/>
+          </a:xfrm>
+          <a:prstGeom prst="straightConnector1">
+            <a:avLst/>
+          </a:prstGeom>
+          <a:ln w="28575">
+            <a:solidFill>
+              <a:schemeClr val="tx1"/>
+            </a:solidFill>
+            <a:headEnd type="none" w="med" len="med"/>
+            <a:tailEnd type="arrow" w="med" len="med"/>
+          </a:ln>
+        </p:spPr>
+        <p:style>
+          <a:lnRef idx="1">
+            <a:schemeClr val="accent1"/>
+          </a:lnRef>
+          <a:fillRef idx="0">
+            <a:schemeClr val="accent1"/>
+          </a:fillRef>
+          <a:effectRef idx="0">
+            <a:schemeClr val="accent1"/>
+          </a:effectRef>
+          <a:fontRef idx="minor">
+            <a:schemeClr val="tx1"/>
+          </a:fontRef>
+        </p:style>
+      </p:cxnSp>
+      <p:sp>
+        <p:nvSpPr>
+          <p:cNvPr id="80" name="사각형: 둥근 모서리 79">
+            <a:extLst>
+              <a:ext uri="{FF2B5EF4-FFF2-40B4-BE49-F238E27FC236}">
+                <a16:creationId xmlns:a16="http://schemas.microsoft.com/office/drawing/2014/main" id="{C909777C-553A-4F6C-8504-598EEE895178}"/>
+              </a:ext>
+            </a:extLst>
+          </p:cNvPr>
+          <p:cNvSpPr/>
+          <p:nvPr/>
+        </p:nvSpPr>
+        <p:spPr>
+          <a:xfrm>
+            <a:off x="5292080" y="915566"/>
+            <a:ext cx="1615894" cy="872235"/>
+          </a:xfrm>
+          <a:prstGeom prst="roundRect">
+            <a:avLst>
+              <a:gd name="adj" fmla="val 10228"/>
+            </a:avLst>
+          </a:prstGeom>
+        </p:spPr>
+        <p:style>
+          <a:lnRef idx="2">
+            <a:schemeClr val="dk1"/>
+          </a:lnRef>
+          <a:fillRef idx="1">
+            <a:schemeClr val="lt1"/>
+          </a:fillRef>
+          <a:effectRef idx="0">
+            <a:schemeClr val="dk1"/>
+          </a:effectRef>
+          <a:fontRef idx="minor">
+            <a:schemeClr val="dk1"/>
+          </a:fontRef>
+        </p:style>
+        <p:txBody>
+          <a:bodyPr rtlCol="0" anchor="t"/>
+          <a:lstStyle/>
+          <a:p>
+            <a:pPr algn="ctr"/>
+            <a:endParaRPr lang="ko-KR" altLang="en-US" sz="1600"/>
+          </a:p>
+        </p:txBody>
+      </p:sp>
+      <p:grpSp>
+        <p:nvGrpSpPr>
+          <p:cNvPr id="81" name="그룹 80">
+            <a:extLst>
+              <a:ext uri="{FF2B5EF4-FFF2-40B4-BE49-F238E27FC236}">
+                <a16:creationId xmlns:a16="http://schemas.microsoft.com/office/drawing/2014/main" id="{A1CB4381-228B-498B-93B4-44627EC5084B}"/>
+              </a:ext>
+            </a:extLst>
+          </p:cNvPr>
+          <p:cNvGrpSpPr/>
+          <p:nvPr/>
+        </p:nvGrpSpPr>
+        <p:grpSpPr>
+          <a:xfrm>
+            <a:off x="5220072" y="1051444"/>
+            <a:ext cx="1569612" cy="872235"/>
+            <a:chOff x="3673601" y="2355726"/>
+            <a:chExt cx="1569612" cy="872235"/>
+          </a:xfrm>
+        </p:grpSpPr>
+        <p:sp>
+          <p:nvSpPr>
+            <p:cNvPr id="82" name="사각형: 둥근 모서리 81">
+              <a:extLst>
+                <a:ext uri="{FF2B5EF4-FFF2-40B4-BE49-F238E27FC236}">
+                  <a16:creationId xmlns:a16="http://schemas.microsoft.com/office/drawing/2014/main" id="{99D3A278-5CA5-4928-9BF3-2F50583C6188}"/>
+                </a:ext>
+              </a:extLst>
+            </p:cNvPr>
+            <p:cNvSpPr/>
+            <p:nvPr/>
+          </p:nvSpPr>
+          <p:spPr>
+            <a:xfrm>
+              <a:off x="3673601" y="2355726"/>
+              <a:ext cx="1569612" cy="872235"/>
+            </a:xfrm>
+            <a:prstGeom prst="roundRect">
+              <a:avLst>
+                <a:gd name="adj" fmla="val 10228"/>
+              </a:avLst>
+            </a:prstGeom>
+          </p:spPr>
+          <p:style>
+            <a:lnRef idx="2">
+              <a:schemeClr val="dk1"/>
+            </a:lnRef>
+            <a:fillRef idx="1">
+              <a:schemeClr val="lt1"/>
+            </a:fillRef>
+            <a:effectRef idx="0">
+              <a:schemeClr val="dk1"/>
+            </a:effectRef>
+            <a:fontRef idx="minor">
+              <a:schemeClr val="dk1"/>
+            </a:fontRef>
+          </p:style>
+          <p:txBody>
+            <a:bodyPr rtlCol="0" anchor="t"/>
+            <a:lstStyle/>
+            <a:p>
+              <a:pPr algn="ctr"/>
+              <a:r>
+                <a:rPr lang="en-US" altLang="ko-KR" sz="1600"/>
+                <a:t>Eureka Server</a:t>
+              </a:r>
+              <a:endParaRPr lang="ko-KR" altLang="en-US" sz="1600"/>
+            </a:p>
+          </p:txBody>
+        </p:sp>
+        <p:sp>
+          <p:nvSpPr>
+            <p:cNvPr id="83" name="사각형: 둥근 모서리 82">
+              <a:extLst>
+                <a:ext uri="{FF2B5EF4-FFF2-40B4-BE49-F238E27FC236}">
+                  <a16:creationId xmlns:a16="http://schemas.microsoft.com/office/drawing/2014/main" id="{3AD21C05-73D1-4C98-8902-EF9D384A250C}"/>
+                </a:ext>
+              </a:extLst>
+            </p:cNvPr>
+            <p:cNvSpPr/>
+            <p:nvPr/>
+          </p:nvSpPr>
+          <p:spPr>
+            <a:xfrm>
+              <a:off x="4100269" y="2741759"/>
+              <a:ext cx="716276" cy="379214"/>
+            </a:xfrm>
+            <a:prstGeom prst="roundRect">
+              <a:avLst/>
+            </a:prstGeom>
+          </p:spPr>
+          <p:style>
+            <a:lnRef idx="2">
+              <a:schemeClr val="dk1"/>
+            </a:lnRef>
+            <a:fillRef idx="1">
+              <a:schemeClr val="lt1"/>
+            </a:fillRef>
+            <a:effectRef idx="0">
+              <a:schemeClr val="dk1"/>
+            </a:effectRef>
+            <a:fontRef idx="minor">
+              <a:schemeClr val="dk1"/>
+            </a:fontRef>
+          </p:style>
+          <p:txBody>
+            <a:bodyPr rtlCol="0" anchor="ctr"/>
+            <a:lstStyle/>
+            <a:p>
+              <a:pPr algn="ctr"/>
+              <a:r>
+                <a:rPr lang="en-US" altLang="ko-KR" sz="1200"/>
+                <a:t>Eureka</a:t>
+              </a:r>
+            </a:p>
+            <a:p>
+              <a:pPr algn="ctr"/>
+              <a:r>
+                <a:rPr lang="en-US" altLang="ko-KR" sz="1200"/>
+                <a:t>Client</a:t>
+              </a:r>
+              <a:endParaRPr lang="ko-KR" altLang="en-US" sz="1200"/>
+            </a:p>
+          </p:txBody>
+        </p:sp>
+      </p:grpSp>
+      <p:sp>
+        <p:nvSpPr>
+          <p:cNvPr id="85" name="사각형: 둥근 모서리 84">
+            <a:extLst>
+              <a:ext uri="{FF2B5EF4-FFF2-40B4-BE49-F238E27FC236}">
+                <a16:creationId xmlns:a16="http://schemas.microsoft.com/office/drawing/2014/main" id="{4B08174F-60F1-4777-8D29-CE8097D84DF9}"/>
+              </a:ext>
+            </a:extLst>
+          </p:cNvPr>
+          <p:cNvSpPr/>
+          <p:nvPr/>
+        </p:nvSpPr>
+        <p:spPr>
+          <a:xfrm>
+            <a:off x="5599205" y="2193195"/>
+            <a:ext cx="2387426" cy="872235"/>
+          </a:xfrm>
+          <a:prstGeom prst="roundRect">
+            <a:avLst>
+              <a:gd name="adj" fmla="val 10228"/>
+            </a:avLst>
+          </a:prstGeom>
+        </p:spPr>
+        <p:style>
+          <a:lnRef idx="2">
+            <a:schemeClr val="dk1"/>
+          </a:lnRef>
+          <a:fillRef idx="1">
+            <a:schemeClr val="lt1"/>
+          </a:fillRef>
+          <a:effectRef idx="0">
+            <a:schemeClr val="dk1"/>
+          </a:effectRef>
+          <a:fontRef idx="minor">
+            <a:schemeClr val="dk1"/>
+          </a:fontRef>
+        </p:style>
+        <p:txBody>
+          <a:bodyPr rtlCol="0" anchor="t"/>
+          <a:lstStyle/>
+          <a:p>
+            <a:pPr algn="ctr"/>
+            <a:endParaRPr lang="ko-KR" altLang="en-US" sz="1600"/>
+          </a:p>
+        </p:txBody>
+      </p:sp>
+      <p:grpSp>
+        <p:nvGrpSpPr>
+          <p:cNvPr id="86" name="그룹 85">
+            <a:extLst>
+              <a:ext uri="{FF2B5EF4-FFF2-40B4-BE49-F238E27FC236}">
+                <a16:creationId xmlns:a16="http://schemas.microsoft.com/office/drawing/2014/main" id="{CE28DD76-4147-4BE8-9B94-5379E8A4B6E7}"/>
+              </a:ext>
+            </a:extLst>
+          </p:cNvPr>
+          <p:cNvGrpSpPr/>
+          <p:nvPr/>
+        </p:nvGrpSpPr>
+        <p:grpSpPr>
+          <a:xfrm>
+            <a:off x="5436096" y="2329072"/>
+            <a:ext cx="2387426" cy="872235"/>
+            <a:chOff x="251520" y="3539817"/>
+            <a:chExt cx="2387426" cy="872235"/>
+          </a:xfrm>
+        </p:grpSpPr>
+        <p:sp>
+          <p:nvSpPr>
+            <p:cNvPr id="87" name="사각형: 둥근 모서리 86">
+              <a:extLst>
+                <a:ext uri="{FF2B5EF4-FFF2-40B4-BE49-F238E27FC236}">
+                  <a16:creationId xmlns:a16="http://schemas.microsoft.com/office/drawing/2014/main" id="{C0A514A0-FCB8-413B-80F3-80B259ED31CC}"/>
+                </a:ext>
+              </a:extLst>
+            </p:cNvPr>
+            <p:cNvSpPr/>
+            <p:nvPr/>
+          </p:nvSpPr>
+          <p:spPr>
+            <a:xfrm>
+              <a:off x="251520" y="3539817"/>
+              <a:ext cx="2387426" cy="872235"/>
+            </a:xfrm>
+            <a:prstGeom prst="roundRect">
+              <a:avLst>
+                <a:gd name="adj" fmla="val 10228"/>
+              </a:avLst>
+            </a:prstGeom>
+          </p:spPr>
+          <p:style>
+            <a:lnRef idx="2">
+              <a:schemeClr val="dk1"/>
+            </a:lnRef>
+            <a:fillRef idx="1">
+              <a:schemeClr val="lt1"/>
+            </a:fillRef>
+            <a:effectRef idx="0">
+              <a:schemeClr val="dk1"/>
+            </a:effectRef>
+            <a:fontRef idx="minor">
+              <a:schemeClr val="dk1"/>
+            </a:fontRef>
+          </p:style>
+          <p:txBody>
+            <a:bodyPr rtlCol="0" anchor="t"/>
+            <a:lstStyle/>
+            <a:p>
+              <a:pPr algn="ctr"/>
+              <a:r>
+                <a:rPr lang="en-US" altLang="ko-KR" sz="1600"/>
+                <a:t>Service A</a:t>
+              </a:r>
+              <a:endParaRPr lang="ko-KR" altLang="en-US" sz="1600"/>
+            </a:p>
+          </p:txBody>
+        </p:sp>
+        <p:sp>
+          <p:nvSpPr>
+            <p:cNvPr id="88" name="사각형: 둥근 모서리 87">
+              <a:extLst>
+                <a:ext uri="{FF2B5EF4-FFF2-40B4-BE49-F238E27FC236}">
+                  <a16:creationId xmlns:a16="http://schemas.microsoft.com/office/drawing/2014/main" id="{1B88D5FA-5E3B-467A-89DA-36F6094334BB}"/>
+                </a:ext>
+              </a:extLst>
+            </p:cNvPr>
+            <p:cNvSpPr/>
+            <p:nvPr/>
+          </p:nvSpPr>
+          <p:spPr>
+            <a:xfrm>
+              <a:off x="342049" y="3925850"/>
+              <a:ext cx="735456" cy="379214"/>
+            </a:xfrm>
+            <a:prstGeom prst="roundRect">
+              <a:avLst/>
+            </a:prstGeom>
+          </p:spPr>
+          <p:style>
+            <a:lnRef idx="2">
+              <a:schemeClr val="dk1"/>
+            </a:lnRef>
+            <a:fillRef idx="1">
+              <a:schemeClr val="lt1"/>
+            </a:fillRef>
+            <a:effectRef idx="0">
+              <a:schemeClr val="dk1"/>
+            </a:effectRef>
+            <a:fontRef idx="minor">
+              <a:schemeClr val="dk1"/>
+            </a:fontRef>
+          </p:style>
+          <p:txBody>
+            <a:bodyPr rtlCol="0" anchor="ctr"/>
+            <a:lstStyle/>
+            <a:p>
+              <a:pPr algn="ctr"/>
+              <a:r>
+                <a:rPr lang="en-US" altLang="ko-KR" sz="1200"/>
+                <a:t>Hystrix</a:t>
+              </a:r>
+              <a:endParaRPr lang="ko-KR" altLang="en-US" sz="1200"/>
+            </a:p>
+          </p:txBody>
+        </p:sp>
+        <p:sp>
+          <p:nvSpPr>
+            <p:cNvPr id="89" name="사각형: 둥근 모서리 88">
+              <a:extLst>
+                <a:ext uri="{FF2B5EF4-FFF2-40B4-BE49-F238E27FC236}">
+                  <a16:creationId xmlns:a16="http://schemas.microsoft.com/office/drawing/2014/main" id="{05D675A6-6605-445A-9DE5-95235614921D}"/>
+                </a:ext>
+              </a:extLst>
+            </p:cNvPr>
+            <p:cNvSpPr/>
+            <p:nvPr/>
+          </p:nvSpPr>
+          <p:spPr>
+            <a:xfrm>
+              <a:off x="1077505" y="3925850"/>
+              <a:ext cx="735456" cy="379214"/>
+            </a:xfrm>
+            <a:prstGeom prst="roundRect">
+              <a:avLst/>
+            </a:prstGeom>
+          </p:spPr>
+          <p:style>
+            <a:lnRef idx="2">
+              <a:schemeClr val="dk1"/>
+            </a:lnRef>
+            <a:fillRef idx="1">
+              <a:schemeClr val="lt1"/>
+            </a:fillRef>
+            <a:effectRef idx="0">
+              <a:schemeClr val="dk1"/>
+            </a:effectRef>
+            <a:fontRef idx="minor">
+              <a:schemeClr val="dk1"/>
+            </a:fontRef>
+          </p:style>
+          <p:txBody>
+            <a:bodyPr rtlCol="0" anchor="ctr"/>
+            <a:lstStyle/>
+            <a:p>
+              <a:pPr algn="ctr"/>
+              <a:r>
+                <a:rPr lang="en-US" altLang="ko-KR" sz="1200"/>
+                <a:t>Ribbon</a:t>
+              </a:r>
+              <a:endParaRPr lang="ko-KR" altLang="en-US" sz="1200"/>
+            </a:p>
+          </p:txBody>
+        </p:sp>
+        <p:sp>
+          <p:nvSpPr>
+            <p:cNvPr id="90" name="사각형: 둥근 모서리 89">
+              <a:extLst>
+                <a:ext uri="{FF2B5EF4-FFF2-40B4-BE49-F238E27FC236}">
+                  <a16:creationId xmlns:a16="http://schemas.microsoft.com/office/drawing/2014/main" id="{D8E8AA1C-6872-4C40-B1BD-65F384BC0E3C}"/>
+                </a:ext>
+              </a:extLst>
+            </p:cNvPr>
+            <p:cNvSpPr/>
+            <p:nvPr/>
+          </p:nvSpPr>
+          <p:spPr>
+            <a:xfrm>
+              <a:off x="1812961" y="3925850"/>
+              <a:ext cx="716276" cy="379214"/>
+            </a:xfrm>
+            <a:prstGeom prst="roundRect">
+              <a:avLst/>
+            </a:prstGeom>
+          </p:spPr>
+          <p:style>
+            <a:lnRef idx="2">
+              <a:schemeClr val="dk1"/>
+            </a:lnRef>
+            <a:fillRef idx="1">
+              <a:schemeClr val="lt1"/>
+            </a:fillRef>
+            <a:effectRef idx="0">
+              <a:schemeClr val="dk1"/>
+            </a:effectRef>
+            <a:fontRef idx="minor">
+              <a:schemeClr val="dk1"/>
+            </a:fontRef>
+          </p:style>
+          <p:txBody>
+            <a:bodyPr rtlCol="0" anchor="ctr"/>
+            <a:lstStyle/>
+            <a:p>
+              <a:pPr algn="ctr"/>
+              <a:r>
+                <a:rPr lang="en-US" altLang="ko-KR" sz="1200"/>
+                <a:t>Eureka</a:t>
+              </a:r>
+            </a:p>
+            <a:p>
+              <a:pPr algn="ctr"/>
+              <a:r>
+                <a:rPr lang="en-US" altLang="ko-KR" sz="1200"/>
+                <a:t>Client</a:t>
+              </a:r>
+              <a:endParaRPr lang="ko-KR" altLang="en-US" sz="1200"/>
+            </a:p>
+          </p:txBody>
+        </p:sp>
+      </p:grpSp>
+      <p:cxnSp>
+        <p:nvCxnSpPr>
+          <p:cNvPr id="53" name="직선 화살표 연결선 52">
+            <a:extLst>
+              <a:ext uri="{FF2B5EF4-FFF2-40B4-BE49-F238E27FC236}">
+                <a16:creationId xmlns:a16="http://schemas.microsoft.com/office/drawing/2014/main" id="{AC910E81-0A5E-439A-89F6-A7DC0EBF4A8F}"/>
+              </a:ext>
+            </a:extLst>
+          </p:cNvPr>
+          <p:cNvCxnSpPr>
+            <a:cxnSpLocks/>
+            <a:stCxn id="89" idx="2"/>
+            <a:endCxn id="70" idx="0"/>
+          </p:cNvCxnSpPr>
+          <p:nvPr/>
+        </p:nvCxnSpPr>
+        <p:spPr>
+          <a:xfrm>
+            <a:off x="6629809" y="3094319"/>
+            <a:ext cx="799370" cy="712790"/>
+          </a:xfrm>
+          <a:prstGeom prst="straightConnector1">
+            <a:avLst/>
+          </a:prstGeom>
+          <a:ln w="28575">
+            <a:solidFill>
+              <a:schemeClr val="tx2"/>
+            </a:solidFill>
+            <a:headEnd type="none" w="med" len="med"/>
+            <a:tailEnd type="arrow" w="med" len="med"/>
+          </a:ln>
+        </p:spPr>
+        <p:style>
+          <a:lnRef idx="1">
+            <a:schemeClr val="accent1"/>
+          </a:lnRef>
+          <a:fillRef idx="0">
+            <a:schemeClr val="accent1"/>
+          </a:fillRef>
+          <a:effectRef idx="0">
+            <a:schemeClr val="accent1"/>
+          </a:effectRef>
+          <a:fontRef idx="minor">
+            <a:schemeClr val="tx1"/>
+          </a:fontRef>
+        </p:style>
+      </p:cxnSp>
+      <p:cxnSp>
+        <p:nvCxnSpPr>
+          <p:cNvPr id="79" name="직선 화살표 연결선 78">
+            <a:extLst>
+              <a:ext uri="{FF2B5EF4-FFF2-40B4-BE49-F238E27FC236}">
+                <a16:creationId xmlns:a16="http://schemas.microsoft.com/office/drawing/2014/main" id="{DA97E9A6-DA36-428C-9E62-879315BE7E34}"/>
+              </a:ext>
+            </a:extLst>
+          </p:cNvPr>
+          <p:cNvCxnSpPr>
+            <a:cxnSpLocks/>
+            <a:stCxn id="88" idx="2"/>
+            <a:endCxn id="22" idx="0"/>
+          </p:cNvCxnSpPr>
+          <p:nvPr/>
+        </p:nvCxnSpPr>
+        <p:spPr>
+          <a:xfrm flipH="1">
+            <a:off x="1517241" y="3094319"/>
+            <a:ext cx="4377112" cy="784798"/>
+          </a:xfrm>
+          <a:prstGeom prst="straightConnector1">
+            <a:avLst/>
+          </a:prstGeom>
+          <a:ln w="28575">
+            <a:solidFill>
+              <a:schemeClr val="accent6">
+                <a:lumMod val="75000"/>
+              </a:schemeClr>
+            </a:solidFill>
+            <a:headEnd type="none" w="med" len="med"/>
+            <a:tailEnd type="arrow" w="med" len="med"/>
+          </a:ln>
+        </p:spPr>
+        <p:style>
+          <a:lnRef idx="1">
+            <a:schemeClr val="accent1"/>
+          </a:lnRef>
+          <a:fillRef idx="0">
+            <a:schemeClr val="accent1"/>
+          </a:fillRef>
+          <a:effectRef idx="0">
+            <a:schemeClr val="accent1"/>
+          </a:effectRef>
+          <a:fontRef idx="minor">
+            <a:schemeClr val="tx1"/>
+          </a:fontRef>
+        </p:style>
+      </p:cxnSp>
+      <p:cxnSp>
+        <p:nvCxnSpPr>
+          <p:cNvPr id="101" name="직선 화살표 연결선 100">
+            <a:extLst>
+              <a:ext uri="{FF2B5EF4-FFF2-40B4-BE49-F238E27FC236}">
+                <a16:creationId xmlns:a16="http://schemas.microsoft.com/office/drawing/2014/main" id="{B715FD05-E573-4728-A0D2-0F8D186912DC}"/>
+              </a:ext>
+            </a:extLst>
+          </p:cNvPr>
+          <p:cNvCxnSpPr>
+            <a:cxnSpLocks/>
+            <a:stCxn id="89" idx="2"/>
+            <a:endCxn id="68" idx="0"/>
+          </p:cNvCxnSpPr>
+          <p:nvPr/>
+        </p:nvCxnSpPr>
+        <p:spPr>
+          <a:xfrm>
+            <a:off x="6629809" y="3094319"/>
+            <a:ext cx="962479" cy="576913"/>
+          </a:xfrm>
+          <a:prstGeom prst="straightConnector1">
+            <a:avLst/>
+          </a:prstGeom>
+          <a:ln w="28575">
+            <a:solidFill>
+              <a:schemeClr val="tx2"/>
+            </a:solidFill>
+            <a:headEnd type="none" w="med" len="med"/>
+            <a:tailEnd type="arrow" w="med" len="med"/>
+          </a:ln>
+        </p:spPr>
+        <p:style>
+          <a:lnRef idx="1">
+            <a:schemeClr val="accent1"/>
+          </a:lnRef>
+          <a:fillRef idx="0">
+            <a:schemeClr val="accent1"/>
+          </a:fillRef>
+          <a:effectRef idx="0">
+            <a:schemeClr val="accent1"/>
+          </a:effectRef>
+          <a:fontRef idx="minor">
+            <a:schemeClr val="tx1"/>
+          </a:fontRef>
+        </p:style>
+      </p:cxnSp>
+      <p:cxnSp>
+        <p:nvCxnSpPr>
+          <p:cNvPr id="46" name="직선 화살표 연결선 45">
+            <a:extLst>
+              <a:ext uri="{FF2B5EF4-FFF2-40B4-BE49-F238E27FC236}">
+                <a16:creationId xmlns:a16="http://schemas.microsoft.com/office/drawing/2014/main" id="{28124B58-BFE2-4E24-ABEE-06D7CAF45A6A}"/>
+              </a:ext>
+            </a:extLst>
+          </p:cNvPr>
+          <p:cNvCxnSpPr>
+            <a:cxnSpLocks/>
+            <a:stCxn id="90" idx="0"/>
+            <a:endCxn id="82" idx="2"/>
+          </p:cNvCxnSpPr>
+          <p:nvPr/>
+        </p:nvCxnSpPr>
+        <p:spPr>
+          <a:xfrm flipH="1" flipV="1">
+            <a:off x="6004878" y="1923679"/>
+            <a:ext cx="1350797" cy="791426"/>
+          </a:xfrm>
+          <a:prstGeom prst="straightConnector1">
+            <a:avLst/>
+          </a:prstGeom>
+          <a:ln w="28575">
+            <a:solidFill>
+              <a:schemeClr val="accent3">
+                <a:lumMod val="75000"/>
+              </a:schemeClr>
+            </a:solidFill>
+            <a:headEnd type="none" w="med" len="med"/>
+            <a:tailEnd type="arrow" w="med" len="med"/>
+          </a:ln>
+        </p:spPr>
+        <p:style>
+          <a:lnRef idx="1">
+            <a:schemeClr val="accent1"/>
+          </a:lnRef>
+          <a:fillRef idx="0">
+            <a:schemeClr val="accent1"/>
+          </a:fillRef>
+          <a:effectRef idx="0">
+            <a:schemeClr val="accent1"/>
+          </a:effectRef>
+          <a:fontRef idx="minor">
+            <a:schemeClr val="tx1"/>
+          </a:fontRef>
+        </p:style>
+      </p:cxnSp>
+      <p:cxnSp>
+        <p:nvCxnSpPr>
+          <p:cNvPr id="107" name="직선 화살표 연결선 106">
+            <a:extLst>
+              <a:ext uri="{FF2B5EF4-FFF2-40B4-BE49-F238E27FC236}">
+                <a16:creationId xmlns:a16="http://schemas.microsoft.com/office/drawing/2014/main" id="{70AF19B1-27F0-43F5-ACFB-2FF879D8FAFE}"/>
+              </a:ext>
+            </a:extLst>
+          </p:cNvPr>
+          <p:cNvCxnSpPr>
+            <a:cxnSpLocks/>
+            <a:stCxn id="55" idx="3"/>
+            <a:endCxn id="82" idx="2"/>
+          </p:cNvCxnSpPr>
+          <p:nvPr/>
+        </p:nvCxnSpPr>
+        <p:spPr>
+          <a:xfrm flipV="1">
+            <a:off x="3969397" y="1923679"/>
+            <a:ext cx="2035481" cy="981034"/>
+          </a:xfrm>
+          <a:prstGeom prst="straightConnector1">
+            <a:avLst/>
+          </a:prstGeom>
+          <a:ln w="28575">
+            <a:solidFill>
+              <a:schemeClr val="accent3">
+                <a:lumMod val="75000"/>
+              </a:schemeClr>
+            </a:solidFill>
+            <a:headEnd type="none" w="med" len="med"/>
+            <a:tailEnd type="arrow" w="med" len="med"/>
+          </a:ln>
+        </p:spPr>
+        <p:style>
+          <a:lnRef idx="1">
+            <a:schemeClr val="accent1"/>
+          </a:lnRef>
+          <a:fillRef idx="0">
+            <a:schemeClr val="accent1"/>
+          </a:fillRef>
+          <a:effectRef idx="0">
+            <a:schemeClr val="accent1"/>
+          </a:effectRef>
+          <a:fontRef idx="minor">
+            <a:schemeClr val="tx1"/>
+          </a:fontRef>
+        </p:style>
+      </p:cxnSp>
+      <p:cxnSp>
+        <p:nvCxnSpPr>
+          <p:cNvPr id="111" name="직선 화살표 연결선 110">
+            <a:extLst>
+              <a:ext uri="{FF2B5EF4-FFF2-40B4-BE49-F238E27FC236}">
+                <a16:creationId xmlns:a16="http://schemas.microsoft.com/office/drawing/2014/main" id="{B0280238-D414-4511-88E6-FBB69F14BEAD}"/>
+              </a:ext>
+            </a:extLst>
+          </p:cNvPr>
+          <p:cNvCxnSpPr>
+            <a:cxnSpLocks/>
+            <a:stCxn id="52" idx="2"/>
+            <a:endCxn id="22" idx="0"/>
+          </p:cNvCxnSpPr>
+          <p:nvPr/>
+        </p:nvCxnSpPr>
+        <p:spPr>
+          <a:xfrm flipH="1">
+            <a:off x="1517241" y="3094320"/>
+            <a:ext cx="632696" cy="784797"/>
+          </a:xfrm>
+          <a:prstGeom prst="straightConnector1">
+            <a:avLst/>
+          </a:prstGeom>
+          <a:ln w="28575">
+            <a:solidFill>
+              <a:schemeClr val="accent6">
+                <a:lumMod val="75000"/>
+              </a:schemeClr>
+            </a:solidFill>
+            <a:headEnd type="none" w="med" len="med"/>
+            <a:tailEnd type="arrow" w="med" len="med"/>
+          </a:ln>
+        </p:spPr>
+        <p:style>
+          <a:lnRef idx="1">
+            <a:schemeClr val="accent1"/>
+          </a:lnRef>
+          <a:fillRef idx="0">
+            <a:schemeClr val="accent1"/>
+          </a:fillRef>
+          <a:effectRef idx="0">
+            <a:schemeClr val="accent1"/>
+          </a:effectRef>
+          <a:fontRef idx="minor">
+            <a:schemeClr val="tx1"/>
+          </a:fontRef>
+        </p:style>
+      </p:cxnSp>
+      <p:cxnSp>
+        <p:nvCxnSpPr>
+          <p:cNvPr id="123" name="직선 화살표 연결선 122">
+            <a:extLst>
+              <a:ext uri="{FF2B5EF4-FFF2-40B4-BE49-F238E27FC236}">
+                <a16:creationId xmlns:a16="http://schemas.microsoft.com/office/drawing/2014/main" id="{53552F51-8092-463C-B157-2323BDEE0929}"/>
+              </a:ext>
+            </a:extLst>
+          </p:cNvPr>
+          <p:cNvCxnSpPr>
+            <a:cxnSpLocks/>
+            <a:endCxn id="63" idx="0"/>
+          </p:cNvCxnSpPr>
+          <p:nvPr/>
+        </p:nvCxnSpPr>
+        <p:spPr>
+          <a:xfrm>
+            <a:off x="1900238" y="3407569"/>
+            <a:ext cx="2572972" cy="471548"/>
+          </a:xfrm>
+          <a:prstGeom prst="straightConnector1">
+            <a:avLst/>
+          </a:prstGeom>
+          <a:ln w="28575">
+            <a:solidFill>
+              <a:schemeClr val="accent6">
+                <a:lumMod val="75000"/>
+              </a:schemeClr>
+            </a:solidFill>
+            <a:headEnd type="none" w="med" len="med"/>
+            <a:tailEnd type="arrow" w="med" len="med"/>
+          </a:ln>
+        </p:spPr>
+        <p:style>
+          <a:lnRef idx="1">
+            <a:schemeClr val="accent1"/>
+          </a:lnRef>
+          <a:fillRef idx="0">
+            <a:schemeClr val="accent1"/>
+          </a:fillRef>
+          <a:effectRef idx="0">
+            <a:schemeClr val="accent1"/>
+          </a:effectRef>
+          <a:fontRef idx="minor">
+            <a:schemeClr val="tx1"/>
+          </a:fontRef>
+        </p:style>
+      </p:cxnSp>
+      <p:cxnSp>
+        <p:nvCxnSpPr>
+          <p:cNvPr id="127" name="직선 화살표 연결선 126">
+            <a:extLst>
+              <a:ext uri="{FF2B5EF4-FFF2-40B4-BE49-F238E27FC236}">
+                <a16:creationId xmlns:a16="http://schemas.microsoft.com/office/drawing/2014/main" id="{AA95421C-DAA9-42A3-B37D-7A22CE2745E3}"/>
+              </a:ext>
+            </a:extLst>
+          </p:cNvPr>
+          <p:cNvCxnSpPr>
+            <a:cxnSpLocks/>
+            <a:endCxn id="63" idx="0"/>
+          </p:cNvCxnSpPr>
+          <p:nvPr/>
+        </p:nvCxnSpPr>
+        <p:spPr>
+          <a:xfrm>
+            <a:off x="3995936" y="3407569"/>
+            <a:ext cx="477274" cy="471548"/>
+          </a:xfrm>
+          <a:prstGeom prst="straightConnector1">
+            <a:avLst/>
+          </a:prstGeom>
+          <a:ln w="28575">
+            <a:solidFill>
+              <a:schemeClr val="accent6">
+                <a:lumMod val="75000"/>
+              </a:schemeClr>
+            </a:solidFill>
+            <a:headEnd type="none" w="med" len="med"/>
+            <a:tailEnd type="arrow" w="med" len="med"/>
+          </a:ln>
+        </p:spPr>
+        <p:style>
+          <a:lnRef idx="1">
+            <a:schemeClr val="accent1"/>
+          </a:lnRef>
+          <a:fillRef idx="0">
+            <a:schemeClr val="accent1"/>
+          </a:fillRef>
+          <a:effectRef idx="0">
+            <a:schemeClr val="accent1"/>
+          </a:effectRef>
+          <a:fontRef idx="minor">
+            <a:schemeClr val="tx1"/>
+          </a:fontRef>
+        </p:style>
+      </p:cxnSp>
+      <p:cxnSp>
+        <p:nvCxnSpPr>
+          <p:cNvPr id="132" name="직선 연결선 131">
+            <a:extLst>
+              <a:ext uri="{FF2B5EF4-FFF2-40B4-BE49-F238E27FC236}">
+                <a16:creationId xmlns:a16="http://schemas.microsoft.com/office/drawing/2014/main" id="{560DB294-BCEC-4668-BACF-31816A7B5010}"/>
+              </a:ext>
+            </a:extLst>
+          </p:cNvPr>
+          <p:cNvCxnSpPr>
+            <a:cxnSpLocks/>
+          </p:cNvCxnSpPr>
+          <p:nvPr/>
+        </p:nvCxnSpPr>
+        <p:spPr>
+          <a:xfrm rot="900000" flipV="1">
+            <a:off x="7088815" y="3486717"/>
+            <a:ext cx="128294" cy="165153"/>
+          </a:xfrm>
+          <a:prstGeom prst="line">
+            <a:avLst/>
+          </a:prstGeom>
+          <a:ln w="38100">
+            <a:solidFill>
+              <a:srgbClr val="C00000"/>
+            </a:solidFill>
+          </a:ln>
+        </p:spPr>
+        <p:style>
+          <a:lnRef idx="1">
+            <a:schemeClr val="accent1"/>
+          </a:lnRef>
+          <a:fillRef idx="0">
+            <a:schemeClr val="accent1"/>
+          </a:fillRef>
+          <a:effectRef idx="0">
+            <a:schemeClr val="accent1"/>
+          </a:effectRef>
+          <a:fontRef idx="minor">
+            <a:schemeClr val="tx1"/>
+          </a:fontRef>
+        </p:style>
+      </p:cxnSp>
+      <p:cxnSp>
+        <p:nvCxnSpPr>
+          <p:cNvPr id="146" name="직선 화살표 연결선 145">
+            <a:extLst>
+              <a:ext uri="{FF2B5EF4-FFF2-40B4-BE49-F238E27FC236}">
+                <a16:creationId xmlns:a16="http://schemas.microsoft.com/office/drawing/2014/main" id="{F87F7A62-4A6F-4BEC-A3F1-749CC80B0C81}"/>
+              </a:ext>
+            </a:extLst>
+          </p:cNvPr>
+          <p:cNvCxnSpPr>
+            <a:cxnSpLocks/>
+            <a:stCxn id="83" idx="3"/>
+            <a:endCxn id="80" idx="3"/>
+          </p:cNvCxnSpPr>
+          <p:nvPr/>
+        </p:nvCxnSpPr>
+        <p:spPr>
+          <a:xfrm flipV="1">
+            <a:off x="6363016" y="1351684"/>
+            <a:ext cx="544958" cy="275400"/>
+          </a:xfrm>
+          <a:prstGeom prst="straightConnector1">
+            <a:avLst/>
+          </a:prstGeom>
+          <a:ln w="28575">
+            <a:solidFill>
+              <a:schemeClr val="accent3">
+                <a:lumMod val="75000"/>
+              </a:schemeClr>
+            </a:solidFill>
+            <a:headEnd type="none" w="med" len="med"/>
+            <a:tailEnd type="arrow" w="med" len="med"/>
+          </a:ln>
+        </p:spPr>
+        <p:style>
+          <a:lnRef idx="1">
+            <a:schemeClr val="accent1"/>
+          </a:lnRef>
+          <a:fillRef idx="0">
+            <a:schemeClr val="accent1"/>
+          </a:fillRef>
+          <a:effectRef idx="0">
+            <a:schemeClr val="accent1"/>
+          </a:effectRef>
+          <a:fontRef idx="minor">
+            <a:schemeClr val="tx1"/>
+          </a:fontRef>
+        </p:style>
+      </p:cxnSp>
+      <p:cxnSp>
+        <p:nvCxnSpPr>
+          <p:cNvPr id="120" name="직선 연결선 119">
+            <a:extLst>
+              <a:ext uri="{FF2B5EF4-FFF2-40B4-BE49-F238E27FC236}">
+                <a16:creationId xmlns:a16="http://schemas.microsoft.com/office/drawing/2014/main" id="{8A3C0022-927C-4263-8619-5EC4CCCC9A3E}"/>
+              </a:ext>
+            </a:extLst>
+          </p:cNvPr>
+          <p:cNvCxnSpPr>
+            <a:cxnSpLocks/>
+          </p:cNvCxnSpPr>
+          <p:nvPr/>
+        </p:nvCxnSpPr>
+        <p:spPr>
+          <a:xfrm flipH="1" flipV="1">
+            <a:off x="1782209" y="3306179"/>
+            <a:ext cx="269511" cy="228172"/>
+          </a:xfrm>
+          <a:prstGeom prst="line">
+            <a:avLst/>
+          </a:prstGeom>
+          <a:ln w="38100">
+            <a:solidFill>
+              <a:srgbClr val="C00000"/>
+            </a:solidFill>
+          </a:ln>
+        </p:spPr>
+        <p:style>
+          <a:lnRef idx="1">
+            <a:schemeClr val="accent1"/>
+          </a:lnRef>
+          <a:fillRef idx="0">
+            <a:schemeClr val="accent1"/>
+          </a:fillRef>
+          <a:effectRef idx="0">
+            <a:schemeClr val="accent1"/>
+          </a:effectRef>
+          <a:fontRef idx="minor">
+            <a:schemeClr val="tx1"/>
+          </a:fontRef>
+        </p:style>
+      </p:cxnSp>
+      <p:cxnSp>
+        <p:nvCxnSpPr>
+          <p:cNvPr id="122" name="직선 연결선 121">
+            <a:extLst>
+              <a:ext uri="{FF2B5EF4-FFF2-40B4-BE49-F238E27FC236}">
+                <a16:creationId xmlns:a16="http://schemas.microsoft.com/office/drawing/2014/main" id="{13B9830E-A0C7-4CAE-B4BC-24CB07F0656E}"/>
+              </a:ext>
+            </a:extLst>
+          </p:cNvPr>
+          <p:cNvCxnSpPr>
+            <a:cxnSpLocks/>
+          </p:cNvCxnSpPr>
+          <p:nvPr/>
+        </p:nvCxnSpPr>
+        <p:spPr>
+          <a:xfrm flipH="1" flipV="1">
+            <a:off x="3870441" y="3306179"/>
+            <a:ext cx="269511" cy="228172"/>
+          </a:xfrm>
+          <a:prstGeom prst="line">
+            <a:avLst/>
+          </a:prstGeom>
+          <a:ln w="38100">
+            <a:solidFill>
+              <a:srgbClr val="C00000"/>
+            </a:solidFill>
+          </a:ln>
+        </p:spPr>
+        <p:style>
+          <a:lnRef idx="1">
+            <a:schemeClr val="accent1"/>
+          </a:lnRef>
+          <a:fillRef idx="0">
+            <a:schemeClr val="accent1"/>
+          </a:fillRef>
+          <a:effectRef idx="0">
+            <a:schemeClr val="accent1"/>
+          </a:effectRef>
+          <a:fontRef idx="minor">
+            <a:schemeClr val="tx1"/>
+          </a:fontRef>
+        </p:style>
+      </p:cxnSp>
+    </p:spTree>
+    <p:extLst>
+      <p:ext uri="{BB962C8B-B14F-4D97-AF65-F5344CB8AC3E}">
+        <p14:creationId xmlns:p14="http://schemas.microsoft.com/office/powerpoint/2010/main" val="1554035265"/>
       </p:ext>
     </p:extLst>
   </p:cSld>
